--- a/Figures/Structure.pptx
+++ b/Figures/Structure.pptx
@@ -6,6 +6,7 @@
   </p:sldMasterIdLst>
   <p:sldIdLst>
     <p:sldId id="256" r:id="rId2"/>
+    <p:sldId id="257" r:id="rId3"/>
   </p:sldIdLst>
   <p:sldSz cx="12192000" cy="6858000"/>
   <p:notesSz cx="6858000" cy="9144000"/>
@@ -207,7 +208,7 @@
           <a:effectLst/>
           <a:extLst>
             <a:ext uri="{91240B29-F687-4f45-9708-019B960494DF}">
-              <a14:hiddenLine xmlns:a14="http://schemas.microsoft.com/office/drawing/2010/main" xmlns="" w="9525">
+              <a14:hiddenLine xmlns="" xmlns:a14="http://schemas.microsoft.com/office/drawing/2010/main" w="9525">
                 <a:solidFill>
                   <a:srgbClr val="000000"/>
                 </a:solidFill>
@@ -399,7 +400,7 @@
           <a:p>
             <a:fld id="{EFFCBDAD-9962-41C1-AA5B-39C71D40D4AA}" type="datetimeFigureOut">
               <a:rPr lang="ko-KR" altLang="en-US" smtClean="0"/>
-              <a:t>2020-07-12</a:t>
+              <a:t>2020-07-22</a:t>
             </a:fld>
             <a:endParaRPr lang="ko-KR" altLang="en-US"/>
           </a:p>
@@ -717,7 +718,7 @@
           <a:p>
             <a:fld id="{EFFCBDAD-9962-41C1-AA5B-39C71D40D4AA}" type="datetimeFigureOut">
               <a:rPr lang="ko-KR" altLang="en-US" smtClean="0"/>
-              <a:t>2020-07-12</a:t>
+              <a:t>2020-07-22</a:t>
             </a:fld>
             <a:endParaRPr lang="ko-KR" altLang="en-US"/>
           </a:p>
@@ -1205,7 +1206,7 @@
           <a:p>
             <a:fld id="{EFFCBDAD-9962-41C1-AA5B-39C71D40D4AA}" type="datetimeFigureOut">
               <a:rPr lang="ko-KR" altLang="en-US" smtClean="0"/>
-              <a:t>2020-07-12</a:t>
+              <a:t>2020-07-22</a:t>
             </a:fld>
             <a:endParaRPr lang="ko-KR" altLang="en-US"/>
           </a:p>
@@ -1574,7 +1575,7 @@
           <a:p>
             <a:fld id="{EFFCBDAD-9962-41C1-AA5B-39C71D40D4AA}" type="datetimeFigureOut">
               <a:rPr lang="ko-KR" altLang="en-US" smtClean="0"/>
-              <a:t>2020-07-12</a:t>
+              <a:t>2020-07-22</a:t>
             </a:fld>
             <a:endParaRPr lang="ko-KR" altLang="en-US"/>
           </a:p>
@@ -1729,7 +1730,7 @@
           <a:ln/>
           <a:extLst>
             <a:ext uri="{91240B29-F687-4f45-9708-019B960494DF}">
-              <a14:hiddenLine xmlns:a14="http://schemas.microsoft.com/office/drawing/2010/main" xmlns="" w="9525">
+              <a14:hiddenLine xmlns="" xmlns:a14="http://schemas.microsoft.com/office/drawing/2010/main" w="9525">
                 <a:solidFill>
                   <a:srgbClr val="000000"/>
                 </a:solidFill>
@@ -1847,7 +1848,7 @@
           <a:p>
             <a:fld id="{EFFCBDAD-9962-41C1-AA5B-39C71D40D4AA}" type="datetimeFigureOut">
               <a:rPr lang="ko-KR" altLang="en-US" smtClean="0"/>
-              <a:t>2020-07-12</a:t>
+              <a:t>2020-07-22</a:t>
             </a:fld>
             <a:endParaRPr lang="ko-KR" altLang="en-US"/>
           </a:p>
@@ -2004,7 +2005,7 @@
           <a:ln/>
           <a:extLst>
             <a:ext uri="{91240B29-F687-4f45-9708-019B960494DF}">
-              <a14:hiddenLine xmlns:a14="http://schemas.microsoft.com/office/drawing/2010/main" xmlns="" w="9525">
+              <a14:hiddenLine xmlns="" xmlns:a14="http://schemas.microsoft.com/office/drawing/2010/main" w="9525">
                 <a:solidFill>
                   <a:srgbClr val="000000"/>
                 </a:solidFill>
@@ -2132,7 +2133,7 @@
           <a:p>
             <a:fld id="{EFFCBDAD-9962-41C1-AA5B-39C71D40D4AA}" type="datetimeFigureOut">
               <a:rPr lang="ko-KR" altLang="en-US" smtClean="0"/>
-              <a:t>2020-07-12</a:t>
+              <a:t>2020-07-22</a:t>
             </a:fld>
             <a:endParaRPr lang="ko-KR" altLang="en-US"/>
           </a:p>
@@ -2287,7 +2288,7 @@
           <a:ln/>
           <a:extLst>
             <a:ext uri="{91240B29-F687-4f45-9708-019B960494DF}">
-              <a14:hiddenLine xmlns:a14="http://schemas.microsoft.com/office/drawing/2010/main" xmlns="" w="9525">
+              <a14:hiddenLine xmlns="" xmlns:a14="http://schemas.microsoft.com/office/drawing/2010/main" w="9525">
                 <a:solidFill>
                   <a:srgbClr val="000000"/>
                 </a:solidFill>
@@ -2415,7 +2416,7 @@
           <a:p>
             <a:fld id="{EFFCBDAD-9962-41C1-AA5B-39C71D40D4AA}" type="datetimeFigureOut">
               <a:rPr lang="ko-KR" altLang="en-US" smtClean="0"/>
-              <a:t>2020-07-12</a:t>
+              <a:t>2020-07-22</a:t>
             </a:fld>
             <a:endParaRPr lang="ko-KR" altLang="en-US"/>
           </a:p>
@@ -2758,7 +2759,7 @@
           <a:p>
             <a:fld id="{EFFCBDAD-9962-41C1-AA5B-39C71D40D4AA}" type="datetimeFigureOut">
               <a:rPr lang="ko-KR" altLang="en-US" smtClean="0"/>
-              <a:t>2020-07-12</a:t>
+              <a:t>2020-07-22</a:t>
             </a:fld>
             <a:endParaRPr lang="ko-KR" altLang="en-US"/>
           </a:p>
@@ -2913,7 +2914,7 @@
           <a:ln/>
           <a:extLst>
             <a:ext uri="{91240B29-F687-4f45-9708-019B960494DF}">
-              <a14:hiddenLine xmlns:a14="http://schemas.microsoft.com/office/drawing/2010/main" xmlns="" w="9525">
+              <a14:hiddenLine xmlns="" xmlns:a14="http://schemas.microsoft.com/office/drawing/2010/main" w="9525">
                 <a:solidFill>
                   <a:srgbClr val="000000"/>
                 </a:solidFill>
@@ -3097,7 +3098,7 @@
           <a:p>
             <a:fld id="{EFFCBDAD-9962-41C1-AA5B-39C71D40D4AA}" type="datetimeFigureOut">
               <a:rPr lang="ko-KR" altLang="en-US" smtClean="0"/>
-              <a:t>2020-07-12</a:t>
+              <a:t>2020-07-22</a:t>
             </a:fld>
             <a:endParaRPr lang="ko-KR" altLang="en-US"/>
           </a:p>
@@ -3252,7 +3253,7 @@
           <a:ln/>
           <a:extLst>
             <a:ext uri="{91240B29-F687-4f45-9708-019B960494DF}">
-              <a14:hiddenLine xmlns:a14="http://schemas.microsoft.com/office/drawing/2010/main" xmlns="" w="9525">
+              <a14:hiddenLine xmlns="" xmlns:a14="http://schemas.microsoft.com/office/drawing/2010/main" w="9525">
                 <a:solidFill>
                   <a:srgbClr val="000000"/>
                 </a:solidFill>
@@ -3574,7 +3575,7 @@
           <a:p>
             <a:fld id="{EFFCBDAD-9962-41C1-AA5B-39C71D40D4AA}" type="datetimeFigureOut">
               <a:rPr lang="ko-KR" altLang="en-US" smtClean="0"/>
-              <a:t>2020-07-12</a:t>
+              <a:t>2020-07-22</a:t>
             </a:fld>
             <a:endParaRPr lang="ko-KR" altLang="en-US"/>
           </a:p>
@@ -3729,7 +3730,7 @@
           <a:ln/>
           <a:extLst>
             <a:ext uri="{91240B29-F687-4f45-9708-019B960494DF}">
-              <a14:hiddenLine xmlns:a14="http://schemas.microsoft.com/office/drawing/2010/main" xmlns="" w="9525">
+              <a14:hiddenLine xmlns="" xmlns:a14="http://schemas.microsoft.com/office/drawing/2010/main" w="9525">
                 <a:solidFill>
                   <a:srgbClr val="000000"/>
                 </a:solidFill>
@@ -3795,7 +3796,7 @@
           <a:p>
             <a:fld id="{EFFCBDAD-9962-41C1-AA5B-39C71D40D4AA}" type="datetimeFigureOut">
               <a:rPr lang="ko-KR" altLang="en-US" smtClean="0"/>
-              <a:t>2020-07-12</a:t>
+              <a:t>2020-07-22</a:t>
             </a:fld>
             <a:endParaRPr lang="ko-KR" altLang="en-US"/>
           </a:p>
@@ -3890,7 +3891,7 @@
           <a:p>
             <a:fld id="{EFFCBDAD-9962-41C1-AA5B-39C71D40D4AA}" type="datetimeFigureOut">
               <a:rPr lang="ko-KR" altLang="en-US" smtClean="0"/>
-              <a:t>2020-07-12</a:t>
+              <a:t>2020-07-22</a:t>
             </a:fld>
             <a:endParaRPr lang="ko-KR" altLang="en-US"/>
           </a:p>
@@ -4158,7 +4159,7 @@
           <a:ln/>
           <a:extLst>
             <a:ext uri="{91240B29-F687-4f45-9708-019B960494DF}">
-              <a14:hiddenLine xmlns:a14="http://schemas.microsoft.com/office/drawing/2010/main" xmlns="" w="9525">
+              <a14:hiddenLine xmlns="" xmlns:a14="http://schemas.microsoft.com/office/drawing/2010/main" w="9525">
                 <a:solidFill>
                   <a:srgbClr val="000000"/>
                 </a:solidFill>
@@ -4357,7 +4358,7 @@
           <a:p>
             <a:fld id="{EFFCBDAD-9962-41C1-AA5B-39C71D40D4AA}" type="datetimeFigureOut">
               <a:rPr lang="ko-KR" altLang="en-US" smtClean="0"/>
-              <a:t>2020-07-12</a:t>
+              <a:t>2020-07-22</a:t>
             </a:fld>
             <a:endParaRPr lang="ko-KR" altLang="en-US"/>
           </a:p>
@@ -4670,7 +4671,7 @@
           <a:p>
             <a:fld id="{EFFCBDAD-9962-41C1-AA5B-39C71D40D4AA}" type="datetimeFigureOut">
               <a:rPr lang="ko-KR" altLang="en-US" smtClean="0"/>
-              <a:t>2020-07-12</a:t>
+              <a:t>2020-07-22</a:t>
             </a:fld>
             <a:endParaRPr lang="ko-KR" altLang="en-US"/>
           </a:p>
@@ -4940,7 +4941,7 @@
           <a:p>
             <a:fld id="{EFFCBDAD-9962-41C1-AA5B-39C71D40D4AA}" type="datetimeFigureOut">
               <a:rPr lang="ko-KR" altLang="en-US" smtClean="0"/>
-              <a:t>2020-07-12</a:t>
+              <a:t>2020-07-22</a:t>
             </a:fld>
             <a:endParaRPr lang="ko-KR" altLang="en-US"/>
           </a:p>
@@ -5389,1320 +5390,1402 @@
           <a:chExt cx="0" cy="0"/>
         </a:xfrm>
       </p:grpSpPr>
-      <p:grpSp>
-        <p:nvGrpSpPr>
-          <p:cNvPr id="134" name="그룹 133">
+      <p:sp>
+        <p:nvSpPr>
+          <p:cNvPr id="39" name="사각형: 둥근 모서리 38">
             <a:extLst>
               <a:ext uri="{FF2B5EF4-FFF2-40B4-BE49-F238E27FC236}">
-                <a16:creationId xmlns:a16="http://schemas.microsoft.com/office/drawing/2014/main" id="{686DD5E6-A189-4E9B-8585-36CB72B30AC9}"/>
+                <a16:creationId xmlns:a16="http://schemas.microsoft.com/office/drawing/2014/main" id="{832FB754-DA0E-4A9E-B249-192431DAB1DC}"/>
               </a:ext>
             </a:extLst>
           </p:cNvPr>
-          <p:cNvGrpSpPr/>
+          <p:cNvSpPr/>
           <p:nvPr/>
-        </p:nvGrpSpPr>
-        <p:grpSpPr>
+        </p:nvSpPr>
+        <p:spPr>
           <a:xfrm>
-            <a:off x="-313194" y="-884143"/>
-            <a:ext cx="12818388" cy="4313143"/>
-            <a:chOff x="-15320407" y="-1407044"/>
-            <a:chExt cx="12818388" cy="4313143"/>
-          </a:xfrm>
+            <a:off x="2393306" y="-2045024"/>
+            <a:ext cx="1992388" cy="830511"/>
+          </a:xfrm>
+          <a:prstGeom prst="roundRect">
+            <a:avLst/>
+          </a:prstGeom>
           <a:solidFill>
             <a:srgbClr val="00BCB3"/>
           </a:solidFill>
-        </p:grpSpPr>
-        <p:sp>
-          <p:nvSpPr>
-            <p:cNvPr id="39" name="사각형: 둥근 모서리 38">
-              <a:extLst>
-                <a:ext uri="{FF2B5EF4-FFF2-40B4-BE49-F238E27FC236}">
-                  <a16:creationId xmlns:a16="http://schemas.microsoft.com/office/drawing/2014/main" id="{832FB754-DA0E-4A9E-B249-192431DAB1DC}"/>
-                </a:ext>
-              </a:extLst>
-            </p:cNvPr>
-            <p:cNvSpPr/>
-            <p:nvPr/>
-          </p:nvSpPr>
-          <p:spPr>
-            <a:xfrm>
-              <a:off x="-12613907" y="-1407044"/>
-              <a:ext cx="1992388" cy="830511"/>
-            </a:xfrm>
-            <a:prstGeom prst="roundRect">
-              <a:avLst/>
-            </a:prstGeom>
-            <a:grpFill/>
-            <a:ln>
-              <a:noFill/>
-            </a:ln>
-          </p:spPr>
-          <p:style>
-            <a:lnRef idx="2">
-              <a:schemeClr val="accent1">
-                <a:shade val="50000"/>
-              </a:schemeClr>
-            </a:lnRef>
-            <a:fillRef idx="1">
-              <a:schemeClr val="accent1"/>
-            </a:fillRef>
-            <a:effectRef idx="0">
-              <a:schemeClr val="accent1"/>
-            </a:effectRef>
-            <a:fontRef idx="minor">
-              <a:schemeClr val="lt1"/>
-            </a:fontRef>
-          </p:style>
-          <p:txBody>
-            <a:bodyPr rtlCol="0" anchor="ctr"/>
-            <a:lstStyle/>
-            <a:p>
-              <a:pPr algn="ctr"/>
-              <a:r>
-                <a:rPr lang="en-US" altLang="ko-KR" b="1" dirty="0">
-                  <a:solidFill>
-                    <a:sysClr val="windowText" lastClr="000000"/>
-                  </a:solidFill>
-                </a:rPr>
-                <a:t>Glow decoder</a:t>
-              </a:r>
-              <a:endParaRPr lang="ko-KR" altLang="en-US" b="1" dirty="0">
+          <a:ln>
+            <a:solidFill>
+              <a:schemeClr val="bg1"/>
+            </a:solidFill>
+          </a:ln>
+        </p:spPr>
+        <p:style>
+          <a:lnRef idx="2">
+            <a:schemeClr val="accent1">
+              <a:shade val="50000"/>
+            </a:schemeClr>
+          </a:lnRef>
+          <a:fillRef idx="1">
+            <a:schemeClr val="accent1"/>
+          </a:fillRef>
+          <a:effectRef idx="0">
+            <a:schemeClr val="accent1"/>
+          </a:effectRef>
+          <a:fontRef idx="minor">
+            <a:schemeClr val="lt1"/>
+          </a:fontRef>
+        </p:style>
+        <p:txBody>
+          <a:bodyPr rtlCol="0" anchor="ctr"/>
+          <a:lstStyle/>
+          <a:p>
+            <a:pPr algn="ctr"/>
+            <a:r>
+              <a:rPr lang="en-US" altLang="ko-KR" b="1" dirty="0">
                 <a:solidFill>
                   <a:sysClr val="windowText" lastClr="000000"/>
                 </a:solidFill>
-              </a:endParaRPr>
-            </a:p>
-          </p:txBody>
-        </p:sp>
-        <p:sp>
-          <p:nvSpPr>
-            <p:cNvPr id="40" name="사각형: 둥근 모서리 39">
-              <a:extLst>
-                <a:ext uri="{FF2B5EF4-FFF2-40B4-BE49-F238E27FC236}">
-                  <a16:creationId xmlns:a16="http://schemas.microsoft.com/office/drawing/2014/main" id="{0B4BC832-EF43-4981-B86F-D086685E65BB}"/>
-                </a:ext>
-              </a:extLst>
-            </p:cNvPr>
-            <p:cNvSpPr/>
-            <p:nvPr/>
-          </p:nvSpPr>
-          <p:spPr>
-            <a:xfrm>
-              <a:off x="-15320407" y="-1407044"/>
-              <a:ext cx="1992388" cy="830511"/>
-            </a:xfrm>
-            <a:prstGeom prst="roundRect">
-              <a:avLst/>
-            </a:prstGeom>
-            <a:grpFill/>
-            <a:ln>
-              <a:noFill/>
-            </a:ln>
-          </p:spPr>
-          <p:style>
-            <a:lnRef idx="2">
-              <a:schemeClr val="accent1">
-                <a:shade val="50000"/>
-              </a:schemeClr>
-            </a:lnRef>
-            <a:fillRef idx="1">
-              <a:schemeClr val="accent1"/>
-            </a:fillRef>
-            <a:effectRef idx="0">
-              <a:schemeClr val="accent1"/>
-            </a:effectRef>
-            <a:fontRef idx="minor">
-              <a:schemeClr val="lt1"/>
-            </a:fontRef>
-          </p:style>
-          <p:txBody>
-            <a:bodyPr rtlCol="0" anchor="ctr"/>
-            <a:lstStyle/>
-            <a:p>
-              <a:pPr algn="ctr"/>
-              <a:r>
-                <a:rPr lang="en-US" altLang="ko-KR" b="1" dirty="0">
-                  <a:solidFill>
-                    <a:sysClr val="windowText" lastClr="000000"/>
-                  </a:solidFill>
-                </a:rPr>
-                <a:t>Mel</a:t>
-              </a:r>
-              <a:endParaRPr lang="ko-KR" altLang="en-US" b="1" dirty="0">
+              </a:rPr>
+              <a:t>Glow decoder</a:t>
+            </a:r>
+            <a:endParaRPr lang="ko-KR" altLang="en-US" b="1" dirty="0">
+              <a:solidFill>
+                <a:sysClr val="windowText" lastClr="000000"/>
+              </a:solidFill>
+            </a:endParaRPr>
+          </a:p>
+        </p:txBody>
+      </p:sp>
+      <p:sp>
+        <p:nvSpPr>
+          <p:cNvPr id="40" name="사각형: 둥근 모서리 39">
+            <a:extLst>
+              <a:ext uri="{FF2B5EF4-FFF2-40B4-BE49-F238E27FC236}">
+                <a16:creationId xmlns:a16="http://schemas.microsoft.com/office/drawing/2014/main" id="{0B4BC832-EF43-4981-B86F-D086685E65BB}"/>
+              </a:ext>
+            </a:extLst>
+          </p:cNvPr>
+          <p:cNvSpPr/>
+          <p:nvPr/>
+        </p:nvSpPr>
+        <p:spPr>
+          <a:xfrm>
+            <a:off x="-313194" y="-2045024"/>
+            <a:ext cx="1992388" cy="830511"/>
+          </a:xfrm>
+          <a:prstGeom prst="roundRect">
+            <a:avLst/>
+          </a:prstGeom>
+          <a:solidFill>
+            <a:srgbClr val="00BCB3"/>
+          </a:solidFill>
+          <a:ln>
+            <a:solidFill>
+              <a:schemeClr val="bg1"/>
+            </a:solidFill>
+          </a:ln>
+        </p:spPr>
+        <p:style>
+          <a:lnRef idx="2">
+            <a:schemeClr val="accent1">
+              <a:shade val="50000"/>
+            </a:schemeClr>
+          </a:lnRef>
+          <a:fillRef idx="1">
+            <a:schemeClr val="accent1"/>
+          </a:fillRef>
+          <a:effectRef idx="0">
+            <a:schemeClr val="accent1"/>
+          </a:effectRef>
+          <a:fontRef idx="minor">
+            <a:schemeClr val="lt1"/>
+          </a:fontRef>
+        </p:style>
+        <p:txBody>
+          <a:bodyPr rtlCol="0" anchor="ctr"/>
+          <a:lstStyle/>
+          <a:p>
+            <a:pPr algn="ctr"/>
+            <a:r>
+              <a:rPr lang="en-US" altLang="ko-KR" b="1" dirty="0">
                 <a:solidFill>
                   <a:sysClr val="windowText" lastClr="000000"/>
                 </a:solidFill>
-              </a:endParaRPr>
-            </a:p>
-          </p:txBody>
-        </p:sp>
-        <p:sp>
-          <p:nvSpPr>
-            <p:cNvPr id="41" name="사각형: 둥근 모서리 40">
-              <a:extLst>
-                <a:ext uri="{FF2B5EF4-FFF2-40B4-BE49-F238E27FC236}">
-                  <a16:creationId xmlns:a16="http://schemas.microsoft.com/office/drawing/2014/main" id="{1B4139BF-4146-4698-879D-5825470D192B}"/>
-                </a:ext>
-              </a:extLst>
-            </p:cNvPr>
-            <p:cNvSpPr/>
-            <p:nvPr/>
-          </p:nvSpPr>
-          <p:spPr>
-            <a:xfrm>
-              <a:off x="-12613907" y="-246165"/>
-              <a:ext cx="1992388" cy="830511"/>
-            </a:xfrm>
-            <a:prstGeom prst="roundRect">
-              <a:avLst/>
-            </a:prstGeom>
-            <a:grpFill/>
-            <a:ln>
-              <a:noFill/>
-            </a:ln>
-          </p:spPr>
-          <p:style>
-            <a:lnRef idx="2">
-              <a:schemeClr val="accent1">
-                <a:shade val="50000"/>
-              </a:schemeClr>
-            </a:lnRef>
-            <a:fillRef idx="1">
-              <a:schemeClr val="accent1"/>
-            </a:fillRef>
-            <a:effectRef idx="0">
-              <a:schemeClr val="accent1"/>
-            </a:effectRef>
-            <a:fontRef idx="minor">
-              <a:schemeClr val="lt1"/>
-            </a:fontRef>
-          </p:style>
-          <p:txBody>
-            <a:bodyPr rtlCol="0" anchor="ctr"/>
-            <a:lstStyle/>
-            <a:p>
-              <a:pPr algn="ctr"/>
-              <a:r>
-                <a:rPr lang="en-US" altLang="ko-KR" b="1" dirty="0">
-                  <a:solidFill>
-                    <a:sysClr val="windowText" lastClr="000000"/>
-                  </a:solidFill>
-                </a:rPr>
-                <a:t>Text</a:t>
-              </a:r>
-              <a:r>
-                <a:rPr lang="ko-KR" altLang="en-US" b="1" dirty="0">
-                  <a:solidFill>
-                    <a:sysClr val="windowText" lastClr="000000"/>
-                  </a:solidFill>
-                </a:rPr>
-                <a:t> </a:t>
-              </a:r>
-              <a:r>
-                <a:rPr lang="en-US" altLang="ko-KR" b="1" dirty="0">
-                  <a:solidFill>
-                    <a:sysClr val="windowText" lastClr="000000"/>
-                  </a:solidFill>
-                </a:rPr>
-                <a:t>encoder</a:t>
-              </a:r>
-              <a:endParaRPr lang="ko-KR" altLang="en-US" b="1" dirty="0">
+              </a:rPr>
+              <a:t>Mel</a:t>
+            </a:r>
+            <a:endParaRPr lang="ko-KR" altLang="en-US" b="1" dirty="0">
+              <a:solidFill>
+                <a:sysClr val="windowText" lastClr="000000"/>
+              </a:solidFill>
+            </a:endParaRPr>
+          </a:p>
+        </p:txBody>
+      </p:sp>
+      <p:sp>
+        <p:nvSpPr>
+          <p:cNvPr id="41" name="사각형: 둥근 모서리 40">
+            <a:extLst>
+              <a:ext uri="{FF2B5EF4-FFF2-40B4-BE49-F238E27FC236}">
+                <a16:creationId xmlns:a16="http://schemas.microsoft.com/office/drawing/2014/main" id="{1B4139BF-4146-4698-879D-5825470D192B}"/>
+              </a:ext>
+            </a:extLst>
+          </p:cNvPr>
+          <p:cNvSpPr/>
+          <p:nvPr/>
+        </p:nvSpPr>
+        <p:spPr>
+          <a:xfrm>
+            <a:off x="2393306" y="276736"/>
+            <a:ext cx="1992388" cy="830511"/>
+          </a:xfrm>
+          <a:prstGeom prst="roundRect">
+            <a:avLst/>
+          </a:prstGeom>
+          <a:solidFill>
+            <a:srgbClr val="00BCB3"/>
+          </a:solidFill>
+          <a:ln>
+            <a:solidFill>
+              <a:schemeClr val="bg1"/>
+            </a:solidFill>
+          </a:ln>
+        </p:spPr>
+        <p:style>
+          <a:lnRef idx="2">
+            <a:schemeClr val="accent1">
+              <a:shade val="50000"/>
+            </a:schemeClr>
+          </a:lnRef>
+          <a:fillRef idx="1">
+            <a:schemeClr val="accent1"/>
+          </a:fillRef>
+          <a:effectRef idx="0">
+            <a:schemeClr val="accent1"/>
+          </a:effectRef>
+          <a:fontRef idx="minor">
+            <a:schemeClr val="lt1"/>
+          </a:fontRef>
+        </p:style>
+        <p:txBody>
+          <a:bodyPr rtlCol="0" anchor="ctr"/>
+          <a:lstStyle/>
+          <a:p>
+            <a:pPr algn="ctr"/>
+            <a:r>
+              <a:rPr lang="en-US" altLang="ko-KR" b="1" dirty="0">
                 <a:solidFill>
                   <a:sysClr val="windowText" lastClr="000000"/>
                 </a:solidFill>
-              </a:endParaRPr>
-            </a:p>
-          </p:txBody>
-        </p:sp>
-        <p:sp>
-          <p:nvSpPr>
-            <p:cNvPr id="42" name="사각형: 둥근 모서리 41">
-              <a:extLst>
-                <a:ext uri="{FF2B5EF4-FFF2-40B4-BE49-F238E27FC236}">
-                  <a16:creationId xmlns:a16="http://schemas.microsoft.com/office/drawing/2014/main" id="{CFC4D61B-42D4-4076-A72C-1B5B080569B4}"/>
-                </a:ext>
-              </a:extLst>
-            </p:cNvPr>
-            <p:cNvSpPr/>
-            <p:nvPr/>
-          </p:nvSpPr>
-          <p:spPr>
-            <a:xfrm>
-              <a:off x="-15320407" y="-246165"/>
-              <a:ext cx="1992388" cy="830511"/>
-            </a:xfrm>
-            <a:prstGeom prst="roundRect">
-              <a:avLst/>
-            </a:prstGeom>
-            <a:grpFill/>
-            <a:ln>
-              <a:noFill/>
-            </a:ln>
-          </p:spPr>
-          <p:style>
-            <a:lnRef idx="2">
-              <a:schemeClr val="accent1">
-                <a:shade val="50000"/>
-              </a:schemeClr>
-            </a:lnRef>
-            <a:fillRef idx="1">
-              <a:schemeClr val="accent1"/>
-            </a:fillRef>
-            <a:effectRef idx="0">
-              <a:schemeClr val="accent1"/>
-            </a:effectRef>
-            <a:fontRef idx="minor">
-              <a:schemeClr val="lt1"/>
-            </a:fontRef>
-          </p:style>
-          <p:txBody>
-            <a:bodyPr rtlCol="0" anchor="ctr"/>
-            <a:lstStyle/>
-            <a:p>
-              <a:pPr algn="ctr"/>
-              <a:r>
-                <a:rPr lang="en-US" altLang="ko-KR" b="1" dirty="0">
-                  <a:solidFill>
-                    <a:sysClr val="windowText" lastClr="000000"/>
-                  </a:solidFill>
-                </a:rPr>
-                <a:t>Text</a:t>
-              </a:r>
-              <a:endParaRPr lang="ko-KR" altLang="en-US" b="1" dirty="0">
+              </a:rPr>
+              <a:t>Text</a:t>
+            </a:r>
+            <a:r>
+              <a:rPr lang="ko-KR" altLang="en-US" b="1" dirty="0">
                 <a:solidFill>
                   <a:sysClr val="windowText" lastClr="000000"/>
                 </a:solidFill>
-              </a:endParaRPr>
-            </a:p>
-          </p:txBody>
-        </p:sp>
-        <p:sp>
-          <p:nvSpPr>
-            <p:cNvPr id="43" name="사각형: 둥근 모서리 42">
-              <a:extLst>
-                <a:ext uri="{FF2B5EF4-FFF2-40B4-BE49-F238E27FC236}">
-                  <a16:creationId xmlns:a16="http://schemas.microsoft.com/office/drawing/2014/main" id="{A8DF4D6E-42BE-44E7-A9B0-3D2FEA432EDD}"/>
-                </a:ext>
-              </a:extLst>
-            </p:cNvPr>
-            <p:cNvSpPr/>
-            <p:nvPr/>
-          </p:nvSpPr>
-          <p:spPr>
-            <a:xfrm>
-              <a:off x="-9907407" y="2075588"/>
-              <a:ext cx="1992388" cy="830511"/>
-            </a:xfrm>
-            <a:prstGeom prst="roundRect">
-              <a:avLst/>
-            </a:prstGeom>
-            <a:grpFill/>
-            <a:ln>
-              <a:noFill/>
-            </a:ln>
-          </p:spPr>
-          <p:style>
-            <a:lnRef idx="2">
-              <a:schemeClr val="accent1">
-                <a:shade val="50000"/>
-              </a:schemeClr>
-            </a:lnRef>
-            <a:fillRef idx="1">
-              <a:schemeClr val="accent1"/>
-            </a:fillRef>
-            <a:effectRef idx="0">
-              <a:schemeClr val="accent1"/>
-            </a:effectRef>
-            <a:fontRef idx="minor">
-              <a:schemeClr val="lt1"/>
-            </a:fontRef>
-          </p:style>
-          <p:txBody>
-            <a:bodyPr rtlCol="0" anchor="ctr"/>
-            <a:lstStyle/>
-            <a:p>
-              <a:pPr algn="ctr"/>
-              <a:r>
-                <a:rPr lang="en-US" altLang="ko-KR" b="1" dirty="0">
-                  <a:solidFill>
-                    <a:sysClr val="windowText" lastClr="000000"/>
-                  </a:solidFill>
-                </a:rPr>
-                <a:t>Duration predictor</a:t>
-              </a:r>
-              <a:endParaRPr lang="ko-KR" altLang="en-US" b="1" dirty="0">
+              </a:rPr>
+              <a:t> </a:t>
+            </a:r>
+            <a:r>
+              <a:rPr lang="en-US" altLang="ko-KR" b="1" dirty="0">
                 <a:solidFill>
                   <a:sysClr val="windowText" lastClr="000000"/>
                 </a:solidFill>
-              </a:endParaRPr>
-            </a:p>
-          </p:txBody>
-        </p:sp>
-        <p:sp>
-          <p:nvSpPr>
-            <p:cNvPr id="44" name="사각형: 둥근 모서리 43">
-              <a:extLst>
-                <a:ext uri="{FF2B5EF4-FFF2-40B4-BE49-F238E27FC236}">
-                  <a16:creationId xmlns:a16="http://schemas.microsoft.com/office/drawing/2014/main" id="{D74D5A04-0742-42B0-9B80-76ABD9E73021}"/>
-                </a:ext>
-              </a:extLst>
-            </p:cNvPr>
-            <p:cNvSpPr/>
-            <p:nvPr/>
-          </p:nvSpPr>
-          <p:spPr>
-            <a:xfrm>
-              <a:off x="-9907407" y="-246165"/>
-              <a:ext cx="1992388" cy="830511"/>
-            </a:xfrm>
-            <a:prstGeom prst="roundRect">
-              <a:avLst/>
-            </a:prstGeom>
-            <a:grpFill/>
-            <a:ln>
-              <a:noFill/>
-            </a:ln>
-          </p:spPr>
-          <p:style>
-            <a:lnRef idx="2">
-              <a:schemeClr val="accent1">
-                <a:shade val="50000"/>
-              </a:schemeClr>
-            </a:lnRef>
-            <a:fillRef idx="1">
-              <a:schemeClr val="accent1"/>
-            </a:fillRef>
-            <a:effectRef idx="0">
-              <a:schemeClr val="accent1"/>
-            </a:effectRef>
-            <a:fontRef idx="minor">
-              <a:schemeClr val="lt1"/>
-            </a:fontRef>
-          </p:style>
-          <p:txBody>
-            <a:bodyPr rtlCol="0" anchor="ctr"/>
-            <a:lstStyle/>
-            <a:p>
-              <a:pPr algn="ctr"/>
-              <a:r>
-                <a:rPr lang="en-US" altLang="ko-KR" b="1" dirty="0">
-                  <a:solidFill>
-                    <a:sysClr val="windowText" lastClr="000000"/>
-                  </a:solidFill>
-                </a:rPr>
-                <a:t>Mean</a:t>
-              </a:r>
-              <a:endParaRPr lang="ko-KR" altLang="en-US" b="1" dirty="0">
+              </a:rPr>
+              <a:t>encoder</a:t>
+            </a:r>
+            <a:endParaRPr lang="ko-KR" altLang="en-US" b="1" dirty="0">
+              <a:solidFill>
+                <a:sysClr val="windowText" lastClr="000000"/>
+              </a:solidFill>
+            </a:endParaRPr>
+          </a:p>
+        </p:txBody>
+      </p:sp>
+      <p:sp>
+        <p:nvSpPr>
+          <p:cNvPr id="42" name="사각형: 둥근 모서리 41">
+            <a:extLst>
+              <a:ext uri="{FF2B5EF4-FFF2-40B4-BE49-F238E27FC236}">
+                <a16:creationId xmlns:a16="http://schemas.microsoft.com/office/drawing/2014/main" id="{CFC4D61B-42D4-4076-A72C-1B5B080569B4}"/>
+              </a:ext>
+            </a:extLst>
+          </p:cNvPr>
+          <p:cNvSpPr/>
+          <p:nvPr/>
+        </p:nvSpPr>
+        <p:spPr>
+          <a:xfrm>
+            <a:off x="-313194" y="276736"/>
+            <a:ext cx="1992388" cy="830511"/>
+          </a:xfrm>
+          <a:prstGeom prst="roundRect">
+            <a:avLst/>
+          </a:prstGeom>
+          <a:solidFill>
+            <a:srgbClr val="00BCB3"/>
+          </a:solidFill>
+          <a:ln>
+            <a:solidFill>
+              <a:schemeClr val="bg1"/>
+            </a:solidFill>
+          </a:ln>
+        </p:spPr>
+        <p:style>
+          <a:lnRef idx="2">
+            <a:schemeClr val="accent1">
+              <a:shade val="50000"/>
+            </a:schemeClr>
+          </a:lnRef>
+          <a:fillRef idx="1">
+            <a:schemeClr val="accent1"/>
+          </a:fillRef>
+          <a:effectRef idx="0">
+            <a:schemeClr val="accent1"/>
+          </a:effectRef>
+          <a:fontRef idx="minor">
+            <a:schemeClr val="lt1"/>
+          </a:fontRef>
+        </p:style>
+        <p:txBody>
+          <a:bodyPr rtlCol="0" anchor="ctr"/>
+          <a:lstStyle/>
+          <a:p>
+            <a:pPr algn="ctr"/>
+            <a:r>
+              <a:rPr lang="en-US" altLang="ko-KR" b="1" dirty="0">
                 <a:solidFill>
                   <a:sysClr val="windowText" lastClr="000000"/>
                 </a:solidFill>
-              </a:endParaRPr>
-            </a:p>
-          </p:txBody>
-        </p:sp>
-        <p:sp>
-          <p:nvSpPr>
-            <p:cNvPr id="45" name="사각형: 둥근 모서리 44">
-              <a:extLst>
-                <a:ext uri="{FF2B5EF4-FFF2-40B4-BE49-F238E27FC236}">
-                  <a16:creationId xmlns:a16="http://schemas.microsoft.com/office/drawing/2014/main" id="{6EFDFCE9-03B2-4D1A-843E-C1C1A193F9D0}"/>
-                </a:ext>
-              </a:extLst>
-            </p:cNvPr>
-            <p:cNvSpPr/>
-            <p:nvPr/>
-          </p:nvSpPr>
-          <p:spPr>
-            <a:xfrm>
-              <a:off x="-9907407" y="914711"/>
-              <a:ext cx="1992388" cy="830511"/>
-            </a:xfrm>
-            <a:prstGeom prst="roundRect">
-              <a:avLst/>
-            </a:prstGeom>
-            <a:grpFill/>
-            <a:ln>
-              <a:noFill/>
-            </a:ln>
-          </p:spPr>
-          <p:style>
-            <a:lnRef idx="2">
-              <a:schemeClr val="accent1">
-                <a:shade val="50000"/>
-              </a:schemeClr>
-            </a:lnRef>
-            <a:fillRef idx="1">
-              <a:schemeClr val="accent1"/>
-            </a:fillRef>
-            <a:effectRef idx="0">
-              <a:schemeClr val="accent1"/>
-            </a:effectRef>
-            <a:fontRef idx="minor">
-              <a:schemeClr val="lt1"/>
-            </a:fontRef>
-          </p:style>
-          <p:txBody>
-            <a:bodyPr rtlCol="0" anchor="ctr"/>
-            <a:lstStyle/>
-            <a:p>
-              <a:pPr algn="ctr"/>
-              <a:r>
-                <a:rPr lang="en-US" altLang="ko-KR" b="1" dirty="0">
-                  <a:solidFill>
-                    <a:sysClr val="windowText" lastClr="000000"/>
-                  </a:solidFill>
-                </a:rPr>
-                <a:t>Standard deviation</a:t>
-              </a:r>
-              <a:endParaRPr lang="ko-KR" altLang="en-US" b="1" dirty="0">
+              </a:rPr>
+              <a:t>Text</a:t>
+            </a:r>
+            <a:endParaRPr lang="ko-KR" altLang="en-US" b="1" dirty="0">
+              <a:solidFill>
+                <a:sysClr val="windowText" lastClr="000000"/>
+              </a:solidFill>
+            </a:endParaRPr>
+          </a:p>
+        </p:txBody>
+      </p:sp>
+      <p:sp>
+        <p:nvSpPr>
+          <p:cNvPr id="43" name="사각형: 둥근 모서리 42">
+            <a:extLst>
+              <a:ext uri="{FF2B5EF4-FFF2-40B4-BE49-F238E27FC236}">
+                <a16:creationId xmlns:a16="http://schemas.microsoft.com/office/drawing/2014/main" id="{A8DF4D6E-42BE-44E7-A9B0-3D2FEA432EDD}"/>
+              </a:ext>
+            </a:extLst>
+          </p:cNvPr>
+          <p:cNvSpPr/>
+          <p:nvPr/>
+        </p:nvSpPr>
+        <p:spPr>
+          <a:xfrm>
+            <a:off x="5099806" y="2598489"/>
+            <a:ext cx="1992388" cy="830511"/>
+          </a:xfrm>
+          <a:prstGeom prst="roundRect">
+            <a:avLst/>
+          </a:prstGeom>
+          <a:solidFill>
+            <a:srgbClr val="00BCB3"/>
+          </a:solidFill>
+          <a:ln>
+            <a:solidFill>
+              <a:schemeClr val="bg1"/>
+            </a:solidFill>
+          </a:ln>
+        </p:spPr>
+        <p:style>
+          <a:lnRef idx="2">
+            <a:schemeClr val="accent1">
+              <a:shade val="50000"/>
+            </a:schemeClr>
+          </a:lnRef>
+          <a:fillRef idx="1">
+            <a:schemeClr val="accent1"/>
+          </a:fillRef>
+          <a:effectRef idx="0">
+            <a:schemeClr val="accent1"/>
+          </a:effectRef>
+          <a:fontRef idx="minor">
+            <a:schemeClr val="lt1"/>
+          </a:fontRef>
+        </p:style>
+        <p:txBody>
+          <a:bodyPr rtlCol="0" anchor="ctr"/>
+          <a:lstStyle/>
+          <a:p>
+            <a:pPr algn="ctr"/>
+            <a:r>
+              <a:rPr lang="en-US" altLang="ko-KR" b="1" dirty="0">
                 <a:solidFill>
                   <a:sysClr val="windowText" lastClr="000000"/>
                 </a:solidFill>
-              </a:endParaRPr>
-            </a:p>
-          </p:txBody>
-        </p:sp>
-        <p:sp>
-          <p:nvSpPr>
-            <p:cNvPr id="47" name="사각형: 둥근 모서리 46">
-              <a:extLst>
-                <a:ext uri="{FF2B5EF4-FFF2-40B4-BE49-F238E27FC236}">
-                  <a16:creationId xmlns:a16="http://schemas.microsoft.com/office/drawing/2014/main" id="{86D4B265-3295-44D0-9FE7-5CBA151FA62F}"/>
-                </a:ext>
-              </a:extLst>
-            </p:cNvPr>
-            <p:cNvSpPr/>
-            <p:nvPr/>
-          </p:nvSpPr>
-          <p:spPr>
-            <a:xfrm>
-              <a:off x="-9907407" y="-1407044"/>
-              <a:ext cx="1992388" cy="830511"/>
-            </a:xfrm>
-            <a:prstGeom prst="roundRect">
-              <a:avLst/>
-            </a:prstGeom>
-            <a:grpFill/>
-            <a:ln>
-              <a:noFill/>
-            </a:ln>
-          </p:spPr>
-          <p:style>
-            <a:lnRef idx="2">
-              <a:schemeClr val="accent1">
-                <a:shade val="50000"/>
-              </a:schemeClr>
-            </a:lnRef>
-            <a:fillRef idx="1">
-              <a:schemeClr val="accent1"/>
-            </a:fillRef>
-            <a:effectRef idx="0">
-              <a:schemeClr val="accent1"/>
-            </a:effectRef>
-            <a:fontRef idx="minor">
-              <a:schemeClr val="lt1"/>
-            </a:fontRef>
-          </p:style>
-          <p:txBody>
-            <a:bodyPr rtlCol="0" anchor="ctr"/>
-            <a:lstStyle/>
-            <a:p>
-              <a:pPr algn="ctr"/>
-              <a:r>
-                <a:rPr lang="en-US" altLang="ko-KR" b="1" dirty="0">
-                  <a:solidFill>
-                    <a:sysClr val="windowText" lastClr="000000"/>
-                  </a:solidFill>
-                </a:rPr>
-                <a:t>Z-value</a:t>
-              </a:r>
-              <a:endParaRPr lang="ko-KR" altLang="en-US" b="1" dirty="0">
+              </a:rPr>
+              <a:t>Duration predictor</a:t>
+            </a:r>
+            <a:endParaRPr lang="ko-KR" altLang="en-US" b="1" dirty="0">
+              <a:solidFill>
+                <a:sysClr val="windowText" lastClr="000000"/>
+              </a:solidFill>
+            </a:endParaRPr>
+          </a:p>
+        </p:txBody>
+      </p:sp>
+      <p:sp>
+        <p:nvSpPr>
+          <p:cNvPr id="44" name="사각형: 둥근 모서리 43">
+            <a:extLst>
+              <a:ext uri="{FF2B5EF4-FFF2-40B4-BE49-F238E27FC236}">
+                <a16:creationId xmlns:a16="http://schemas.microsoft.com/office/drawing/2014/main" id="{D74D5A04-0742-42B0-9B80-76ABD9E73021}"/>
+              </a:ext>
+            </a:extLst>
+          </p:cNvPr>
+          <p:cNvSpPr/>
+          <p:nvPr/>
+        </p:nvSpPr>
+        <p:spPr>
+          <a:xfrm>
+            <a:off x="5099806" y="276736"/>
+            <a:ext cx="1992388" cy="830511"/>
+          </a:xfrm>
+          <a:prstGeom prst="roundRect">
+            <a:avLst/>
+          </a:prstGeom>
+          <a:solidFill>
+            <a:srgbClr val="00BCB3"/>
+          </a:solidFill>
+          <a:ln>
+            <a:solidFill>
+              <a:schemeClr val="bg1"/>
+            </a:solidFill>
+          </a:ln>
+        </p:spPr>
+        <p:style>
+          <a:lnRef idx="2">
+            <a:schemeClr val="accent1">
+              <a:shade val="50000"/>
+            </a:schemeClr>
+          </a:lnRef>
+          <a:fillRef idx="1">
+            <a:schemeClr val="accent1"/>
+          </a:fillRef>
+          <a:effectRef idx="0">
+            <a:schemeClr val="accent1"/>
+          </a:effectRef>
+          <a:fontRef idx="minor">
+            <a:schemeClr val="lt1"/>
+          </a:fontRef>
+        </p:style>
+        <p:txBody>
+          <a:bodyPr rtlCol="0" anchor="ctr"/>
+          <a:lstStyle/>
+          <a:p>
+            <a:pPr algn="ctr"/>
+            <a:r>
+              <a:rPr lang="en-US" altLang="ko-KR" b="1" dirty="0">
                 <a:solidFill>
                   <a:sysClr val="windowText" lastClr="000000"/>
                 </a:solidFill>
-              </a:endParaRPr>
-            </a:p>
-          </p:txBody>
-        </p:sp>
-        <p:sp>
-          <p:nvSpPr>
-            <p:cNvPr id="48" name="사각형: 둥근 모서리 47">
-              <a:extLst>
-                <a:ext uri="{FF2B5EF4-FFF2-40B4-BE49-F238E27FC236}">
-                  <a16:creationId xmlns:a16="http://schemas.microsoft.com/office/drawing/2014/main" id="{E049B318-D4BF-44BF-82B2-9DF485637868}"/>
-                </a:ext>
-              </a:extLst>
-            </p:cNvPr>
-            <p:cNvSpPr/>
-            <p:nvPr/>
-          </p:nvSpPr>
-          <p:spPr>
-            <a:xfrm>
-              <a:off x="-7200907" y="-246167"/>
-              <a:ext cx="1992388" cy="830511"/>
-            </a:xfrm>
-            <a:prstGeom prst="roundRect">
-              <a:avLst/>
-            </a:prstGeom>
-            <a:grpFill/>
-            <a:ln>
-              <a:noFill/>
-            </a:ln>
-          </p:spPr>
-          <p:style>
-            <a:lnRef idx="2">
-              <a:schemeClr val="accent1">
-                <a:shade val="50000"/>
-              </a:schemeClr>
-            </a:lnRef>
-            <a:fillRef idx="1">
-              <a:schemeClr val="accent1"/>
-            </a:fillRef>
-            <a:effectRef idx="0">
-              <a:schemeClr val="accent1"/>
-            </a:effectRef>
-            <a:fontRef idx="minor">
-              <a:schemeClr val="lt1"/>
-            </a:fontRef>
-          </p:style>
-          <p:txBody>
-            <a:bodyPr rtlCol="0" anchor="ctr"/>
-            <a:lstStyle/>
-            <a:p>
-              <a:pPr algn="ctr"/>
-              <a:r>
-                <a:rPr lang="en-US" altLang="ko-KR" b="1" dirty="0">
-                  <a:solidFill>
-                    <a:sysClr val="windowText" lastClr="000000"/>
-                  </a:solidFill>
-                </a:rPr>
-                <a:t>Monotonic alignment search</a:t>
-              </a:r>
-              <a:endParaRPr lang="ko-KR" altLang="en-US" b="1" dirty="0">
+              </a:rPr>
+              <a:t>Mean</a:t>
+            </a:r>
+            <a:endParaRPr lang="ko-KR" altLang="en-US" b="1" dirty="0">
+              <a:solidFill>
+                <a:sysClr val="windowText" lastClr="000000"/>
+              </a:solidFill>
+            </a:endParaRPr>
+          </a:p>
+        </p:txBody>
+      </p:sp>
+      <p:sp>
+        <p:nvSpPr>
+          <p:cNvPr id="45" name="사각형: 둥근 모서리 44">
+            <a:extLst>
+              <a:ext uri="{FF2B5EF4-FFF2-40B4-BE49-F238E27FC236}">
+                <a16:creationId xmlns:a16="http://schemas.microsoft.com/office/drawing/2014/main" id="{6EFDFCE9-03B2-4D1A-843E-C1C1A193F9D0}"/>
+              </a:ext>
+            </a:extLst>
+          </p:cNvPr>
+          <p:cNvSpPr/>
+          <p:nvPr/>
+        </p:nvSpPr>
+        <p:spPr>
+          <a:xfrm>
+            <a:off x="5099806" y="1437612"/>
+            <a:ext cx="1992388" cy="830511"/>
+          </a:xfrm>
+          <a:prstGeom prst="roundRect">
+            <a:avLst/>
+          </a:prstGeom>
+          <a:solidFill>
+            <a:srgbClr val="00BCB3"/>
+          </a:solidFill>
+          <a:ln>
+            <a:solidFill>
+              <a:schemeClr val="bg1"/>
+            </a:solidFill>
+          </a:ln>
+        </p:spPr>
+        <p:style>
+          <a:lnRef idx="2">
+            <a:schemeClr val="accent1">
+              <a:shade val="50000"/>
+            </a:schemeClr>
+          </a:lnRef>
+          <a:fillRef idx="1">
+            <a:schemeClr val="accent1"/>
+          </a:fillRef>
+          <a:effectRef idx="0">
+            <a:schemeClr val="accent1"/>
+          </a:effectRef>
+          <a:fontRef idx="minor">
+            <a:schemeClr val="lt1"/>
+          </a:fontRef>
+        </p:style>
+        <p:txBody>
+          <a:bodyPr rtlCol="0" anchor="ctr"/>
+          <a:lstStyle/>
+          <a:p>
+            <a:pPr algn="ctr"/>
+            <a:r>
+              <a:rPr lang="en-US" altLang="ko-KR" b="1" dirty="0">
                 <a:solidFill>
                   <a:sysClr val="windowText" lastClr="000000"/>
                 </a:solidFill>
-              </a:endParaRPr>
-            </a:p>
-          </p:txBody>
-        </p:sp>
-        <p:sp>
-          <p:nvSpPr>
-            <p:cNvPr id="49" name="사각형: 둥근 모서리 48">
-              <a:extLst>
-                <a:ext uri="{FF2B5EF4-FFF2-40B4-BE49-F238E27FC236}">
-                  <a16:creationId xmlns:a16="http://schemas.microsoft.com/office/drawing/2014/main" id="{310209AE-2BF0-4E80-BE9F-034900EFD4F5}"/>
-                </a:ext>
-              </a:extLst>
-            </p:cNvPr>
-            <p:cNvSpPr/>
-            <p:nvPr/>
-          </p:nvSpPr>
-          <p:spPr>
-            <a:xfrm>
-              <a:off x="-4494407" y="-246167"/>
-              <a:ext cx="1992388" cy="830511"/>
-            </a:xfrm>
-            <a:prstGeom prst="roundRect">
-              <a:avLst/>
-            </a:prstGeom>
-            <a:grpFill/>
-            <a:ln>
-              <a:noFill/>
-            </a:ln>
-          </p:spPr>
-          <p:style>
-            <a:lnRef idx="2">
-              <a:schemeClr val="accent1">
-                <a:shade val="50000"/>
-              </a:schemeClr>
-            </a:lnRef>
-            <a:fillRef idx="1">
-              <a:schemeClr val="accent1"/>
-            </a:fillRef>
-            <a:effectRef idx="0">
-              <a:schemeClr val="accent1"/>
-            </a:effectRef>
-            <a:fontRef idx="minor">
-              <a:schemeClr val="lt1"/>
-            </a:fontRef>
-          </p:style>
-          <p:txBody>
-            <a:bodyPr rtlCol="0" anchor="ctr"/>
-            <a:lstStyle/>
-            <a:p>
-              <a:pPr algn="ctr"/>
-              <a:r>
-                <a:rPr lang="en-US" altLang="ko-KR" b="1" dirty="0">
-                  <a:solidFill>
-                    <a:sysClr val="windowText" lastClr="000000"/>
-                  </a:solidFill>
-                </a:rPr>
-                <a:t>MLE loss</a:t>
-              </a:r>
-              <a:endParaRPr lang="ko-KR" altLang="en-US" b="1" dirty="0">
+              </a:rPr>
+              <a:t>Standard deviation</a:t>
+            </a:r>
+            <a:endParaRPr lang="ko-KR" altLang="en-US" b="1" dirty="0">
+              <a:solidFill>
+                <a:sysClr val="windowText" lastClr="000000"/>
+              </a:solidFill>
+            </a:endParaRPr>
+          </a:p>
+        </p:txBody>
+      </p:sp>
+      <p:sp>
+        <p:nvSpPr>
+          <p:cNvPr id="47" name="사각형: 둥근 모서리 46">
+            <a:extLst>
+              <a:ext uri="{FF2B5EF4-FFF2-40B4-BE49-F238E27FC236}">
+                <a16:creationId xmlns:a16="http://schemas.microsoft.com/office/drawing/2014/main" id="{86D4B265-3295-44D0-9FE7-5CBA151FA62F}"/>
+              </a:ext>
+            </a:extLst>
+          </p:cNvPr>
+          <p:cNvSpPr/>
+          <p:nvPr/>
+        </p:nvSpPr>
+        <p:spPr>
+          <a:xfrm>
+            <a:off x="5099806" y="-2045024"/>
+            <a:ext cx="1992388" cy="830511"/>
+          </a:xfrm>
+          <a:prstGeom prst="roundRect">
+            <a:avLst/>
+          </a:prstGeom>
+          <a:solidFill>
+            <a:srgbClr val="00BCB3"/>
+          </a:solidFill>
+          <a:ln>
+            <a:solidFill>
+              <a:schemeClr val="bg1"/>
+            </a:solidFill>
+          </a:ln>
+        </p:spPr>
+        <p:style>
+          <a:lnRef idx="2">
+            <a:schemeClr val="accent1">
+              <a:shade val="50000"/>
+            </a:schemeClr>
+          </a:lnRef>
+          <a:fillRef idx="1">
+            <a:schemeClr val="accent1"/>
+          </a:fillRef>
+          <a:effectRef idx="0">
+            <a:schemeClr val="accent1"/>
+          </a:effectRef>
+          <a:fontRef idx="minor">
+            <a:schemeClr val="lt1"/>
+          </a:fontRef>
+        </p:style>
+        <p:txBody>
+          <a:bodyPr rtlCol="0" anchor="ctr"/>
+          <a:lstStyle/>
+          <a:p>
+            <a:pPr algn="ctr"/>
+            <a:r>
+              <a:rPr lang="en-US" altLang="ko-KR" b="1" dirty="0">
                 <a:solidFill>
                   <a:sysClr val="windowText" lastClr="000000"/>
                 </a:solidFill>
-              </a:endParaRPr>
-            </a:p>
-          </p:txBody>
-        </p:sp>
-        <p:sp>
-          <p:nvSpPr>
-            <p:cNvPr id="50" name="사각형: 둥근 모서리 49">
-              <a:extLst>
-                <a:ext uri="{FF2B5EF4-FFF2-40B4-BE49-F238E27FC236}">
-                  <a16:creationId xmlns:a16="http://schemas.microsoft.com/office/drawing/2014/main" id="{77269802-9045-40A1-99D9-FBE16DB85140}"/>
-                </a:ext>
-              </a:extLst>
-            </p:cNvPr>
-            <p:cNvSpPr/>
-            <p:nvPr/>
-          </p:nvSpPr>
-          <p:spPr>
-            <a:xfrm>
-              <a:off x="-4494407" y="2075588"/>
-              <a:ext cx="1992388" cy="830511"/>
-            </a:xfrm>
-            <a:prstGeom prst="roundRect">
-              <a:avLst/>
-            </a:prstGeom>
-            <a:grpFill/>
-            <a:ln>
-              <a:noFill/>
-            </a:ln>
-          </p:spPr>
-          <p:style>
-            <a:lnRef idx="2">
-              <a:schemeClr val="accent1">
-                <a:shade val="50000"/>
-              </a:schemeClr>
-            </a:lnRef>
-            <a:fillRef idx="1">
-              <a:schemeClr val="accent1"/>
-            </a:fillRef>
-            <a:effectRef idx="0">
-              <a:schemeClr val="accent1"/>
-            </a:effectRef>
-            <a:fontRef idx="minor">
-              <a:schemeClr val="lt1"/>
-            </a:fontRef>
-          </p:style>
-          <p:txBody>
-            <a:bodyPr rtlCol="0" anchor="ctr"/>
-            <a:lstStyle/>
-            <a:p>
-              <a:pPr algn="ctr"/>
-              <a:r>
-                <a:rPr lang="en-US" altLang="ko-KR" b="1" dirty="0">
-                  <a:solidFill>
-                    <a:sysClr val="windowText" lastClr="000000"/>
-                  </a:solidFill>
-                </a:rPr>
-                <a:t>Length loss</a:t>
-              </a:r>
-              <a:endParaRPr lang="ko-KR" altLang="en-US" b="1" dirty="0">
+              </a:rPr>
+              <a:t>Z-value</a:t>
+            </a:r>
+            <a:endParaRPr lang="ko-KR" altLang="en-US" b="1" dirty="0">
+              <a:solidFill>
+                <a:sysClr val="windowText" lastClr="000000"/>
+              </a:solidFill>
+            </a:endParaRPr>
+          </a:p>
+        </p:txBody>
+      </p:sp>
+      <p:sp>
+        <p:nvSpPr>
+          <p:cNvPr id="48" name="사각형: 둥근 모서리 47">
+            <a:extLst>
+              <a:ext uri="{FF2B5EF4-FFF2-40B4-BE49-F238E27FC236}">
+                <a16:creationId xmlns:a16="http://schemas.microsoft.com/office/drawing/2014/main" id="{E049B318-D4BF-44BF-82B2-9DF485637868}"/>
+              </a:ext>
+            </a:extLst>
+          </p:cNvPr>
+          <p:cNvSpPr/>
+          <p:nvPr/>
+        </p:nvSpPr>
+        <p:spPr>
+          <a:xfrm>
+            <a:off x="7806306" y="276734"/>
+            <a:ext cx="1992388" cy="830511"/>
+          </a:xfrm>
+          <a:prstGeom prst="roundRect">
+            <a:avLst/>
+          </a:prstGeom>
+          <a:solidFill>
+            <a:srgbClr val="00BCB3"/>
+          </a:solidFill>
+          <a:ln>
+            <a:solidFill>
+              <a:schemeClr val="bg1"/>
+            </a:solidFill>
+          </a:ln>
+        </p:spPr>
+        <p:style>
+          <a:lnRef idx="2">
+            <a:schemeClr val="accent1">
+              <a:shade val="50000"/>
+            </a:schemeClr>
+          </a:lnRef>
+          <a:fillRef idx="1">
+            <a:schemeClr val="accent1"/>
+          </a:fillRef>
+          <a:effectRef idx="0">
+            <a:schemeClr val="accent1"/>
+          </a:effectRef>
+          <a:fontRef idx="minor">
+            <a:schemeClr val="lt1"/>
+          </a:fontRef>
+        </p:style>
+        <p:txBody>
+          <a:bodyPr rtlCol="0" anchor="ctr"/>
+          <a:lstStyle/>
+          <a:p>
+            <a:pPr algn="ctr"/>
+            <a:r>
+              <a:rPr lang="en-US" altLang="ko-KR" b="1" dirty="0">
                 <a:solidFill>
                   <a:sysClr val="windowText" lastClr="000000"/>
                 </a:solidFill>
-              </a:endParaRPr>
-            </a:p>
-          </p:txBody>
-        </p:sp>
-        <p:cxnSp>
-          <p:nvCxnSpPr>
-            <p:cNvPr id="51" name="직선 화살표 연결선 50">
-              <a:extLst>
-                <a:ext uri="{FF2B5EF4-FFF2-40B4-BE49-F238E27FC236}">
-                  <a16:creationId xmlns:a16="http://schemas.microsoft.com/office/drawing/2014/main" id="{A2C7CDE3-787F-4D9E-8C0C-EB4C094FD2B5}"/>
-                </a:ext>
-              </a:extLst>
-            </p:cNvPr>
-            <p:cNvCxnSpPr>
-              <a:cxnSpLocks/>
-              <a:stCxn id="40" idx="3"/>
-              <a:endCxn id="39" idx="1"/>
-            </p:cNvCxnSpPr>
-            <p:nvPr/>
-          </p:nvCxnSpPr>
-          <p:spPr>
-            <a:xfrm>
-              <a:off x="-13328019" y="-991788"/>
-              <a:ext cx="714112" cy="0"/>
-            </a:xfrm>
-            <a:prstGeom prst="straightConnector1">
-              <a:avLst/>
-            </a:prstGeom>
-            <a:grpFill/>
-            <a:ln w="38100">
-              <a:tailEnd type="triangle"/>
-            </a:ln>
-          </p:spPr>
-          <p:style>
-            <a:lnRef idx="1">
-              <a:schemeClr val="accent1"/>
-            </a:lnRef>
-            <a:fillRef idx="0">
-              <a:schemeClr val="accent1"/>
-            </a:fillRef>
-            <a:effectRef idx="0">
-              <a:schemeClr val="accent1"/>
-            </a:effectRef>
-            <a:fontRef idx="minor">
-              <a:schemeClr val="tx1"/>
-            </a:fontRef>
-          </p:style>
-        </p:cxnSp>
-        <p:cxnSp>
-          <p:nvCxnSpPr>
-            <p:cNvPr id="53" name="직선 화살표 연결선 52">
-              <a:extLst>
-                <a:ext uri="{FF2B5EF4-FFF2-40B4-BE49-F238E27FC236}">
-                  <a16:creationId xmlns:a16="http://schemas.microsoft.com/office/drawing/2014/main" id="{043099C7-BBBF-4CB4-9635-030E8FF79F62}"/>
-                </a:ext>
-              </a:extLst>
-            </p:cNvPr>
-            <p:cNvCxnSpPr>
-              <a:cxnSpLocks/>
-              <a:stCxn id="39" idx="3"/>
-              <a:endCxn id="47" idx="1"/>
-            </p:cNvCxnSpPr>
-            <p:nvPr/>
-          </p:nvCxnSpPr>
-          <p:spPr>
-            <a:xfrm>
-              <a:off x="-10621519" y="-991788"/>
-              <a:ext cx="714112" cy="0"/>
-            </a:xfrm>
-            <a:prstGeom prst="straightConnector1">
-              <a:avLst/>
-            </a:prstGeom>
-            <a:grpFill/>
-            <a:ln w="38100">
-              <a:tailEnd type="triangle"/>
-            </a:ln>
-          </p:spPr>
-          <p:style>
-            <a:lnRef idx="1">
-              <a:schemeClr val="accent1"/>
-            </a:lnRef>
-            <a:fillRef idx="0">
-              <a:schemeClr val="accent1"/>
-            </a:fillRef>
-            <a:effectRef idx="0">
-              <a:schemeClr val="accent1"/>
-            </a:effectRef>
-            <a:fontRef idx="minor">
-              <a:schemeClr val="tx1"/>
-            </a:fontRef>
-          </p:style>
-        </p:cxnSp>
-        <p:cxnSp>
-          <p:nvCxnSpPr>
-            <p:cNvPr id="56" name="직선 화살표 연결선 55">
-              <a:extLst>
-                <a:ext uri="{FF2B5EF4-FFF2-40B4-BE49-F238E27FC236}">
-                  <a16:creationId xmlns:a16="http://schemas.microsoft.com/office/drawing/2014/main" id="{84060001-02BD-401B-960A-AED5AD4BFBBD}"/>
-                </a:ext>
-              </a:extLst>
-            </p:cNvPr>
-            <p:cNvCxnSpPr>
-              <a:cxnSpLocks/>
-              <a:stCxn id="42" idx="3"/>
-              <a:endCxn id="41" idx="1"/>
-            </p:cNvCxnSpPr>
-            <p:nvPr/>
-          </p:nvCxnSpPr>
-          <p:spPr>
-            <a:xfrm>
-              <a:off x="-13328019" y="169091"/>
-              <a:ext cx="714112" cy="0"/>
-            </a:xfrm>
-            <a:prstGeom prst="straightConnector1">
-              <a:avLst/>
-            </a:prstGeom>
-            <a:grpFill/>
-            <a:ln w="38100">
-              <a:tailEnd type="triangle"/>
-            </a:ln>
-          </p:spPr>
-          <p:style>
-            <a:lnRef idx="1">
-              <a:schemeClr val="accent1"/>
-            </a:lnRef>
-            <a:fillRef idx="0">
-              <a:schemeClr val="accent1"/>
-            </a:fillRef>
-            <a:effectRef idx="0">
-              <a:schemeClr val="accent1"/>
-            </a:effectRef>
-            <a:fontRef idx="minor">
-              <a:schemeClr val="tx1"/>
-            </a:fontRef>
-          </p:style>
-        </p:cxnSp>
-        <p:cxnSp>
-          <p:nvCxnSpPr>
-            <p:cNvPr id="59" name="직선 화살표 연결선 58">
-              <a:extLst>
-                <a:ext uri="{FF2B5EF4-FFF2-40B4-BE49-F238E27FC236}">
-                  <a16:creationId xmlns:a16="http://schemas.microsoft.com/office/drawing/2014/main" id="{A108E52C-F3BA-4AD9-BCE9-1D16C20DA06A}"/>
-                </a:ext>
-              </a:extLst>
-            </p:cNvPr>
-            <p:cNvCxnSpPr>
-              <a:cxnSpLocks/>
-              <a:stCxn id="41" idx="3"/>
-              <a:endCxn id="44" idx="1"/>
-            </p:cNvCxnSpPr>
-            <p:nvPr/>
-          </p:nvCxnSpPr>
-          <p:spPr>
-            <a:xfrm>
-              <a:off x="-10621519" y="169091"/>
-              <a:ext cx="714112" cy="0"/>
-            </a:xfrm>
-            <a:prstGeom prst="straightConnector1">
-              <a:avLst/>
-            </a:prstGeom>
-            <a:grpFill/>
-            <a:ln w="38100">
-              <a:tailEnd type="triangle"/>
-            </a:ln>
-          </p:spPr>
-          <p:style>
-            <a:lnRef idx="1">
-              <a:schemeClr val="accent1"/>
-            </a:lnRef>
-            <a:fillRef idx="0">
-              <a:schemeClr val="accent1"/>
-            </a:fillRef>
-            <a:effectRef idx="0">
-              <a:schemeClr val="accent1"/>
-            </a:effectRef>
-            <a:fontRef idx="minor">
-              <a:schemeClr val="tx1"/>
-            </a:fontRef>
-          </p:style>
-        </p:cxnSp>
-        <p:cxnSp>
-          <p:nvCxnSpPr>
-            <p:cNvPr id="63" name="연결선: 꺾임 62">
-              <a:extLst>
-                <a:ext uri="{FF2B5EF4-FFF2-40B4-BE49-F238E27FC236}">
-                  <a16:creationId xmlns:a16="http://schemas.microsoft.com/office/drawing/2014/main" id="{C63A0FB1-4688-4D62-936F-DB8633F4F04F}"/>
-                </a:ext>
-              </a:extLst>
-            </p:cNvPr>
-            <p:cNvCxnSpPr>
-              <a:cxnSpLocks/>
-              <a:stCxn id="41" idx="3"/>
-              <a:endCxn id="45" idx="1"/>
-            </p:cNvCxnSpPr>
-            <p:nvPr/>
-          </p:nvCxnSpPr>
-          <p:spPr>
-            <a:xfrm>
-              <a:off x="-10621519" y="169091"/>
-              <a:ext cx="714112" cy="1160876"/>
-            </a:xfrm>
-            <a:prstGeom prst="bentConnector3">
-              <a:avLst>
-                <a:gd name="adj1" fmla="val 50000"/>
-              </a:avLst>
-            </a:prstGeom>
-            <a:grpFill/>
-            <a:ln w="38100">
-              <a:tailEnd type="triangle"/>
-            </a:ln>
-          </p:spPr>
-          <p:style>
-            <a:lnRef idx="1">
-              <a:schemeClr val="accent1"/>
-            </a:lnRef>
-            <a:fillRef idx="0">
-              <a:schemeClr val="accent1"/>
-            </a:fillRef>
-            <a:effectRef idx="0">
-              <a:schemeClr val="accent1"/>
-            </a:effectRef>
-            <a:fontRef idx="minor">
-              <a:schemeClr val="tx1"/>
-            </a:fontRef>
-          </p:style>
-        </p:cxnSp>
-        <p:cxnSp>
-          <p:nvCxnSpPr>
-            <p:cNvPr id="66" name="연결선: 꺾임 65">
-              <a:extLst>
-                <a:ext uri="{FF2B5EF4-FFF2-40B4-BE49-F238E27FC236}">
-                  <a16:creationId xmlns:a16="http://schemas.microsoft.com/office/drawing/2014/main" id="{08F8FEC6-EEC7-42C8-A844-FC39D2FE1025}"/>
-                </a:ext>
-              </a:extLst>
-            </p:cNvPr>
-            <p:cNvCxnSpPr>
-              <a:cxnSpLocks/>
-              <a:stCxn id="41" idx="3"/>
-              <a:endCxn id="43" idx="1"/>
-            </p:cNvCxnSpPr>
-            <p:nvPr/>
-          </p:nvCxnSpPr>
-          <p:spPr>
-            <a:xfrm>
-              <a:off x="-10621519" y="169091"/>
-              <a:ext cx="714112" cy="2321753"/>
-            </a:xfrm>
-            <a:prstGeom prst="bentConnector3">
-              <a:avLst>
-                <a:gd name="adj1" fmla="val 50000"/>
-              </a:avLst>
-            </a:prstGeom>
-            <a:grpFill/>
-            <a:ln w="38100">
-              <a:tailEnd type="triangle"/>
-            </a:ln>
-          </p:spPr>
-          <p:style>
-            <a:lnRef idx="1">
-              <a:schemeClr val="accent1"/>
-            </a:lnRef>
-            <a:fillRef idx="0">
-              <a:schemeClr val="accent1"/>
-            </a:fillRef>
-            <a:effectRef idx="0">
-              <a:schemeClr val="accent1"/>
-            </a:effectRef>
-            <a:fontRef idx="minor">
-              <a:schemeClr val="tx1"/>
-            </a:fontRef>
-          </p:style>
-        </p:cxnSp>
-        <p:cxnSp>
-          <p:nvCxnSpPr>
-            <p:cNvPr id="69" name="연결선: 꺾임 68">
-              <a:extLst>
-                <a:ext uri="{FF2B5EF4-FFF2-40B4-BE49-F238E27FC236}">
-                  <a16:creationId xmlns:a16="http://schemas.microsoft.com/office/drawing/2014/main" id="{E5CC734C-76E0-487E-AD04-D4D87A06C739}"/>
-                </a:ext>
-              </a:extLst>
-            </p:cNvPr>
-            <p:cNvCxnSpPr>
-              <a:cxnSpLocks/>
-              <a:stCxn id="47" idx="3"/>
-              <a:endCxn id="48" idx="1"/>
-            </p:cNvCxnSpPr>
-            <p:nvPr/>
-          </p:nvCxnSpPr>
-          <p:spPr>
-            <a:xfrm>
-              <a:off x="-7915019" y="-991788"/>
-              <a:ext cx="714112" cy="1160877"/>
-            </a:xfrm>
-            <a:prstGeom prst="bentConnector3">
-              <a:avLst>
-                <a:gd name="adj1" fmla="val 50000"/>
-              </a:avLst>
-            </a:prstGeom>
-            <a:grpFill/>
-            <a:ln w="38100">
-              <a:tailEnd type="triangle"/>
-            </a:ln>
-          </p:spPr>
-          <p:style>
-            <a:lnRef idx="1">
-              <a:schemeClr val="accent1"/>
-            </a:lnRef>
-            <a:fillRef idx="0">
-              <a:schemeClr val="accent1"/>
-            </a:fillRef>
-            <a:effectRef idx="0">
-              <a:schemeClr val="accent1"/>
-            </a:effectRef>
-            <a:fontRef idx="minor">
-              <a:schemeClr val="tx1"/>
-            </a:fontRef>
-          </p:style>
-        </p:cxnSp>
-        <p:cxnSp>
-          <p:nvCxnSpPr>
-            <p:cNvPr id="72" name="연결선: 꺾임 71">
-              <a:extLst>
-                <a:ext uri="{FF2B5EF4-FFF2-40B4-BE49-F238E27FC236}">
-                  <a16:creationId xmlns:a16="http://schemas.microsoft.com/office/drawing/2014/main" id="{E486F1E1-7079-41B2-9C1D-743BE4D06EE9}"/>
-                </a:ext>
-              </a:extLst>
-            </p:cNvPr>
-            <p:cNvCxnSpPr>
-              <a:cxnSpLocks/>
-              <a:stCxn id="45" idx="3"/>
-              <a:endCxn id="48" idx="1"/>
-            </p:cNvCxnSpPr>
-            <p:nvPr/>
-          </p:nvCxnSpPr>
-          <p:spPr>
-            <a:xfrm flipV="1">
-              <a:off x="-7915019" y="169089"/>
-              <a:ext cx="714112" cy="1160878"/>
-            </a:xfrm>
-            <a:prstGeom prst="bentConnector3">
-              <a:avLst>
-                <a:gd name="adj1" fmla="val 50000"/>
-              </a:avLst>
-            </a:prstGeom>
-            <a:grpFill/>
-            <a:ln w="38100">
-              <a:tailEnd type="triangle"/>
-            </a:ln>
-          </p:spPr>
-          <p:style>
-            <a:lnRef idx="1">
-              <a:schemeClr val="accent1"/>
-            </a:lnRef>
-            <a:fillRef idx="0">
-              <a:schemeClr val="accent1"/>
-            </a:fillRef>
-            <a:effectRef idx="0">
-              <a:schemeClr val="accent1"/>
-            </a:effectRef>
-            <a:fontRef idx="minor">
-              <a:schemeClr val="tx1"/>
-            </a:fontRef>
-          </p:style>
-        </p:cxnSp>
-        <p:cxnSp>
-          <p:nvCxnSpPr>
-            <p:cNvPr id="78" name="직선 화살표 연결선 77">
-              <a:extLst>
-                <a:ext uri="{FF2B5EF4-FFF2-40B4-BE49-F238E27FC236}">
-                  <a16:creationId xmlns:a16="http://schemas.microsoft.com/office/drawing/2014/main" id="{5C363AF8-9767-49D6-BAE3-5D2A2E79DF14}"/>
-                </a:ext>
-              </a:extLst>
-            </p:cNvPr>
-            <p:cNvCxnSpPr>
-              <a:cxnSpLocks/>
-              <a:stCxn id="44" idx="3"/>
-              <a:endCxn id="48" idx="1"/>
-            </p:cNvCxnSpPr>
-            <p:nvPr/>
-          </p:nvCxnSpPr>
-          <p:spPr>
-            <a:xfrm flipV="1">
-              <a:off x="-7915019" y="169089"/>
-              <a:ext cx="714112" cy="2"/>
-            </a:xfrm>
-            <a:prstGeom prst="straightConnector1">
-              <a:avLst/>
-            </a:prstGeom>
-            <a:grpFill/>
-            <a:ln w="38100">
-              <a:tailEnd type="triangle"/>
-            </a:ln>
-          </p:spPr>
-          <p:style>
-            <a:lnRef idx="1">
-              <a:schemeClr val="accent1"/>
-            </a:lnRef>
-            <a:fillRef idx="0">
-              <a:schemeClr val="accent1"/>
-            </a:fillRef>
-            <a:effectRef idx="0">
-              <a:schemeClr val="accent1"/>
-            </a:effectRef>
-            <a:fontRef idx="minor">
-              <a:schemeClr val="tx1"/>
-            </a:fontRef>
-          </p:style>
-        </p:cxnSp>
-        <p:cxnSp>
-          <p:nvCxnSpPr>
-            <p:cNvPr id="82" name="직선 화살표 연결선 81">
-              <a:extLst>
-                <a:ext uri="{FF2B5EF4-FFF2-40B4-BE49-F238E27FC236}">
-                  <a16:creationId xmlns:a16="http://schemas.microsoft.com/office/drawing/2014/main" id="{8C35FED9-51A7-4401-A61B-2CF71D54F5E2}"/>
-                </a:ext>
-              </a:extLst>
-            </p:cNvPr>
-            <p:cNvCxnSpPr>
-              <a:cxnSpLocks/>
-              <a:stCxn id="48" idx="3"/>
-              <a:endCxn id="49" idx="1"/>
-            </p:cNvCxnSpPr>
-            <p:nvPr/>
-          </p:nvCxnSpPr>
-          <p:spPr>
-            <a:xfrm>
-              <a:off x="-5208519" y="169089"/>
-              <a:ext cx="714112" cy="0"/>
-            </a:xfrm>
-            <a:prstGeom prst="straightConnector1">
-              <a:avLst/>
-            </a:prstGeom>
-            <a:grpFill/>
-            <a:ln w="38100">
-              <a:tailEnd type="triangle"/>
-            </a:ln>
-          </p:spPr>
-          <p:style>
-            <a:lnRef idx="1">
-              <a:schemeClr val="accent1"/>
-            </a:lnRef>
-            <a:fillRef idx="0">
-              <a:schemeClr val="accent1"/>
-            </a:fillRef>
-            <a:effectRef idx="0">
-              <a:schemeClr val="accent1"/>
-            </a:effectRef>
-            <a:fontRef idx="minor">
-              <a:schemeClr val="tx1"/>
-            </a:fontRef>
-          </p:style>
-        </p:cxnSp>
-        <p:cxnSp>
-          <p:nvCxnSpPr>
-            <p:cNvPr id="85" name="연결선: 꺾임 84">
-              <a:extLst>
-                <a:ext uri="{FF2B5EF4-FFF2-40B4-BE49-F238E27FC236}">
-                  <a16:creationId xmlns:a16="http://schemas.microsoft.com/office/drawing/2014/main" id="{E0351942-298B-449D-8AF8-116D0DC09F00}"/>
-                </a:ext>
-              </a:extLst>
-            </p:cNvPr>
-            <p:cNvCxnSpPr>
-              <a:cxnSpLocks/>
-              <a:stCxn id="48" idx="3"/>
-              <a:endCxn id="95" idx="1"/>
-            </p:cNvCxnSpPr>
-            <p:nvPr/>
-          </p:nvCxnSpPr>
-          <p:spPr>
-            <a:xfrm>
-              <a:off x="-5208519" y="169089"/>
-              <a:ext cx="714112" cy="2114127"/>
-            </a:xfrm>
-            <a:prstGeom prst="bentConnector3">
-              <a:avLst>
-                <a:gd name="adj1" fmla="val 50000"/>
-              </a:avLst>
-            </a:prstGeom>
-            <a:grpFill/>
-            <a:ln w="38100">
-              <a:tailEnd type="triangle"/>
-            </a:ln>
-          </p:spPr>
-          <p:style>
-            <a:lnRef idx="1">
-              <a:schemeClr val="accent1"/>
-            </a:lnRef>
-            <a:fillRef idx="0">
-              <a:schemeClr val="accent1"/>
-            </a:fillRef>
-            <a:effectRef idx="0">
-              <a:schemeClr val="accent1"/>
-            </a:effectRef>
-            <a:fontRef idx="minor">
-              <a:schemeClr val="tx1"/>
-            </a:fontRef>
-          </p:style>
-        </p:cxnSp>
-        <p:cxnSp>
-          <p:nvCxnSpPr>
-            <p:cNvPr id="89" name="직선 화살표 연결선 88">
-              <a:extLst>
-                <a:ext uri="{FF2B5EF4-FFF2-40B4-BE49-F238E27FC236}">
-                  <a16:creationId xmlns:a16="http://schemas.microsoft.com/office/drawing/2014/main" id="{D28ADE4B-41ED-4A80-8D25-741409D5C30C}"/>
-                </a:ext>
-              </a:extLst>
-            </p:cNvPr>
-            <p:cNvCxnSpPr>
-              <a:cxnSpLocks/>
-              <a:stCxn id="43" idx="3"/>
-              <a:endCxn id="50" idx="1"/>
-            </p:cNvCxnSpPr>
-            <p:nvPr/>
-          </p:nvCxnSpPr>
-          <p:spPr>
-            <a:xfrm>
-              <a:off x="-7915019" y="2490844"/>
-              <a:ext cx="3420612" cy="0"/>
-            </a:xfrm>
-            <a:prstGeom prst="straightConnector1">
-              <a:avLst/>
-            </a:prstGeom>
-            <a:grpFill/>
-            <a:ln w="38100">
-              <a:tailEnd type="triangle"/>
-            </a:ln>
-          </p:spPr>
-          <p:style>
-            <a:lnRef idx="1">
-              <a:schemeClr val="accent1"/>
-            </a:lnRef>
-            <a:fillRef idx="0">
-              <a:schemeClr val="accent1"/>
-            </a:fillRef>
-            <a:effectRef idx="0">
-              <a:schemeClr val="accent1"/>
-            </a:effectRef>
-            <a:fontRef idx="minor">
-              <a:schemeClr val="tx1"/>
-            </a:fontRef>
-          </p:style>
-        </p:cxnSp>
-        <p:sp>
-          <p:nvSpPr>
-            <p:cNvPr id="95" name="사각형: 둥근 모서리 94">
-              <a:extLst>
-                <a:ext uri="{FF2B5EF4-FFF2-40B4-BE49-F238E27FC236}">
-                  <a16:creationId xmlns:a16="http://schemas.microsoft.com/office/drawing/2014/main" id="{D0590EBF-9DB0-4C43-80B1-38FCB5EBFE6C}"/>
-                </a:ext>
-              </a:extLst>
-            </p:cNvPr>
-            <p:cNvSpPr/>
-            <p:nvPr/>
-          </p:nvSpPr>
-          <p:spPr>
-            <a:xfrm>
-              <a:off x="-4494407" y="2229216"/>
-              <a:ext cx="108000" cy="108000"/>
-            </a:xfrm>
-            <a:prstGeom prst="roundRect">
-              <a:avLst/>
-            </a:prstGeom>
-            <a:grpFill/>
-            <a:ln w="38100">
-              <a:noFill/>
-            </a:ln>
-          </p:spPr>
-          <p:style>
-            <a:lnRef idx="2">
-              <a:schemeClr val="accent1">
-                <a:shade val="50000"/>
-              </a:schemeClr>
-            </a:lnRef>
-            <a:fillRef idx="1">
-              <a:schemeClr val="accent1"/>
-            </a:fillRef>
-            <a:effectRef idx="0">
-              <a:schemeClr val="accent1"/>
-            </a:effectRef>
-            <a:fontRef idx="minor">
-              <a:schemeClr val="lt1"/>
-            </a:fontRef>
-          </p:style>
-          <p:txBody>
-            <a:bodyPr rtlCol="0" anchor="ctr"/>
-            <a:lstStyle/>
-            <a:p>
-              <a:pPr algn="ctr"/>
-              <a:endParaRPr lang="ko-KR" altLang="en-US" b="1" dirty="0">
+              </a:rPr>
+              <a:t>Monotonic alignment search</a:t>
+            </a:r>
+            <a:endParaRPr lang="ko-KR" altLang="en-US" b="1" dirty="0">
+              <a:solidFill>
+                <a:sysClr val="windowText" lastClr="000000"/>
+              </a:solidFill>
+            </a:endParaRPr>
+          </a:p>
+        </p:txBody>
+      </p:sp>
+      <p:sp>
+        <p:nvSpPr>
+          <p:cNvPr id="49" name="사각형: 둥근 모서리 48">
+            <a:extLst>
+              <a:ext uri="{FF2B5EF4-FFF2-40B4-BE49-F238E27FC236}">
+                <a16:creationId xmlns:a16="http://schemas.microsoft.com/office/drawing/2014/main" id="{310209AE-2BF0-4E80-BE9F-034900EFD4F5}"/>
+              </a:ext>
+            </a:extLst>
+          </p:cNvPr>
+          <p:cNvSpPr/>
+          <p:nvPr/>
+        </p:nvSpPr>
+        <p:spPr>
+          <a:xfrm>
+            <a:off x="10512806" y="276734"/>
+            <a:ext cx="1992388" cy="830511"/>
+          </a:xfrm>
+          <a:prstGeom prst="roundRect">
+            <a:avLst/>
+          </a:prstGeom>
+          <a:solidFill>
+            <a:srgbClr val="00BCB3"/>
+          </a:solidFill>
+          <a:ln>
+            <a:solidFill>
+              <a:schemeClr val="bg1"/>
+            </a:solidFill>
+          </a:ln>
+        </p:spPr>
+        <p:style>
+          <a:lnRef idx="2">
+            <a:schemeClr val="accent1">
+              <a:shade val="50000"/>
+            </a:schemeClr>
+          </a:lnRef>
+          <a:fillRef idx="1">
+            <a:schemeClr val="accent1"/>
+          </a:fillRef>
+          <a:effectRef idx="0">
+            <a:schemeClr val="accent1"/>
+          </a:effectRef>
+          <a:fontRef idx="minor">
+            <a:schemeClr val="lt1"/>
+          </a:fontRef>
+        </p:style>
+        <p:txBody>
+          <a:bodyPr rtlCol="0" anchor="ctr"/>
+          <a:lstStyle/>
+          <a:p>
+            <a:pPr algn="ctr"/>
+            <a:r>
+              <a:rPr lang="en-US" altLang="ko-KR" b="1" dirty="0">
                 <a:solidFill>
                   <a:sysClr val="windowText" lastClr="000000"/>
                 </a:solidFill>
-              </a:endParaRPr>
-            </a:p>
-          </p:txBody>
-        </p:sp>
-      </p:grpSp>
+              </a:rPr>
+              <a:t>MLE loss</a:t>
+            </a:r>
+            <a:endParaRPr lang="ko-KR" altLang="en-US" b="1" dirty="0">
+              <a:solidFill>
+                <a:sysClr val="windowText" lastClr="000000"/>
+              </a:solidFill>
+            </a:endParaRPr>
+          </a:p>
+        </p:txBody>
+      </p:sp>
+      <p:sp>
+        <p:nvSpPr>
+          <p:cNvPr id="50" name="사각형: 둥근 모서리 49">
+            <a:extLst>
+              <a:ext uri="{FF2B5EF4-FFF2-40B4-BE49-F238E27FC236}">
+                <a16:creationId xmlns:a16="http://schemas.microsoft.com/office/drawing/2014/main" id="{77269802-9045-40A1-99D9-FBE16DB85140}"/>
+              </a:ext>
+            </a:extLst>
+          </p:cNvPr>
+          <p:cNvSpPr/>
+          <p:nvPr/>
+        </p:nvSpPr>
+        <p:spPr>
+          <a:xfrm>
+            <a:off x="10512806" y="2598489"/>
+            <a:ext cx="1992388" cy="830511"/>
+          </a:xfrm>
+          <a:prstGeom prst="roundRect">
+            <a:avLst/>
+          </a:prstGeom>
+          <a:solidFill>
+            <a:srgbClr val="00BCB3"/>
+          </a:solidFill>
+          <a:ln>
+            <a:solidFill>
+              <a:schemeClr val="bg1"/>
+            </a:solidFill>
+          </a:ln>
+        </p:spPr>
+        <p:style>
+          <a:lnRef idx="2">
+            <a:schemeClr val="accent1">
+              <a:shade val="50000"/>
+            </a:schemeClr>
+          </a:lnRef>
+          <a:fillRef idx="1">
+            <a:schemeClr val="accent1"/>
+          </a:fillRef>
+          <a:effectRef idx="0">
+            <a:schemeClr val="accent1"/>
+          </a:effectRef>
+          <a:fontRef idx="minor">
+            <a:schemeClr val="lt1"/>
+          </a:fontRef>
+        </p:style>
+        <p:txBody>
+          <a:bodyPr rtlCol="0" anchor="ctr"/>
+          <a:lstStyle/>
+          <a:p>
+            <a:pPr algn="ctr"/>
+            <a:r>
+              <a:rPr lang="en-US" altLang="ko-KR" b="1" dirty="0">
+                <a:solidFill>
+                  <a:sysClr val="windowText" lastClr="000000"/>
+                </a:solidFill>
+              </a:rPr>
+              <a:t>Length loss</a:t>
+            </a:r>
+            <a:endParaRPr lang="ko-KR" altLang="en-US" b="1" dirty="0">
+              <a:solidFill>
+                <a:sysClr val="windowText" lastClr="000000"/>
+              </a:solidFill>
+            </a:endParaRPr>
+          </a:p>
+        </p:txBody>
+      </p:sp>
+      <p:cxnSp>
+        <p:nvCxnSpPr>
+          <p:cNvPr id="51" name="직선 화살표 연결선 50">
+            <a:extLst>
+              <a:ext uri="{FF2B5EF4-FFF2-40B4-BE49-F238E27FC236}">
+                <a16:creationId xmlns:a16="http://schemas.microsoft.com/office/drawing/2014/main" id="{A2C7CDE3-787F-4D9E-8C0C-EB4C094FD2B5}"/>
+              </a:ext>
+            </a:extLst>
+          </p:cNvPr>
+          <p:cNvCxnSpPr>
+            <a:cxnSpLocks/>
+            <a:stCxn id="40" idx="3"/>
+            <a:endCxn id="39" idx="1"/>
+          </p:cNvCxnSpPr>
+          <p:nvPr/>
+        </p:nvCxnSpPr>
+        <p:spPr>
+          <a:xfrm>
+            <a:off x="1679194" y="-1629768"/>
+            <a:ext cx="714112" cy="0"/>
+          </a:xfrm>
+          <a:prstGeom prst="straightConnector1">
+            <a:avLst/>
+          </a:prstGeom>
+          <a:solidFill>
+            <a:srgbClr val="00BCB3"/>
+          </a:solidFill>
+          <a:ln w="38100">
+            <a:solidFill>
+              <a:schemeClr val="bg1"/>
+            </a:solidFill>
+            <a:tailEnd type="triangle"/>
+          </a:ln>
+        </p:spPr>
+        <p:style>
+          <a:lnRef idx="1">
+            <a:schemeClr val="accent1"/>
+          </a:lnRef>
+          <a:fillRef idx="0">
+            <a:schemeClr val="accent1"/>
+          </a:fillRef>
+          <a:effectRef idx="0">
+            <a:schemeClr val="accent1"/>
+          </a:effectRef>
+          <a:fontRef idx="minor">
+            <a:schemeClr val="tx1"/>
+          </a:fontRef>
+        </p:style>
+      </p:cxnSp>
+      <p:cxnSp>
+        <p:nvCxnSpPr>
+          <p:cNvPr id="53" name="직선 화살표 연결선 52">
+            <a:extLst>
+              <a:ext uri="{FF2B5EF4-FFF2-40B4-BE49-F238E27FC236}">
+                <a16:creationId xmlns:a16="http://schemas.microsoft.com/office/drawing/2014/main" id="{043099C7-BBBF-4CB4-9635-030E8FF79F62}"/>
+              </a:ext>
+            </a:extLst>
+          </p:cNvPr>
+          <p:cNvCxnSpPr>
+            <a:cxnSpLocks/>
+            <a:stCxn id="39" idx="3"/>
+            <a:endCxn id="47" idx="1"/>
+          </p:cNvCxnSpPr>
+          <p:nvPr/>
+        </p:nvCxnSpPr>
+        <p:spPr>
+          <a:xfrm>
+            <a:off x="4385694" y="-1629768"/>
+            <a:ext cx="714112" cy="0"/>
+          </a:xfrm>
+          <a:prstGeom prst="straightConnector1">
+            <a:avLst/>
+          </a:prstGeom>
+          <a:solidFill>
+            <a:srgbClr val="00BCB3"/>
+          </a:solidFill>
+          <a:ln w="38100">
+            <a:solidFill>
+              <a:schemeClr val="bg1"/>
+            </a:solidFill>
+            <a:tailEnd type="triangle"/>
+          </a:ln>
+        </p:spPr>
+        <p:style>
+          <a:lnRef idx="1">
+            <a:schemeClr val="accent1"/>
+          </a:lnRef>
+          <a:fillRef idx="0">
+            <a:schemeClr val="accent1"/>
+          </a:fillRef>
+          <a:effectRef idx="0">
+            <a:schemeClr val="accent1"/>
+          </a:effectRef>
+          <a:fontRef idx="minor">
+            <a:schemeClr val="tx1"/>
+          </a:fontRef>
+        </p:style>
+      </p:cxnSp>
+      <p:cxnSp>
+        <p:nvCxnSpPr>
+          <p:cNvPr id="56" name="직선 화살표 연결선 55">
+            <a:extLst>
+              <a:ext uri="{FF2B5EF4-FFF2-40B4-BE49-F238E27FC236}">
+                <a16:creationId xmlns:a16="http://schemas.microsoft.com/office/drawing/2014/main" id="{84060001-02BD-401B-960A-AED5AD4BFBBD}"/>
+              </a:ext>
+            </a:extLst>
+          </p:cNvPr>
+          <p:cNvCxnSpPr>
+            <a:cxnSpLocks/>
+            <a:stCxn id="42" idx="3"/>
+            <a:endCxn id="41" idx="1"/>
+          </p:cNvCxnSpPr>
+          <p:nvPr/>
+        </p:nvCxnSpPr>
+        <p:spPr>
+          <a:xfrm>
+            <a:off x="1679194" y="691992"/>
+            <a:ext cx="714112" cy="0"/>
+          </a:xfrm>
+          <a:prstGeom prst="straightConnector1">
+            <a:avLst/>
+          </a:prstGeom>
+          <a:solidFill>
+            <a:srgbClr val="00BCB3"/>
+          </a:solidFill>
+          <a:ln w="38100">
+            <a:solidFill>
+              <a:schemeClr val="bg1"/>
+            </a:solidFill>
+            <a:tailEnd type="triangle"/>
+          </a:ln>
+        </p:spPr>
+        <p:style>
+          <a:lnRef idx="1">
+            <a:schemeClr val="accent1"/>
+          </a:lnRef>
+          <a:fillRef idx="0">
+            <a:schemeClr val="accent1"/>
+          </a:fillRef>
+          <a:effectRef idx="0">
+            <a:schemeClr val="accent1"/>
+          </a:effectRef>
+          <a:fontRef idx="minor">
+            <a:schemeClr val="tx1"/>
+          </a:fontRef>
+        </p:style>
+      </p:cxnSp>
+      <p:cxnSp>
+        <p:nvCxnSpPr>
+          <p:cNvPr id="59" name="직선 화살표 연결선 58">
+            <a:extLst>
+              <a:ext uri="{FF2B5EF4-FFF2-40B4-BE49-F238E27FC236}">
+                <a16:creationId xmlns:a16="http://schemas.microsoft.com/office/drawing/2014/main" id="{A108E52C-F3BA-4AD9-BCE9-1D16C20DA06A}"/>
+              </a:ext>
+            </a:extLst>
+          </p:cNvPr>
+          <p:cNvCxnSpPr>
+            <a:cxnSpLocks/>
+            <a:stCxn id="41" idx="3"/>
+            <a:endCxn id="44" idx="1"/>
+          </p:cNvCxnSpPr>
+          <p:nvPr/>
+        </p:nvCxnSpPr>
+        <p:spPr>
+          <a:xfrm>
+            <a:off x="4385694" y="691992"/>
+            <a:ext cx="714112" cy="0"/>
+          </a:xfrm>
+          <a:prstGeom prst="straightConnector1">
+            <a:avLst/>
+          </a:prstGeom>
+          <a:solidFill>
+            <a:srgbClr val="00BCB3"/>
+          </a:solidFill>
+          <a:ln w="38100">
+            <a:solidFill>
+              <a:schemeClr val="bg1"/>
+            </a:solidFill>
+            <a:tailEnd type="triangle"/>
+          </a:ln>
+        </p:spPr>
+        <p:style>
+          <a:lnRef idx="1">
+            <a:schemeClr val="accent1"/>
+          </a:lnRef>
+          <a:fillRef idx="0">
+            <a:schemeClr val="accent1"/>
+          </a:fillRef>
+          <a:effectRef idx="0">
+            <a:schemeClr val="accent1"/>
+          </a:effectRef>
+          <a:fontRef idx="minor">
+            <a:schemeClr val="tx1"/>
+          </a:fontRef>
+        </p:style>
+      </p:cxnSp>
+      <p:cxnSp>
+        <p:nvCxnSpPr>
+          <p:cNvPr id="63" name="연결선: 꺾임 62">
+            <a:extLst>
+              <a:ext uri="{FF2B5EF4-FFF2-40B4-BE49-F238E27FC236}">
+                <a16:creationId xmlns:a16="http://schemas.microsoft.com/office/drawing/2014/main" id="{C63A0FB1-4688-4D62-936F-DB8633F4F04F}"/>
+              </a:ext>
+            </a:extLst>
+          </p:cNvPr>
+          <p:cNvCxnSpPr>
+            <a:cxnSpLocks/>
+            <a:stCxn id="41" idx="3"/>
+            <a:endCxn id="45" idx="1"/>
+          </p:cNvCxnSpPr>
+          <p:nvPr/>
+        </p:nvCxnSpPr>
+        <p:spPr>
+          <a:xfrm>
+            <a:off x="4385694" y="691992"/>
+            <a:ext cx="714112" cy="1160876"/>
+          </a:xfrm>
+          <a:prstGeom prst="bentConnector3">
+            <a:avLst>
+              <a:gd name="adj1" fmla="val 50000"/>
+            </a:avLst>
+          </a:prstGeom>
+          <a:solidFill>
+            <a:srgbClr val="00BCB3"/>
+          </a:solidFill>
+          <a:ln w="38100">
+            <a:solidFill>
+              <a:schemeClr val="bg1"/>
+            </a:solidFill>
+            <a:tailEnd type="triangle"/>
+          </a:ln>
+        </p:spPr>
+        <p:style>
+          <a:lnRef idx="1">
+            <a:schemeClr val="accent1"/>
+          </a:lnRef>
+          <a:fillRef idx="0">
+            <a:schemeClr val="accent1"/>
+          </a:fillRef>
+          <a:effectRef idx="0">
+            <a:schemeClr val="accent1"/>
+          </a:effectRef>
+          <a:fontRef idx="minor">
+            <a:schemeClr val="tx1"/>
+          </a:fontRef>
+        </p:style>
+      </p:cxnSp>
+      <p:cxnSp>
+        <p:nvCxnSpPr>
+          <p:cNvPr id="66" name="연결선: 꺾임 65">
+            <a:extLst>
+              <a:ext uri="{FF2B5EF4-FFF2-40B4-BE49-F238E27FC236}">
+                <a16:creationId xmlns:a16="http://schemas.microsoft.com/office/drawing/2014/main" id="{08F8FEC6-EEC7-42C8-A844-FC39D2FE1025}"/>
+              </a:ext>
+            </a:extLst>
+          </p:cNvPr>
+          <p:cNvCxnSpPr>
+            <a:cxnSpLocks/>
+            <a:stCxn id="41" idx="3"/>
+            <a:endCxn id="43" idx="1"/>
+          </p:cNvCxnSpPr>
+          <p:nvPr/>
+        </p:nvCxnSpPr>
+        <p:spPr>
+          <a:xfrm>
+            <a:off x="4385694" y="691992"/>
+            <a:ext cx="714112" cy="2321753"/>
+          </a:xfrm>
+          <a:prstGeom prst="bentConnector3">
+            <a:avLst>
+              <a:gd name="adj1" fmla="val 50000"/>
+            </a:avLst>
+          </a:prstGeom>
+          <a:solidFill>
+            <a:srgbClr val="00BCB3"/>
+          </a:solidFill>
+          <a:ln w="38100">
+            <a:solidFill>
+              <a:schemeClr val="bg1"/>
+            </a:solidFill>
+            <a:tailEnd type="triangle"/>
+          </a:ln>
+        </p:spPr>
+        <p:style>
+          <a:lnRef idx="1">
+            <a:schemeClr val="accent1"/>
+          </a:lnRef>
+          <a:fillRef idx="0">
+            <a:schemeClr val="accent1"/>
+          </a:fillRef>
+          <a:effectRef idx="0">
+            <a:schemeClr val="accent1"/>
+          </a:effectRef>
+          <a:fontRef idx="minor">
+            <a:schemeClr val="tx1"/>
+          </a:fontRef>
+        </p:style>
+      </p:cxnSp>
+      <p:cxnSp>
+        <p:nvCxnSpPr>
+          <p:cNvPr id="69" name="연결선: 꺾임 68">
+            <a:extLst>
+              <a:ext uri="{FF2B5EF4-FFF2-40B4-BE49-F238E27FC236}">
+                <a16:creationId xmlns:a16="http://schemas.microsoft.com/office/drawing/2014/main" id="{E5CC734C-76E0-487E-AD04-D4D87A06C739}"/>
+              </a:ext>
+            </a:extLst>
+          </p:cNvPr>
+          <p:cNvCxnSpPr>
+            <a:cxnSpLocks/>
+            <a:stCxn id="47" idx="3"/>
+            <a:endCxn id="48" idx="1"/>
+          </p:cNvCxnSpPr>
+          <p:nvPr/>
+        </p:nvCxnSpPr>
+        <p:spPr>
+          <a:xfrm>
+            <a:off x="7092194" y="-1629768"/>
+            <a:ext cx="714112" cy="2321758"/>
+          </a:xfrm>
+          <a:prstGeom prst="bentConnector3">
+            <a:avLst>
+              <a:gd name="adj1" fmla="val 50000"/>
+            </a:avLst>
+          </a:prstGeom>
+          <a:solidFill>
+            <a:srgbClr val="00BCB3"/>
+          </a:solidFill>
+          <a:ln w="38100">
+            <a:solidFill>
+              <a:schemeClr val="bg1"/>
+            </a:solidFill>
+            <a:tailEnd type="triangle"/>
+          </a:ln>
+        </p:spPr>
+        <p:style>
+          <a:lnRef idx="1">
+            <a:schemeClr val="accent1"/>
+          </a:lnRef>
+          <a:fillRef idx="0">
+            <a:schemeClr val="accent1"/>
+          </a:fillRef>
+          <a:effectRef idx="0">
+            <a:schemeClr val="accent1"/>
+          </a:effectRef>
+          <a:fontRef idx="minor">
+            <a:schemeClr val="tx1"/>
+          </a:fontRef>
+        </p:style>
+      </p:cxnSp>
+      <p:cxnSp>
+        <p:nvCxnSpPr>
+          <p:cNvPr id="72" name="연결선: 꺾임 71">
+            <a:extLst>
+              <a:ext uri="{FF2B5EF4-FFF2-40B4-BE49-F238E27FC236}">
+                <a16:creationId xmlns:a16="http://schemas.microsoft.com/office/drawing/2014/main" id="{E486F1E1-7079-41B2-9C1D-743BE4D06EE9}"/>
+              </a:ext>
+            </a:extLst>
+          </p:cNvPr>
+          <p:cNvCxnSpPr>
+            <a:cxnSpLocks/>
+            <a:stCxn id="45" idx="3"/>
+            <a:endCxn id="48" idx="1"/>
+          </p:cNvCxnSpPr>
+          <p:nvPr/>
+        </p:nvCxnSpPr>
+        <p:spPr>
+          <a:xfrm flipV="1">
+            <a:off x="7092194" y="691990"/>
+            <a:ext cx="714112" cy="1160878"/>
+          </a:xfrm>
+          <a:prstGeom prst="bentConnector3">
+            <a:avLst>
+              <a:gd name="adj1" fmla="val 50000"/>
+            </a:avLst>
+          </a:prstGeom>
+          <a:solidFill>
+            <a:srgbClr val="00BCB3"/>
+          </a:solidFill>
+          <a:ln w="38100">
+            <a:solidFill>
+              <a:schemeClr val="bg1"/>
+            </a:solidFill>
+            <a:tailEnd type="triangle"/>
+          </a:ln>
+        </p:spPr>
+        <p:style>
+          <a:lnRef idx="1">
+            <a:schemeClr val="accent1"/>
+          </a:lnRef>
+          <a:fillRef idx="0">
+            <a:schemeClr val="accent1"/>
+          </a:fillRef>
+          <a:effectRef idx="0">
+            <a:schemeClr val="accent1"/>
+          </a:effectRef>
+          <a:fontRef idx="minor">
+            <a:schemeClr val="tx1"/>
+          </a:fontRef>
+        </p:style>
+      </p:cxnSp>
+      <p:cxnSp>
+        <p:nvCxnSpPr>
+          <p:cNvPr id="78" name="직선 화살표 연결선 77">
+            <a:extLst>
+              <a:ext uri="{FF2B5EF4-FFF2-40B4-BE49-F238E27FC236}">
+                <a16:creationId xmlns:a16="http://schemas.microsoft.com/office/drawing/2014/main" id="{5C363AF8-9767-49D6-BAE3-5D2A2E79DF14}"/>
+              </a:ext>
+            </a:extLst>
+          </p:cNvPr>
+          <p:cNvCxnSpPr>
+            <a:cxnSpLocks/>
+            <a:stCxn id="44" idx="3"/>
+            <a:endCxn id="48" idx="1"/>
+          </p:cNvCxnSpPr>
+          <p:nvPr/>
+        </p:nvCxnSpPr>
+        <p:spPr>
+          <a:xfrm flipV="1">
+            <a:off x="7092194" y="691990"/>
+            <a:ext cx="714112" cy="2"/>
+          </a:xfrm>
+          <a:prstGeom prst="straightConnector1">
+            <a:avLst/>
+          </a:prstGeom>
+          <a:solidFill>
+            <a:srgbClr val="00BCB3"/>
+          </a:solidFill>
+          <a:ln w="38100">
+            <a:solidFill>
+              <a:schemeClr val="bg1"/>
+            </a:solidFill>
+            <a:tailEnd type="triangle"/>
+          </a:ln>
+        </p:spPr>
+        <p:style>
+          <a:lnRef idx="1">
+            <a:schemeClr val="accent1"/>
+          </a:lnRef>
+          <a:fillRef idx="0">
+            <a:schemeClr val="accent1"/>
+          </a:fillRef>
+          <a:effectRef idx="0">
+            <a:schemeClr val="accent1"/>
+          </a:effectRef>
+          <a:fontRef idx="minor">
+            <a:schemeClr val="tx1"/>
+          </a:fontRef>
+        </p:style>
+      </p:cxnSp>
+      <p:cxnSp>
+        <p:nvCxnSpPr>
+          <p:cNvPr id="82" name="직선 화살표 연결선 81">
+            <a:extLst>
+              <a:ext uri="{FF2B5EF4-FFF2-40B4-BE49-F238E27FC236}">
+                <a16:creationId xmlns:a16="http://schemas.microsoft.com/office/drawing/2014/main" id="{8C35FED9-51A7-4401-A61B-2CF71D54F5E2}"/>
+              </a:ext>
+            </a:extLst>
+          </p:cNvPr>
+          <p:cNvCxnSpPr>
+            <a:cxnSpLocks/>
+            <a:stCxn id="48" idx="3"/>
+            <a:endCxn id="49" idx="1"/>
+          </p:cNvCxnSpPr>
+          <p:nvPr/>
+        </p:nvCxnSpPr>
+        <p:spPr>
+          <a:xfrm>
+            <a:off x="9798694" y="691990"/>
+            <a:ext cx="714112" cy="0"/>
+          </a:xfrm>
+          <a:prstGeom prst="straightConnector1">
+            <a:avLst/>
+          </a:prstGeom>
+          <a:solidFill>
+            <a:srgbClr val="00BCB3"/>
+          </a:solidFill>
+          <a:ln w="38100">
+            <a:solidFill>
+              <a:schemeClr val="bg1"/>
+            </a:solidFill>
+            <a:tailEnd type="triangle"/>
+          </a:ln>
+        </p:spPr>
+        <p:style>
+          <a:lnRef idx="1">
+            <a:schemeClr val="accent1"/>
+          </a:lnRef>
+          <a:fillRef idx="0">
+            <a:schemeClr val="accent1"/>
+          </a:fillRef>
+          <a:effectRef idx="0">
+            <a:schemeClr val="accent1"/>
+          </a:effectRef>
+          <a:fontRef idx="minor">
+            <a:schemeClr val="tx1"/>
+          </a:fontRef>
+        </p:style>
+      </p:cxnSp>
+      <p:cxnSp>
+        <p:nvCxnSpPr>
+          <p:cNvPr id="85" name="연결선: 꺾임 84">
+            <a:extLst>
+              <a:ext uri="{FF2B5EF4-FFF2-40B4-BE49-F238E27FC236}">
+                <a16:creationId xmlns:a16="http://schemas.microsoft.com/office/drawing/2014/main" id="{E0351942-298B-449D-8AF8-116D0DC09F00}"/>
+              </a:ext>
+            </a:extLst>
+          </p:cNvPr>
+          <p:cNvCxnSpPr>
+            <a:cxnSpLocks/>
+            <a:stCxn id="48" idx="3"/>
+            <a:endCxn id="95" idx="1"/>
+          </p:cNvCxnSpPr>
+          <p:nvPr/>
+        </p:nvCxnSpPr>
+        <p:spPr>
+          <a:xfrm>
+            <a:off x="9798694" y="691990"/>
+            <a:ext cx="724272" cy="2114127"/>
+          </a:xfrm>
+          <a:prstGeom prst="bentConnector3">
+            <a:avLst>
+              <a:gd name="adj1" fmla="val 50000"/>
+            </a:avLst>
+          </a:prstGeom>
+          <a:solidFill>
+            <a:srgbClr val="00BCB3"/>
+          </a:solidFill>
+          <a:ln w="38100">
+            <a:solidFill>
+              <a:schemeClr val="bg1"/>
+            </a:solidFill>
+            <a:tailEnd type="triangle"/>
+          </a:ln>
+        </p:spPr>
+        <p:style>
+          <a:lnRef idx="1">
+            <a:schemeClr val="accent1"/>
+          </a:lnRef>
+          <a:fillRef idx="0">
+            <a:schemeClr val="accent1"/>
+          </a:fillRef>
+          <a:effectRef idx="0">
+            <a:schemeClr val="accent1"/>
+          </a:effectRef>
+          <a:fontRef idx="minor">
+            <a:schemeClr val="tx1"/>
+          </a:fontRef>
+        </p:style>
+      </p:cxnSp>
+      <p:cxnSp>
+        <p:nvCxnSpPr>
+          <p:cNvPr id="89" name="직선 화살표 연결선 88">
+            <a:extLst>
+              <a:ext uri="{FF2B5EF4-FFF2-40B4-BE49-F238E27FC236}">
+                <a16:creationId xmlns:a16="http://schemas.microsoft.com/office/drawing/2014/main" id="{D28ADE4B-41ED-4A80-8D25-741409D5C30C}"/>
+              </a:ext>
+            </a:extLst>
+          </p:cNvPr>
+          <p:cNvCxnSpPr>
+            <a:cxnSpLocks/>
+            <a:stCxn id="43" idx="3"/>
+            <a:endCxn id="50" idx="1"/>
+          </p:cNvCxnSpPr>
+          <p:nvPr/>
+        </p:nvCxnSpPr>
+        <p:spPr>
+          <a:xfrm>
+            <a:off x="7092194" y="3013745"/>
+            <a:ext cx="3420612" cy="0"/>
+          </a:xfrm>
+          <a:prstGeom prst="straightConnector1">
+            <a:avLst/>
+          </a:prstGeom>
+          <a:solidFill>
+            <a:srgbClr val="00BCB3"/>
+          </a:solidFill>
+          <a:ln w="38100">
+            <a:solidFill>
+              <a:schemeClr val="bg1"/>
+            </a:solidFill>
+            <a:tailEnd type="triangle"/>
+          </a:ln>
+        </p:spPr>
+        <p:style>
+          <a:lnRef idx="1">
+            <a:schemeClr val="accent1"/>
+          </a:lnRef>
+          <a:fillRef idx="0">
+            <a:schemeClr val="accent1"/>
+          </a:fillRef>
+          <a:effectRef idx="0">
+            <a:schemeClr val="accent1"/>
+          </a:effectRef>
+          <a:fontRef idx="minor">
+            <a:schemeClr val="tx1"/>
+          </a:fontRef>
+        </p:style>
+      </p:cxnSp>
+      <p:sp>
+        <p:nvSpPr>
+          <p:cNvPr id="95" name="사각형: 둥근 모서리 94">
+            <a:extLst>
+              <a:ext uri="{FF2B5EF4-FFF2-40B4-BE49-F238E27FC236}">
+                <a16:creationId xmlns:a16="http://schemas.microsoft.com/office/drawing/2014/main" id="{D0590EBF-9DB0-4C43-80B1-38FCB5EBFE6C}"/>
+              </a:ext>
+            </a:extLst>
+          </p:cNvPr>
+          <p:cNvSpPr/>
+          <p:nvPr/>
+        </p:nvSpPr>
+        <p:spPr>
+          <a:xfrm>
+            <a:off x="10522966" y="2752117"/>
+            <a:ext cx="108000" cy="108000"/>
+          </a:xfrm>
+          <a:prstGeom prst="roundRect">
+            <a:avLst/>
+          </a:prstGeom>
+          <a:solidFill>
+            <a:srgbClr val="00BCB3"/>
+          </a:solidFill>
+          <a:ln w="38100">
+            <a:noFill/>
+          </a:ln>
+        </p:spPr>
+        <p:style>
+          <a:lnRef idx="2">
+            <a:schemeClr val="accent1">
+              <a:shade val="50000"/>
+            </a:schemeClr>
+          </a:lnRef>
+          <a:fillRef idx="1">
+            <a:schemeClr val="accent1"/>
+          </a:fillRef>
+          <a:effectRef idx="0">
+            <a:schemeClr val="accent1"/>
+          </a:effectRef>
+          <a:fontRef idx="minor">
+            <a:schemeClr val="lt1"/>
+          </a:fontRef>
+        </p:style>
+        <p:txBody>
+          <a:bodyPr rtlCol="0" anchor="ctr"/>
+          <a:lstStyle/>
+          <a:p>
+            <a:pPr algn="ctr"/>
+            <a:endParaRPr lang="ko-KR" altLang="en-US" b="1" dirty="0">
+              <a:solidFill>
+                <a:sysClr val="windowText" lastClr="000000"/>
+              </a:solidFill>
+            </a:endParaRPr>
+          </a:p>
+        </p:txBody>
+      </p:sp>
       <p:grpSp>
         <p:nvGrpSpPr>
           <p:cNvPr id="136" name="그룹 135">
@@ -6748,7 +6831,9 @@
             </a:prstGeom>
             <a:grpFill/>
             <a:ln>
-              <a:noFill/>
+              <a:solidFill>
+                <a:schemeClr val="bg1"/>
+              </a:solidFill>
             </a:ln>
           </p:spPr>
           <p:style>
@@ -6810,7 +6895,9 @@
             </a:prstGeom>
             <a:grpFill/>
             <a:ln>
-              <a:noFill/>
+              <a:solidFill>
+                <a:schemeClr val="bg1"/>
+              </a:solidFill>
             </a:ln>
           </p:spPr>
           <p:style>
@@ -6872,7 +6959,9 @@
             </a:prstGeom>
             <a:grpFill/>
             <a:ln>
-              <a:noFill/>
+              <a:solidFill>
+                <a:schemeClr val="bg1"/>
+              </a:solidFill>
             </a:ln>
           </p:spPr>
           <p:style>
@@ -6950,7 +7039,9 @@
             </a:prstGeom>
             <a:grpFill/>
             <a:ln>
-              <a:noFill/>
+              <a:solidFill>
+                <a:schemeClr val="bg1"/>
+              </a:solidFill>
             </a:ln>
           </p:spPr>
           <p:style>
@@ -7012,7 +7103,9 @@
             </a:prstGeom>
             <a:grpFill/>
             <a:ln>
-              <a:noFill/>
+              <a:solidFill>
+                <a:schemeClr val="bg1"/>
+              </a:solidFill>
             </a:ln>
           </p:spPr>
           <p:style>
@@ -7074,7 +7167,9 @@
             </a:prstGeom>
             <a:grpFill/>
             <a:ln>
-              <a:noFill/>
+              <a:solidFill>
+                <a:schemeClr val="bg1"/>
+              </a:solidFill>
             </a:ln>
           </p:spPr>
           <p:style>
@@ -7136,7 +7231,9 @@
             </a:prstGeom>
             <a:grpFill/>
             <a:ln>
-              <a:noFill/>
+              <a:solidFill>
+                <a:schemeClr val="bg1"/>
+              </a:solidFill>
             </a:ln>
           </p:spPr>
           <p:style>
@@ -7198,7 +7295,9 @@
             </a:prstGeom>
             <a:grpFill/>
             <a:ln>
-              <a:noFill/>
+              <a:solidFill>
+                <a:schemeClr val="bg1"/>
+              </a:solidFill>
             </a:ln>
           </p:spPr>
           <p:style>
@@ -7260,7 +7359,9 @@
             </a:prstGeom>
             <a:grpFill/>
             <a:ln>
-              <a:noFill/>
+              <a:solidFill>
+                <a:schemeClr val="bg1"/>
+              </a:solidFill>
             </a:ln>
           </p:spPr>
           <p:style>
@@ -7326,6 +7427,9 @@
             </a:prstGeom>
             <a:grpFill/>
             <a:ln w="38100">
+              <a:solidFill>
+                <a:schemeClr val="bg1"/>
+              </a:solidFill>
               <a:tailEnd type="triangle"/>
             </a:ln>
           </p:spPr>
@@ -7370,6 +7474,9 @@
             </a:prstGeom>
             <a:grpFill/>
             <a:ln w="38100">
+              <a:solidFill>
+                <a:schemeClr val="bg1"/>
+              </a:solidFill>
               <a:tailEnd type="triangle"/>
             </a:ln>
           </p:spPr>
@@ -7414,6 +7521,9 @@
             </a:prstGeom>
             <a:grpFill/>
             <a:ln w="38100">
+              <a:solidFill>
+                <a:schemeClr val="bg1"/>
+              </a:solidFill>
               <a:tailEnd type="triangle"/>
             </a:ln>
           </p:spPr>
@@ -7458,6 +7568,9 @@
             </a:prstGeom>
             <a:grpFill/>
             <a:ln w="38100">
+              <a:solidFill>
+                <a:schemeClr val="bg1"/>
+              </a:solidFill>
               <a:tailEnd type="triangle"/>
             </a:ln>
           </p:spPr>
@@ -7504,6 +7617,9 @@
             </a:prstGeom>
             <a:grpFill/>
             <a:ln w="38100">
+              <a:solidFill>
+                <a:schemeClr val="bg1"/>
+              </a:solidFill>
               <a:tailEnd type="triangle"/>
             </a:ln>
           </p:spPr>
@@ -7550,6 +7666,9 @@
             </a:prstGeom>
             <a:grpFill/>
             <a:ln w="38100">
+              <a:solidFill>
+                <a:schemeClr val="bg1"/>
+              </a:solidFill>
               <a:tailEnd type="triangle"/>
             </a:ln>
           </p:spPr>
@@ -7596,6 +7715,9 @@
             </a:prstGeom>
             <a:grpFill/>
             <a:ln w="38100">
+              <a:solidFill>
+                <a:schemeClr val="bg1"/>
+              </a:solidFill>
               <a:tailEnd type="triangle"/>
             </a:ln>
           </p:spPr>
@@ -7640,6 +7762,9 @@
             </a:prstGeom>
             <a:grpFill/>
             <a:ln w="38100">
+              <a:solidFill>
+                <a:schemeClr val="bg1"/>
+              </a:solidFill>
               <a:tailEnd type="triangle"/>
             </a:ln>
           </p:spPr>
@@ -7686,6 +7811,9 @@
             </a:prstGeom>
             <a:grpFill/>
             <a:ln w="38100">
+              <a:solidFill>
+                <a:schemeClr val="bg1"/>
+              </a:solidFill>
               <a:tailEnd type="triangle"/>
             </a:ln>
           </p:spPr>
@@ -7732,6 +7860,9 @@
             </a:prstGeom>
             <a:grpFill/>
             <a:ln w="38100">
+              <a:solidFill>
+                <a:schemeClr val="bg1"/>
+              </a:solidFill>
               <a:tailEnd type="triangle"/>
             </a:ln>
           </p:spPr>
@@ -7751,10 +7882,3411 @@
           </p:style>
         </p:cxnSp>
       </p:grpSp>
+      <p:sp>
+        <p:nvSpPr>
+          <p:cNvPr id="54" name="사각형: 둥근 모서리 53">
+            <a:extLst>
+              <a:ext uri="{FF2B5EF4-FFF2-40B4-BE49-F238E27FC236}">
+                <a16:creationId xmlns:a16="http://schemas.microsoft.com/office/drawing/2014/main" id="{0F13C1F8-55E1-4F05-9DDE-51FE7BDEFFB9}"/>
+              </a:ext>
+            </a:extLst>
+          </p:cNvPr>
+          <p:cNvSpPr/>
+          <p:nvPr/>
+        </p:nvSpPr>
+        <p:spPr>
+          <a:xfrm>
+            <a:off x="-313194" y="-884144"/>
+            <a:ext cx="1992388" cy="830511"/>
+          </a:xfrm>
+          <a:prstGeom prst="roundRect">
+            <a:avLst/>
+          </a:prstGeom>
+          <a:solidFill>
+            <a:srgbClr val="00BCB3"/>
+          </a:solidFill>
+          <a:ln>
+            <a:solidFill>
+              <a:schemeClr val="bg1"/>
+            </a:solidFill>
+          </a:ln>
+        </p:spPr>
+        <p:style>
+          <a:lnRef idx="2">
+            <a:schemeClr val="accent1">
+              <a:shade val="50000"/>
+            </a:schemeClr>
+          </a:lnRef>
+          <a:fillRef idx="1">
+            <a:schemeClr val="accent1"/>
+          </a:fillRef>
+          <a:effectRef idx="0">
+            <a:schemeClr val="accent1"/>
+          </a:effectRef>
+          <a:fontRef idx="minor">
+            <a:schemeClr val="lt1"/>
+          </a:fontRef>
+        </p:style>
+        <p:txBody>
+          <a:bodyPr rtlCol="0" anchor="ctr"/>
+          <a:lstStyle/>
+          <a:p>
+            <a:pPr algn="ctr"/>
+            <a:r>
+              <a:rPr lang="en-US" altLang="ko-KR" b="1" dirty="0">
+                <a:solidFill>
+                  <a:sysClr val="windowText" lastClr="000000"/>
+                </a:solidFill>
+              </a:rPr>
+              <a:t>Speaker</a:t>
+            </a:r>
+            <a:r>
+              <a:rPr lang="ko-KR" altLang="en-US" b="1" dirty="0">
+                <a:solidFill>
+                  <a:sysClr val="windowText" lastClr="000000"/>
+                </a:solidFill>
+              </a:rPr>
+              <a:t> </a:t>
+            </a:r>
+            <a:r>
+              <a:rPr lang="en-US" altLang="ko-KR" b="1" dirty="0">
+                <a:solidFill>
+                  <a:sysClr val="windowText" lastClr="000000"/>
+                </a:solidFill>
+              </a:rPr>
+              <a:t>embedding</a:t>
+            </a:r>
+            <a:endParaRPr lang="ko-KR" altLang="en-US" b="1" dirty="0">
+              <a:solidFill>
+                <a:sysClr val="windowText" lastClr="000000"/>
+              </a:solidFill>
+            </a:endParaRPr>
+          </a:p>
+        </p:txBody>
+      </p:sp>
+      <p:cxnSp>
+        <p:nvCxnSpPr>
+          <p:cNvPr id="55" name="연결선: 꺾임 54">
+            <a:extLst>
+              <a:ext uri="{FF2B5EF4-FFF2-40B4-BE49-F238E27FC236}">
+                <a16:creationId xmlns:a16="http://schemas.microsoft.com/office/drawing/2014/main" id="{4C2D17F4-08D5-41CF-98C0-D1A6FE53D1CC}"/>
+              </a:ext>
+            </a:extLst>
+          </p:cNvPr>
+          <p:cNvCxnSpPr>
+            <a:cxnSpLocks/>
+            <a:stCxn id="54" idx="3"/>
+            <a:endCxn id="67" idx="1"/>
+          </p:cNvCxnSpPr>
+          <p:nvPr/>
+        </p:nvCxnSpPr>
+        <p:spPr>
+          <a:xfrm>
+            <a:off x="1679194" y="-468888"/>
+            <a:ext cx="723637" cy="936448"/>
+          </a:xfrm>
+          <a:prstGeom prst="bentConnector3">
+            <a:avLst>
+              <a:gd name="adj1" fmla="val 50000"/>
+            </a:avLst>
+          </a:prstGeom>
+          <a:solidFill>
+            <a:srgbClr val="00BCB3"/>
+          </a:solidFill>
+          <a:ln w="38100">
+            <a:solidFill>
+              <a:schemeClr val="bg1"/>
+            </a:solidFill>
+            <a:tailEnd type="triangle"/>
+          </a:ln>
+        </p:spPr>
+        <p:style>
+          <a:lnRef idx="1">
+            <a:schemeClr val="accent1"/>
+          </a:lnRef>
+          <a:fillRef idx="0">
+            <a:schemeClr val="accent1"/>
+          </a:fillRef>
+          <a:effectRef idx="0">
+            <a:schemeClr val="accent1"/>
+          </a:effectRef>
+          <a:fontRef idx="minor">
+            <a:schemeClr val="tx1"/>
+          </a:fontRef>
+        </p:style>
+      </p:cxnSp>
+      <p:cxnSp>
+        <p:nvCxnSpPr>
+          <p:cNvPr id="57" name="연결선: 꺾임 56">
+            <a:extLst>
+              <a:ext uri="{FF2B5EF4-FFF2-40B4-BE49-F238E27FC236}">
+                <a16:creationId xmlns:a16="http://schemas.microsoft.com/office/drawing/2014/main" id="{0D7C57BA-DB1E-4754-8CD4-A7FF2275FC62}"/>
+              </a:ext>
+            </a:extLst>
+          </p:cNvPr>
+          <p:cNvCxnSpPr>
+            <a:cxnSpLocks/>
+            <a:stCxn id="54" idx="3"/>
+            <a:endCxn id="65" idx="1"/>
+          </p:cNvCxnSpPr>
+          <p:nvPr/>
+        </p:nvCxnSpPr>
+        <p:spPr>
+          <a:xfrm flipV="1">
+            <a:off x="1679194" y="-1433297"/>
+            <a:ext cx="723637" cy="964409"/>
+          </a:xfrm>
+          <a:prstGeom prst="bentConnector3">
+            <a:avLst>
+              <a:gd name="adj1" fmla="val 50000"/>
+            </a:avLst>
+          </a:prstGeom>
+          <a:solidFill>
+            <a:srgbClr val="00BCB3"/>
+          </a:solidFill>
+          <a:ln w="38100">
+            <a:solidFill>
+              <a:schemeClr val="bg1"/>
+            </a:solidFill>
+            <a:tailEnd type="triangle"/>
+          </a:ln>
+        </p:spPr>
+        <p:style>
+          <a:lnRef idx="1">
+            <a:schemeClr val="accent1"/>
+          </a:lnRef>
+          <a:fillRef idx="0">
+            <a:schemeClr val="accent1"/>
+          </a:fillRef>
+          <a:effectRef idx="0">
+            <a:schemeClr val="accent1"/>
+          </a:effectRef>
+          <a:fontRef idx="minor">
+            <a:schemeClr val="tx1"/>
+          </a:fontRef>
+        </p:style>
+      </p:cxnSp>
+      <p:sp>
+        <p:nvSpPr>
+          <p:cNvPr id="65" name="사각형: 둥근 모서리 64">
+            <a:extLst>
+              <a:ext uri="{FF2B5EF4-FFF2-40B4-BE49-F238E27FC236}">
+                <a16:creationId xmlns:a16="http://schemas.microsoft.com/office/drawing/2014/main" id="{4C69B59E-EC82-49EA-ADB4-0A45772C5430}"/>
+              </a:ext>
+            </a:extLst>
+          </p:cNvPr>
+          <p:cNvSpPr/>
+          <p:nvPr/>
+        </p:nvSpPr>
+        <p:spPr>
+          <a:xfrm>
+            <a:off x="2402831" y="-1485921"/>
+            <a:ext cx="192414" cy="105247"/>
+          </a:xfrm>
+          <a:prstGeom prst="roundRect">
+            <a:avLst/>
+          </a:prstGeom>
+          <a:solidFill>
+            <a:srgbClr val="00BCB3"/>
+          </a:solidFill>
+          <a:ln>
+            <a:noFill/>
+          </a:ln>
+        </p:spPr>
+        <p:style>
+          <a:lnRef idx="2">
+            <a:schemeClr val="accent1">
+              <a:shade val="50000"/>
+            </a:schemeClr>
+          </a:lnRef>
+          <a:fillRef idx="1">
+            <a:schemeClr val="accent1"/>
+          </a:fillRef>
+          <a:effectRef idx="0">
+            <a:schemeClr val="accent1"/>
+          </a:effectRef>
+          <a:fontRef idx="minor">
+            <a:schemeClr val="lt1"/>
+          </a:fontRef>
+        </p:style>
+        <p:txBody>
+          <a:bodyPr rtlCol="0" anchor="ctr"/>
+          <a:lstStyle/>
+          <a:p>
+            <a:pPr algn="ctr"/>
+            <a:endParaRPr lang="ko-KR" altLang="en-US" b="1" dirty="0">
+              <a:solidFill>
+                <a:sysClr val="windowText" lastClr="000000"/>
+              </a:solidFill>
+            </a:endParaRPr>
+          </a:p>
+        </p:txBody>
+      </p:sp>
+      <p:sp>
+        <p:nvSpPr>
+          <p:cNvPr id="67" name="사각형: 둥근 모서리 66">
+            <a:extLst>
+              <a:ext uri="{FF2B5EF4-FFF2-40B4-BE49-F238E27FC236}">
+                <a16:creationId xmlns:a16="http://schemas.microsoft.com/office/drawing/2014/main" id="{AB8B9184-E07C-4140-9FB6-B45E5B5A9762}"/>
+              </a:ext>
+            </a:extLst>
+          </p:cNvPr>
+          <p:cNvSpPr/>
+          <p:nvPr/>
+        </p:nvSpPr>
+        <p:spPr>
+          <a:xfrm>
+            <a:off x="2402831" y="414936"/>
+            <a:ext cx="192414" cy="105247"/>
+          </a:xfrm>
+          <a:prstGeom prst="roundRect">
+            <a:avLst/>
+          </a:prstGeom>
+          <a:solidFill>
+            <a:srgbClr val="00BCB3"/>
+          </a:solidFill>
+          <a:ln>
+            <a:noFill/>
+          </a:ln>
+        </p:spPr>
+        <p:style>
+          <a:lnRef idx="2">
+            <a:schemeClr val="accent1">
+              <a:shade val="50000"/>
+            </a:schemeClr>
+          </a:lnRef>
+          <a:fillRef idx="1">
+            <a:schemeClr val="accent1"/>
+          </a:fillRef>
+          <a:effectRef idx="0">
+            <a:schemeClr val="accent1"/>
+          </a:effectRef>
+          <a:fontRef idx="minor">
+            <a:schemeClr val="lt1"/>
+          </a:fontRef>
+        </p:style>
+        <p:txBody>
+          <a:bodyPr rtlCol="0" anchor="ctr"/>
+          <a:lstStyle/>
+          <a:p>
+            <a:pPr algn="ctr"/>
+            <a:endParaRPr lang="ko-KR" altLang="en-US" b="1" dirty="0">
+              <a:solidFill>
+                <a:sysClr val="windowText" lastClr="000000"/>
+              </a:solidFill>
+            </a:endParaRPr>
+          </a:p>
+        </p:txBody>
+      </p:sp>
+      <p:sp>
+        <p:nvSpPr>
+          <p:cNvPr id="70" name="사각형: 둥근 모서리 69">
+            <a:extLst>
+              <a:ext uri="{FF2B5EF4-FFF2-40B4-BE49-F238E27FC236}">
+                <a16:creationId xmlns:a16="http://schemas.microsoft.com/office/drawing/2014/main" id="{F333F53A-1288-48CC-A9D5-A516D0DD304B}"/>
+              </a:ext>
+            </a:extLst>
+          </p:cNvPr>
+          <p:cNvSpPr/>
+          <p:nvPr/>
+        </p:nvSpPr>
+        <p:spPr>
+          <a:xfrm>
+            <a:off x="-313194" y="6743822"/>
+            <a:ext cx="1992388" cy="830511"/>
+          </a:xfrm>
+          <a:prstGeom prst="roundRect">
+            <a:avLst/>
+          </a:prstGeom>
+          <a:solidFill>
+            <a:srgbClr val="00BCB3"/>
+          </a:solidFill>
+          <a:ln>
+            <a:solidFill>
+              <a:schemeClr val="bg1"/>
+            </a:solidFill>
+          </a:ln>
+        </p:spPr>
+        <p:style>
+          <a:lnRef idx="2">
+            <a:schemeClr val="accent1">
+              <a:shade val="50000"/>
+            </a:schemeClr>
+          </a:lnRef>
+          <a:fillRef idx="1">
+            <a:schemeClr val="accent1"/>
+          </a:fillRef>
+          <a:effectRef idx="0">
+            <a:schemeClr val="accent1"/>
+          </a:effectRef>
+          <a:fontRef idx="minor">
+            <a:schemeClr val="lt1"/>
+          </a:fontRef>
+        </p:style>
+        <p:txBody>
+          <a:bodyPr rtlCol="0" anchor="ctr"/>
+          <a:lstStyle/>
+          <a:p>
+            <a:pPr algn="ctr"/>
+            <a:r>
+              <a:rPr lang="en-US" altLang="ko-KR" b="1" dirty="0">
+                <a:solidFill>
+                  <a:sysClr val="windowText" lastClr="000000"/>
+                </a:solidFill>
+              </a:rPr>
+              <a:t>Speaker</a:t>
+            </a:r>
+            <a:r>
+              <a:rPr lang="ko-KR" altLang="en-US" b="1" dirty="0">
+                <a:solidFill>
+                  <a:sysClr val="windowText" lastClr="000000"/>
+                </a:solidFill>
+              </a:rPr>
+              <a:t> </a:t>
+            </a:r>
+            <a:r>
+              <a:rPr lang="en-US" altLang="ko-KR" b="1" dirty="0">
+                <a:solidFill>
+                  <a:sysClr val="windowText" lastClr="000000"/>
+                </a:solidFill>
+              </a:rPr>
+              <a:t>embedding</a:t>
+            </a:r>
+            <a:endParaRPr lang="ko-KR" altLang="en-US" b="1" dirty="0">
+              <a:solidFill>
+                <a:sysClr val="windowText" lastClr="000000"/>
+              </a:solidFill>
+            </a:endParaRPr>
+          </a:p>
+        </p:txBody>
+      </p:sp>
+      <p:cxnSp>
+        <p:nvCxnSpPr>
+          <p:cNvPr id="71" name="연결선: 꺾임 70">
+            <a:extLst>
+              <a:ext uri="{FF2B5EF4-FFF2-40B4-BE49-F238E27FC236}">
+                <a16:creationId xmlns:a16="http://schemas.microsoft.com/office/drawing/2014/main" id="{5B0038F7-53B9-4EEC-B7D0-1D30A9597EE2}"/>
+              </a:ext>
+            </a:extLst>
+          </p:cNvPr>
+          <p:cNvCxnSpPr>
+            <a:cxnSpLocks/>
+            <a:stCxn id="70" idx="3"/>
+            <a:endCxn id="100" idx="1"/>
+          </p:cNvCxnSpPr>
+          <p:nvPr/>
+        </p:nvCxnSpPr>
+        <p:spPr>
+          <a:xfrm flipV="1">
+            <a:off x="1679194" y="5998202"/>
+            <a:ext cx="714112" cy="1160876"/>
+          </a:xfrm>
+          <a:prstGeom prst="bentConnector3">
+            <a:avLst>
+              <a:gd name="adj1" fmla="val 50000"/>
+            </a:avLst>
+          </a:prstGeom>
+          <a:solidFill>
+            <a:srgbClr val="00BCB3"/>
+          </a:solidFill>
+          <a:ln w="38100">
+            <a:solidFill>
+              <a:schemeClr val="bg1"/>
+            </a:solidFill>
+            <a:tailEnd type="triangle"/>
+          </a:ln>
+        </p:spPr>
+        <p:style>
+          <a:lnRef idx="1">
+            <a:schemeClr val="accent1"/>
+          </a:lnRef>
+          <a:fillRef idx="0">
+            <a:schemeClr val="accent1"/>
+          </a:fillRef>
+          <a:effectRef idx="0">
+            <a:schemeClr val="accent1"/>
+          </a:effectRef>
+          <a:fontRef idx="minor">
+            <a:schemeClr val="tx1"/>
+          </a:fontRef>
+        </p:style>
+      </p:cxnSp>
     </p:spTree>
     <p:extLst>
       <p:ext uri="{BB962C8B-B14F-4D97-AF65-F5344CB8AC3E}">
         <p14:creationId xmlns:p14="http://schemas.microsoft.com/office/powerpoint/2010/main" val="779728206"/>
+      </p:ext>
+    </p:extLst>
+  </p:cSld>
+  <p:clrMapOvr>
+    <a:masterClrMapping/>
+  </p:clrMapOvr>
+</p:sld>
+</file>
+
+<file path=ppt/slides/slide2.xml><?xml version="1.0" encoding="utf-8"?>
+<p:sld xmlns:a="http://schemas.openxmlformats.org/drawingml/2006/main" xmlns:r="http://schemas.openxmlformats.org/officeDocument/2006/relationships" xmlns:p="http://schemas.openxmlformats.org/presentationml/2006/main">
+  <p:cSld>
+    <p:spTree>
+      <p:nvGrpSpPr>
+        <p:cNvPr id="1" name=""/>
+        <p:cNvGrpSpPr/>
+        <p:nvPr/>
+      </p:nvGrpSpPr>
+      <p:grpSpPr>
+        <a:xfrm>
+          <a:off x="0" y="0"/>
+          <a:ext cx="0" cy="0"/>
+          <a:chOff x="0" y="0"/>
+          <a:chExt cx="0" cy="0"/>
+        </a:xfrm>
+      </p:grpSpPr>
+      <p:sp>
+        <p:nvSpPr>
+          <p:cNvPr id="39" name="사각형: 둥근 모서리 38">
+            <a:extLst>
+              <a:ext uri="{FF2B5EF4-FFF2-40B4-BE49-F238E27FC236}">
+                <a16:creationId xmlns:a16="http://schemas.microsoft.com/office/drawing/2014/main" id="{832FB754-DA0E-4A9E-B249-192431DAB1DC}"/>
+              </a:ext>
+            </a:extLst>
+          </p:cNvPr>
+          <p:cNvSpPr/>
+          <p:nvPr/>
+        </p:nvSpPr>
+        <p:spPr>
+          <a:xfrm>
+            <a:off x="2393306" y="-2045024"/>
+            <a:ext cx="1992388" cy="830511"/>
+          </a:xfrm>
+          <a:prstGeom prst="roundRect">
+            <a:avLst/>
+          </a:prstGeom>
+          <a:solidFill>
+            <a:srgbClr val="00BCB3"/>
+          </a:solidFill>
+          <a:ln>
+            <a:solidFill>
+              <a:schemeClr val="bg1"/>
+            </a:solidFill>
+          </a:ln>
+        </p:spPr>
+        <p:style>
+          <a:lnRef idx="2">
+            <a:schemeClr val="accent1">
+              <a:shade val="50000"/>
+            </a:schemeClr>
+          </a:lnRef>
+          <a:fillRef idx="1">
+            <a:schemeClr val="accent1"/>
+          </a:fillRef>
+          <a:effectRef idx="0">
+            <a:schemeClr val="accent1"/>
+          </a:effectRef>
+          <a:fontRef idx="minor">
+            <a:schemeClr val="lt1"/>
+          </a:fontRef>
+        </p:style>
+        <p:txBody>
+          <a:bodyPr rtlCol="0" anchor="ctr"/>
+          <a:lstStyle/>
+          <a:p>
+            <a:pPr algn="ctr"/>
+            <a:r>
+              <a:rPr lang="en-US" altLang="ko-KR" b="1" dirty="0">
+                <a:solidFill>
+                  <a:sysClr val="windowText" lastClr="000000"/>
+                </a:solidFill>
+              </a:rPr>
+              <a:t>Glow decoder</a:t>
+            </a:r>
+            <a:endParaRPr lang="ko-KR" altLang="en-US" b="1" dirty="0">
+              <a:solidFill>
+                <a:sysClr val="windowText" lastClr="000000"/>
+              </a:solidFill>
+            </a:endParaRPr>
+          </a:p>
+        </p:txBody>
+      </p:sp>
+      <p:sp>
+        <p:nvSpPr>
+          <p:cNvPr id="40" name="사각형: 둥근 모서리 39">
+            <a:extLst>
+              <a:ext uri="{FF2B5EF4-FFF2-40B4-BE49-F238E27FC236}">
+                <a16:creationId xmlns:a16="http://schemas.microsoft.com/office/drawing/2014/main" id="{0B4BC832-EF43-4981-B86F-D086685E65BB}"/>
+              </a:ext>
+            </a:extLst>
+          </p:cNvPr>
+          <p:cNvSpPr/>
+          <p:nvPr/>
+        </p:nvSpPr>
+        <p:spPr>
+          <a:xfrm>
+            <a:off x="-313194" y="-2045024"/>
+            <a:ext cx="1992388" cy="830511"/>
+          </a:xfrm>
+          <a:prstGeom prst="roundRect">
+            <a:avLst/>
+          </a:prstGeom>
+          <a:solidFill>
+            <a:srgbClr val="00BCB3"/>
+          </a:solidFill>
+          <a:ln>
+            <a:solidFill>
+              <a:schemeClr val="bg1"/>
+            </a:solidFill>
+          </a:ln>
+        </p:spPr>
+        <p:style>
+          <a:lnRef idx="2">
+            <a:schemeClr val="accent1">
+              <a:shade val="50000"/>
+            </a:schemeClr>
+          </a:lnRef>
+          <a:fillRef idx="1">
+            <a:schemeClr val="accent1"/>
+          </a:fillRef>
+          <a:effectRef idx="0">
+            <a:schemeClr val="accent1"/>
+          </a:effectRef>
+          <a:fontRef idx="minor">
+            <a:schemeClr val="lt1"/>
+          </a:fontRef>
+        </p:style>
+        <p:txBody>
+          <a:bodyPr rtlCol="0" anchor="ctr"/>
+          <a:lstStyle/>
+          <a:p>
+            <a:pPr algn="ctr"/>
+            <a:r>
+              <a:rPr lang="en-US" altLang="ko-KR" b="1" dirty="0">
+                <a:solidFill>
+                  <a:sysClr val="windowText" lastClr="000000"/>
+                </a:solidFill>
+              </a:rPr>
+              <a:t>Mel</a:t>
+            </a:r>
+            <a:endParaRPr lang="ko-KR" altLang="en-US" b="1" dirty="0">
+              <a:solidFill>
+                <a:sysClr val="windowText" lastClr="000000"/>
+              </a:solidFill>
+            </a:endParaRPr>
+          </a:p>
+        </p:txBody>
+      </p:sp>
+      <p:sp>
+        <p:nvSpPr>
+          <p:cNvPr id="41" name="사각형: 둥근 모서리 40">
+            <a:extLst>
+              <a:ext uri="{FF2B5EF4-FFF2-40B4-BE49-F238E27FC236}">
+                <a16:creationId xmlns:a16="http://schemas.microsoft.com/office/drawing/2014/main" id="{1B4139BF-4146-4698-879D-5825470D192B}"/>
+              </a:ext>
+            </a:extLst>
+          </p:cNvPr>
+          <p:cNvSpPr/>
+          <p:nvPr/>
+        </p:nvSpPr>
+        <p:spPr>
+          <a:xfrm>
+            <a:off x="2393306" y="276736"/>
+            <a:ext cx="1992388" cy="830511"/>
+          </a:xfrm>
+          <a:prstGeom prst="roundRect">
+            <a:avLst/>
+          </a:prstGeom>
+          <a:solidFill>
+            <a:srgbClr val="00BCB3"/>
+          </a:solidFill>
+          <a:ln>
+            <a:solidFill>
+              <a:schemeClr val="bg1"/>
+            </a:solidFill>
+          </a:ln>
+        </p:spPr>
+        <p:style>
+          <a:lnRef idx="2">
+            <a:schemeClr val="accent1">
+              <a:shade val="50000"/>
+            </a:schemeClr>
+          </a:lnRef>
+          <a:fillRef idx="1">
+            <a:schemeClr val="accent1"/>
+          </a:fillRef>
+          <a:effectRef idx="0">
+            <a:schemeClr val="accent1"/>
+          </a:effectRef>
+          <a:fontRef idx="minor">
+            <a:schemeClr val="lt1"/>
+          </a:fontRef>
+        </p:style>
+        <p:txBody>
+          <a:bodyPr rtlCol="0" anchor="ctr"/>
+          <a:lstStyle/>
+          <a:p>
+            <a:pPr algn="ctr"/>
+            <a:r>
+              <a:rPr lang="en-US" altLang="ko-KR" b="1" dirty="0">
+                <a:solidFill>
+                  <a:sysClr val="windowText" lastClr="000000"/>
+                </a:solidFill>
+              </a:rPr>
+              <a:t>Text</a:t>
+            </a:r>
+            <a:r>
+              <a:rPr lang="ko-KR" altLang="en-US" b="1" dirty="0">
+                <a:solidFill>
+                  <a:sysClr val="windowText" lastClr="000000"/>
+                </a:solidFill>
+              </a:rPr>
+              <a:t> </a:t>
+            </a:r>
+            <a:r>
+              <a:rPr lang="en-US" altLang="ko-KR" b="1" dirty="0">
+                <a:solidFill>
+                  <a:sysClr val="windowText" lastClr="000000"/>
+                </a:solidFill>
+              </a:rPr>
+              <a:t>encoder</a:t>
+            </a:r>
+            <a:endParaRPr lang="ko-KR" altLang="en-US" b="1" dirty="0">
+              <a:solidFill>
+                <a:sysClr val="windowText" lastClr="000000"/>
+              </a:solidFill>
+            </a:endParaRPr>
+          </a:p>
+        </p:txBody>
+      </p:sp>
+      <p:sp>
+        <p:nvSpPr>
+          <p:cNvPr id="42" name="사각형: 둥근 모서리 41">
+            <a:extLst>
+              <a:ext uri="{FF2B5EF4-FFF2-40B4-BE49-F238E27FC236}">
+                <a16:creationId xmlns:a16="http://schemas.microsoft.com/office/drawing/2014/main" id="{CFC4D61B-42D4-4076-A72C-1B5B080569B4}"/>
+              </a:ext>
+            </a:extLst>
+          </p:cNvPr>
+          <p:cNvSpPr/>
+          <p:nvPr/>
+        </p:nvSpPr>
+        <p:spPr>
+          <a:xfrm>
+            <a:off x="-313194" y="276736"/>
+            <a:ext cx="1992388" cy="830511"/>
+          </a:xfrm>
+          <a:prstGeom prst="roundRect">
+            <a:avLst/>
+          </a:prstGeom>
+          <a:solidFill>
+            <a:srgbClr val="00BCB3"/>
+          </a:solidFill>
+          <a:ln>
+            <a:solidFill>
+              <a:schemeClr val="bg1"/>
+            </a:solidFill>
+          </a:ln>
+        </p:spPr>
+        <p:style>
+          <a:lnRef idx="2">
+            <a:schemeClr val="accent1">
+              <a:shade val="50000"/>
+            </a:schemeClr>
+          </a:lnRef>
+          <a:fillRef idx="1">
+            <a:schemeClr val="accent1"/>
+          </a:fillRef>
+          <a:effectRef idx="0">
+            <a:schemeClr val="accent1"/>
+          </a:effectRef>
+          <a:fontRef idx="minor">
+            <a:schemeClr val="lt1"/>
+          </a:fontRef>
+        </p:style>
+        <p:txBody>
+          <a:bodyPr rtlCol="0" anchor="ctr"/>
+          <a:lstStyle/>
+          <a:p>
+            <a:pPr algn="ctr"/>
+            <a:r>
+              <a:rPr lang="en-US" altLang="ko-KR" b="1" dirty="0">
+                <a:solidFill>
+                  <a:sysClr val="windowText" lastClr="000000"/>
+                </a:solidFill>
+              </a:rPr>
+              <a:t>Text</a:t>
+            </a:r>
+            <a:endParaRPr lang="ko-KR" altLang="en-US" b="1" dirty="0">
+              <a:solidFill>
+                <a:sysClr val="windowText" lastClr="000000"/>
+              </a:solidFill>
+            </a:endParaRPr>
+          </a:p>
+        </p:txBody>
+      </p:sp>
+      <p:sp>
+        <p:nvSpPr>
+          <p:cNvPr id="43" name="사각형: 둥근 모서리 42">
+            <a:extLst>
+              <a:ext uri="{FF2B5EF4-FFF2-40B4-BE49-F238E27FC236}">
+                <a16:creationId xmlns:a16="http://schemas.microsoft.com/office/drawing/2014/main" id="{A8DF4D6E-42BE-44E7-A9B0-3D2FEA432EDD}"/>
+              </a:ext>
+            </a:extLst>
+          </p:cNvPr>
+          <p:cNvSpPr/>
+          <p:nvPr/>
+        </p:nvSpPr>
+        <p:spPr>
+          <a:xfrm>
+            <a:off x="5099806" y="2598489"/>
+            <a:ext cx="1992388" cy="830511"/>
+          </a:xfrm>
+          <a:prstGeom prst="roundRect">
+            <a:avLst/>
+          </a:prstGeom>
+          <a:solidFill>
+            <a:srgbClr val="00BCB3"/>
+          </a:solidFill>
+          <a:ln>
+            <a:solidFill>
+              <a:schemeClr val="bg1"/>
+            </a:solidFill>
+          </a:ln>
+        </p:spPr>
+        <p:style>
+          <a:lnRef idx="2">
+            <a:schemeClr val="accent1">
+              <a:shade val="50000"/>
+            </a:schemeClr>
+          </a:lnRef>
+          <a:fillRef idx="1">
+            <a:schemeClr val="accent1"/>
+          </a:fillRef>
+          <a:effectRef idx="0">
+            <a:schemeClr val="accent1"/>
+          </a:effectRef>
+          <a:fontRef idx="minor">
+            <a:schemeClr val="lt1"/>
+          </a:fontRef>
+        </p:style>
+        <p:txBody>
+          <a:bodyPr rtlCol="0" anchor="ctr"/>
+          <a:lstStyle/>
+          <a:p>
+            <a:pPr algn="ctr"/>
+            <a:r>
+              <a:rPr lang="en-US" altLang="ko-KR" b="1" dirty="0">
+                <a:solidFill>
+                  <a:sysClr val="windowText" lastClr="000000"/>
+                </a:solidFill>
+              </a:rPr>
+              <a:t>Duration predictor</a:t>
+            </a:r>
+            <a:endParaRPr lang="ko-KR" altLang="en-US" b="1" dirty="0">
+              <a:solidFill>
+                <a:sysClr val="windowText" lastClr="000000"/>
+              </a:solidFill>
+            </a:endParaRPr>
+          </a:p>
+        </p:txBody>
+      </p:sp>
+      <p:sp>
+        <p:nvSpPr>
+          <p:cNvPr id="44" name="사각형: 둥근 모서리 43">
+            <a:extLst>
+              <a:ext uri="{FF2B5EF4-FFF2-40B4-BE49-F238E27FC236}">
+                <a16:creationId xmlns:a16="http://schemas.microsoft.com/office/drawing/2014/main" id="{D74D5A04-0742-42B0-9B80-76ABD9E73021}"/>
+              </a:ext>
+            </a:extLst>
+          </p:cNvPr>
+          <p:cNvSpPr/>
+          <p:nvPr/>
+        </p:nvSpPr>
+        <p:spPr>
+          <a:xfrm>
+            <a:off x="5099806" y="276736"/>
+            <a:ext cx="1992388" cy="830511"/>
+          </a:xfrm>
+          <a:prstGeom prst="roundRect">
+            <a:avLst/>
+          </a:prstGeom>
+          <a:solidFill>
+            <a:srgbClr val="00BCB3"/>
+          </a:solidFill>
+          <a:ln>
+            <a:solidFill>
+              <a:schemeClr val="bg1"/>
+            </a:solidFill>
+          </a:ln>
+        </p:spPr>
+        <p:style>
+          <a:lnRef idx="2">
+            <a:schemeClr val="accent1">
+              <a:shade val="50000"/>
+            </a:schemeClr>
+          </a:lnRef>
+          <a:fillRef idx="1">
+            <a:schemeClr val="accent1"/>
+          </a:fillRef>
+          <a:effectRef idx="0">
+            <a:schemeClr val="accent1"/>
+          </a:effectRef>
+          <a:fontRef idx="minor">
+            <a:schemeClr val="lt1"/>
+          </a:fontRef>
+        </p:style>
+        <p:txBody>
+          <a:bodyPr rtlCol="0" anchor="ctr"/>
+          <a:lstStyle/>
+          <a:p>
+            <a:pPr algn="ctr"/>
+            <a:r>
+              <a:rPr lang="en-US" altLang="ko-KR" b="1" dirty="0">
+                <a:solidFill>
+                  <a:sysClr val="windowText" lastClr="000000"/>
+                </a:solidFill>
+              </a:rPr>
+              <a:t>Mean</a:t>
+            </a:r>
+            <a:endParaRPr lang="ko-KR" altLang="en-US" b="1" dirty="0">
+              <a:solidFill>
+                <a:sysClr val="windowText" lastClr="000000"/>
+              </a:solidFill>
+            </a:endParaRPr>
+          </a:p>
+        </p:txBody>
+      </p:sp>
+      <p:sp>
+        <p:nvSpPr>
+          <p:cNvPr id="45" name="사각형: 둥근 모서리 44">
+            <a:extLst>
+              <a:ext uri="{FF2B5EF4-FFF2-40B4-BE49-F238E27FC236}">
+                <a16:creationId xmlns:a16="http://schemas.microsoft.com/office/drawing/2014/main" id="{6EFDFCE9-03B2-4D1A-843E-C1C1A193F9D0}"/>
+              </a:ext>
+            </a:extLst>
+          </p:cNvPr>
+          <p:cNvSpPr/>
+          <p:nvPr/>
+        </p:nvSpPr>
+        <p:spPr>
+          <a:xfrm>
+            <a:off x="5099806" y="1437612"/>
+            <a:ext cx="1992388" cy="830511"/>
+          </a:xfrm>
+          <a:prstGeom prst="roundRect">
+            <a:avLst/>
+          </a:prstGeom>
+          <a:solidFill>
+            <a:srgbClr val="00BCB3"/>
+          </a:solidFill>
+          <a:ln>
+            <a:solidFill>
+              <a:schemeClr val="bg1"/>
+            </a:solidFill>
+          </a:ln>
+        </p:spPr>
+        <p:style>
+          <a:lnRef idx="2">
+            <a:schemeClr val="accent1">
+              <a:shade val="50000"/>
+            </a:schemeClr>
+          </a:lnRef>
+          <a:fillRef idx="1">
+            <a:schemeClr val="accent1"/>
+          </a:fillRef>
+          <a:effectRef idx="0">
+            <a:schemeClr val="accent1"/>
+          </a:effectRef>
+          <a:fontRef idx="minor">
+            <a:schemeClr val="lt1"/>
+          </a:fontRef>
+        </p:style>
+        <p:txBody>
+          <a:bodyPr rtlCol="0" anchor="ctr"/>
+          <a:lstStyle/>
+          <a:p>
+            <a:pPr algn="ctr"/>
+            <a:r>
+              <a:rPr lang="en-US" altLang="ko-KR" b="1" dirty="0">
+                <a:solidFill>
+                  <a:sysClr val="windowText" lastClr="000000"/>
+                </a:solidFill>
+              </a:rPr>
+              <a:t>Standard deviation</a:t>
+            </a:r>
+            <a:endParaRPr lang="ko-KR" altLang="en-US" b="1" dirty="0">
+              <a:solidFill>
+                <a:sysClr val="windowText" lastClr="000000"/>
+              </a:solidFill>
+            </a:endParaRPr>
+          </a:p>
+        </p:txBody>
+      </p:sp>
+      <p:sp>
+        <p:nvSpPr>
+          <p:cNvPr id="47" name="사각형: 둥근 모서리 46">
+            <a:extLst>
+              <a:ext uri="{FF2B5EF4-FFF2-40B4-BE49-F238E27FC236}">
+                <a16:creationId xmlns:a16="http://schemas.microsoft.com/office/drawing/2014/main" id="{86D4B265-3295-44D0-9FE7-5CBA151FA62F}"/>
+              </a:ext>
+            </a:extLst>
+          </p:cNvPr>
+          <p:cNvSpPr/>
+          <p:nvPr/>
+        </p:nvSpPr>
+        <p:spPr>
+          <a:xfrm>
+            <a:off x="5099806" y="-2045024"/>
+            <a:ext cx="1992388" cy="830511"/>
+          </a:xfrm>
+          <a:prstGeom prst="roundRect">
+            <a:avLst/>
+          </a:prstGeom>
+          <a:solidFill>
+            <a:srgbClr val="00BCB3"/>
+          </a:solidFill>
+          <a:ln>
+            <a:solidFill>
+              <a:schemeClr val="bg1"/>
+            </a:solidFill>
+          </a:ln>
+        </p:spPr>
+        <p:style>
+          <a:lnRef idx="2">
+            <a:schemeClr val="accent1">
+              <a:shade val="50000"/>
+            </a:schemeClr>
+          </a:lnRef>
+          <a:fillRef idx="1">
+            <a:schemeClr val="accent1"/>
+          </a:fillRef>
+          <a:effectRef idx="0">
+            <a:schemeClr val="accent1"/>
+          </a:effectRef>
+          <a:fontRef idx="minor">
+            <a:schemeClr val="lt1"/>
+          </a:fontRef>
+        </p:style>
+        <p:txBody>
+          <a:bodyPr rtlCol="0" anchor="ctr"/>
+          <a:lstStyle/>
+          <a:p>
+            <a:pPr algn="ctr"/>
+            <a:r>
+              <a:rPr lang="en-US" altLang="ko-KR" b="1" dirty="0">
+                <a:solidFill>
+                  <a:sysClr val="windowText" lastClr="000000"/>
+                </a:solidFill>
+              </a:rPr>
+              <a:t>Z-value</a:t>
+            </a:r>
+            <a:endParaRPr lang="ko-KR" altLang="en-US" b="1" dirty="0">
+              <a:solidFill>
+                <a:sysClr val="windowText" lastClr="000000"/>
+              </a:solidFill>
+            </a:endParaRPr>
+          </a:p>
+        </p:txBody>
+      </p:sp>
+      <p:sp>
+        <p:nvSpPr>
+          <p:cNvPr id="48" name="사각형: 둥근 모서리 47">
+            <a:extLst>
+              <a:ext uri="{FF2B5EF4-FFF2-40B4-BE49-F238E27FC236}">
+                <a16:creationId xmlns:a16="http://schemas.microsoft.com/office/drawing/2014/main" id="{E049B318-D4BF-44BF-82B2-9DF485637868}"/>
+              </a:ext>
+            </a:extLst>
+          </p:cNvPr>
+          <p:cNvSpPr/>
+          <p:nvPr/>
+        </p:nvSpPr>
+        <p:spPr>
+          <a:xfrm>
+            <a:off x="7806306" y="276734"/>
+            <a:ext cx="1992388" cy="830511"/>
+          </a:xfrm>
+          <a:prstGeom prst="roundRect">
+            <a:avLst/>
+          </a:prstGeom>
+          <a:solidFill>
+            <a:srgbClr val="00BCB3"/>
+          </a:solidFill>
+          <a:ln>
+            <a:solidFill>
+              <a:schemeClr val="bg1"/>
+            </a:solidFill>
+          </a:ln>
+        </p:spPr>
+        <p:style>
+          <a:lnRef idx="2">
+            <a:schemeClr val="accent1">
+              <a:shade val="50000"/>
+            </a:schemeClr>
+          </a:lnRef>
+          <a:fillRef idx="1">
+            <a:schemeClr val="accent1"/>
+          </a:fillRef>
+          <a:effectRef idx="0">
+            <a:schemeClr val="accent1"/>
+          </a:effectRef>
+          <a:fontRef idx="minor">
+            <a:schemeClr val="lt1"/>
+          </a:fontRef>
+        </p:style>
+        <p:txBody>
+          <a:bodyPr rtlCol="0" anchor="ctr"/>
+          <a:lstStyle/>
+          <a:p>
+            <a:pPr algn="ctr"/>
+            <a:r>
+              <a:rPr lang="en-US" altLang="ko-KR" b="1" dirty="0">
+                <a:solidFill>
+                  <a:sysClr val="windowText" lastClr="000000"/>
+                </a:solidFill>
+              </a:rPr>
+              <a:t>Monotonic alignment search</a:t>
+            </a:r>
+            <a:endParaRPr lang="ko-KR" altLang="en-US" b="1" dirty="0">
+              <a:solidFill>
+                <a:sysClr val="windowText" lastClr="000000"/>
+              </a:solidFill>
+            </a:endParaRPr>
+          </a:p>
+        </p:txBody>
+      </p:sp>
+      <p:sp>
+        <p:nvSpPr>
+          <p:cNvPr id="49" name="사각형: 둥근 모서리 48">
+            <a:extLst>
+              <a:ext uri="{FF2B5EF4-FFF2-40B4-BE49-F238E27FC236}">
+                <a16:creationId xmlns:a16="http://schemas.microsoft.com/office/drawing/2014/main" id="{310209AE-2BF0-4E80-BE9F-034900EFD4F5}"/>
+              </a:ext>
+            </a:extLst>
+          </p:cNvPr>
+          <p:cNvSpPr/>
+          <p:nvPr/>
+        </p:nvSpPr>
+        <p:spPr>
+          <a:xfrm>
+            <a:off x="10512806" y="276734"/>
+            <a:ext cx="1992388" cy="830511"/>
+          </a:xfrm>
+          <a:prstGeom prst="roundRect">
+            <a:avLst/>
+          </a:prstGeom>
+          <a:solidFill>
+            <a:srgbClr val="00BCB3"/>
+          </a:solidFill>
+          <a:ln>
+            <a:solidFill>
+              <a:schemeClr val="bg1"/>
+            </a:solidFill>
+          </a:ln>
+        </p:spPr>
+        <p:style>
+          <a:lnRef idx="2">
+            <a:schemeClr val="accent1">
+              <a:shade val="50000"/>
+            </a:schemeClr>
+          </a:lnRef>
+          <a:fillRef idx="1">
+            <a:schemeClr val="accent1"/>
+          </a:fillRef>
+          <a:effectRef idx="0">
+            <a:schemeClr val="accent1"/>
+          </a:effectRef>
+          <a:fontRef idx="minor">
+            <a:schemeClr val="lt1"/>
+          </a:fontRef>
+        </p:style>
+        <p:txBody>
+          <a:bodyPr rtlCol="0" anchor="ctr"/>
+          <a:lstStyle/>
+          <a:p>
+            <a:pPr algn="ctr"/>
+            <a:r>
+              <a:rPr lang="en-US" altLang="ko-KR" b="1" dirty="0">
+                <a:solidFill>
+                  <a:sysClr val="windowText" lastClr="000000"/>
+                </a:solidFill>
+              </a:rPr>
+              <a:t>MLE loss</a:t>
+            </a:r>
+            <a:endParaRPr lang="ko-KR" altLang="en-US" b="1" dirty="0">
+              <a:solidFill>
+                <a:sysClr val="windowText" lastClr="000000"/>
+              </a:solidFill>
+            </a:endParaRPr>
+          </a:p>
+        </p:txBody>
+      </p:sp>
+      <p:sp>
+        <p:nvSpPr>
+          <p:cNvPr id="50" name="사각형: 둥근 모서리 49">
+            <a:extLst>
+              <a:ext uri="{FF2B5EF4-FFF2-40B4-BE49-F238E27FC236}">
+                <a16:creationId xmlns:a16="http://schemas.microsoft.com/office/drawing/2014/main" id="{77269802-9045-40A1-99D9-FBE16DB85140}"/>
+              </a:ext>
+            </a:extLst>
+          </p:cNvPr>
+          <p:cNvSpPr/>
+          <p:nvPr/>
+        </p:nvSpPr>
+        <p:spPr>
+          <a:xfrm>
+            <a:off x="10512806" y="2598489"/>
+            <a:ext cx="1992388" cy="830511"/>
+          </a:xfrm>
+          <a:prstGeom prst="roundRect">
+            <a:avLst/>
+          </a:prstGeom>
+          <a:solidFill>
+            <a:srgbClr val="00BCB3"/>
+          </a:solidFill>
+          <a:ln>
+            <a:solidFill>
+              <a:schemeClr val="bg1"/>
+            </a:solidFill>
+          </a:ln>
+        </p:spPr>
+        <p:style>
+          <a:lnRef idx="2">
+            <a:schemeClr val="accent1">
+              <a:shade val="50000"/>
+            </a:schemeClr>
+          </a:lnRef>
+          <a:fillRef idx="1">
+            <a:schemeClr val="accent1"/>
+          </a:fillRef>
+          <a:effectRef idx="0">
+            <a:schemeClr val="accent1"/>
+          </a:effectRef>
+          <a:fontRef idx="minor">
+            <a:schemeClr val="lt1"/>
+          </a:fontRef>
+        </p:style>
+        <p:txBody>
+          <a:bodyPr rtlCol="0" anchor="ctr"/>
+          <a:lstStyle/>
+          <a:p>
+            <a:pPr algn="ctr"/>
+            <a:r>
+              <a:rPr lang="en-US" altLang="ko-KR" b="1" dirty="0">
+                <a:solidFill>
+                  <a:sysClr val="windowText" lastClr="000000"/>
+                </a:solidFill>
+              </a:rPr>
+              <a:t>Length loss</a:t>
+            </a:r>
+            <a:endParaRPr lang="ko-KR" altLang="en-US" b="1" dirty="0">
+              <a:solidFill>
+                <a:sysClr val="windowText" lastClr="000000"/>
+              </a:solidFill>
+            </a:endParaRPr>
+          </a:p>
+        </p:txBody>
+      </p:sp>
+      <p:cxnSp>
+        <p:nvCxnSpPr>
+          <p:cNvPr id="51" name="직선 화살표 연결선 50">
+            <a:extLst>
+              <a:ext uri="{FF2B5EF4-FFF2-40B4-BE49-F238E27FC236}">
+                <a16:creationId xmlns:a16="http://schemas.microsoft.com/office/drawing/2014/main" id="{A2C7CDE3-787F-4D9E-8C0C-EB4C094FD2B5}"/>
+              </a:ext>
+            </a:extLst>
+          </p:cNvPr>
+          <p:cNvCxnSpPr>
+            <a:cxnSpLocks/>
+            <a:stCxn id="40" idx="3"/>
+            <a:endCxn id="39" idx="1"/>
+          </p:cNvCxnSpPr>
+          <p:nvPr/>
+        </p:nvCxnSpPr>
+        <p:spPr>
+          <a:xfrm>
+            <a:off x="1679194" y="-1629768"/>
+            <a:ext cx="714112" cy="0"/>
+          </a:xfrm>
+          <a:prstGeom prst="straightConnector1">
+            <a:avLst/>
+          </a:prstGeom>
+          <a:solidFill>
+            <a:srgbClr val="00BCB3"/>
+          </a:solidFill>
+          <a:ln w="38100">
+            <a:solidFill>
+              <a:schemeClr val="bg1"/>
+            </a:solidFill>
+            <a:tailEnd type="triangle"/>
+          </a:ln>
+        </p:spPr>
+        <p:style>
+          <a:lnRef idx="1">
+            <a:schemeClr val="accent1"/>
+          </a:lnRef>
+          <a:fillRef idx="0">
+            <a:schemeClr val="accent1"/>
+          </a:fillRef>
+          <a:effectRef idx="0">
+            <a:schemeClr val="accent1"/>
+          </a:effectRef>
+          <a:fontRef idx="minor">
+            <a:schemeClr val="tx1"/>
+          </a:fontRef>
+        </p:style>
+      </p:cxnSp>
+      <p:cxnSp>
+        <p:nvCxnSpPr>
+          <p:cNvPr id="53" name="직선 화살표 연결선 52">
+            <a:extLst>
+              <a:ext uri="{FF2B5EF4-FFF2-40B4-BE49-F238E27FC236}">
+                <a16:creationId xmlns:a16="http://schemas.microsoft.com/office/drawing/2014/main" id="{043099C7-BBBF-4CB4-9635-030E8FF79F62}"/>
+              </a:ext>
+            </a:extLst>
+          </p:cNvPr>
+          <p:cNvCxnSpPr>
+            <a:cxnSpLocks/>
+            <a:stCxn id="39" idx="3"/>
+            <a:endCxn id="47" idx="1"/>
+          </p:cNvCxnSpPr>
+          <p:nvPr/>
+        </p:nvCxnSpPr>
+        <p:spPr>
+          <a:xfrm>
+            <a:off x="4385694" y="-1629768"/>
+            <a:ext cx="714112" cy="0"/>
+          </a:xfrm>
+          <a:prstGeom prst="straightConnector1">
+            <a:avLst/>
+          </a:prstGeom>
+          <a:solidFill>
+            <a:srgbClr val="00BCB3"/>
+          </a:solidFill>
+          <a:ln w="38100">
+            <a:solidFill>
+              <a:schemeClr val="bg1"/>
+            </a:solidFill>
+            <a:tailEnd type="triangle"/>
+          </a:ln>
+        </p:spPr>
+        <p:style>
+          <a:lnRef idx="1">
+            <a:schemeClr val="accent1"/>
+          </a:lnRef>
+          <a:fillRef idx="0">
+            <a:schemeClr val="accent1"/>
+          </a:fillRef>
+          <a:effectRef idx="0">
+            <a:schemeClr val="accent1"/>
+          </a:effectRef>
+          <a:fontRef idx="minor">
+            <a:schemeClr val="tx1"/>
+          </a:fontRef>
+        </p:style>
+      </p:cxnSp>
+      <p:cxnSp>
+        <p:nvCxnSpPr>
+          <p:cNvPr id="56" name="직선 화살표 연결선 55">
+            <a:extLst>
+              <a:ext uri="{FF2B5EF4-FFF2-40B4-BE49-F238E27FC236}">
+                <a16:creationId xmlns:a16="http://schemas.microsoft.com/office/drawing/2014/main" id="{84060001-02BD-401B-960A-AED5AD4BFBBD}"/>
+              </a:ext>
+            </a:extLst>
+          </p:cNvPr>
+          <p:cNvCxnSpPr>
+            <a:cxnSpLocks/>
+            <a:stCxn id="42" idx="3"/>
+            <a:endCxn id="41" idx="1"/>
+          </p:cNvCxnSpPr>
+          <p:nvPr/>
+        </p:nvCxnSpPr>
+        <p:spPr>
+          <a:xfrm>
+            <a:off x="1679194" y="691992"/>
+            <a:ext cx="714112" cy="0"/>
+          </a:xfrm>
+          <a:prstGeom prst="straightConnector1">
+            <a:avLst/>
+          </a:prstGeom>
+          <a:solidFill>
+            <a:srgbClr val="00BCB3"/>
+          </a:solidFill>
+          <a:ln w="38100">
+            <a:solidFill>
+              <a:schemeClr val="bg1"/>
+            </a:solidFill>
+            <a:tailEnd type="triangle"/>
+          </a:ln>
+        </p:spPr>
+        <p:style>
+          <a:lnRef idx="1">
+            <a:schemeClr val="accent1"/>
+          </a:lnRef>
+          <a:fillRef idx="0">
+            <a:schemeClr val="accent1"/>
+          </a:fillRef>
+          <a:effectRef idx="0">
+            <a:schemeClr val="accent1"/>
+          </a:effectRef>
+          <a:fontRef idx="minor">
+            <a:schemeClr val="tx1"/>
+          </a:fontRef>
+        </p:style>
+      </p:cxnSp>
+      <p:cxnSp>
+        <p:nvCxnSpPr>
+          <p:cNvPr id="59" name="직선 화살표 연결선 58">
+            <a:extLst>
+              <a:ext uri="{FF2B5EF4-FFF2-40B4-BE49-F238E27FC236}">
+                <a16:creationId xmlns:a16="http://schemas.microsoft.com/office/drawing/2014/main" id="{A108E52C-F3BA-4AD9-BCE9-1D16C20DA06A}"/>
+              </a:ext>
+            </a:extLst>
+          </p:cNvPr>
+          <p:cNvCxnSpPr>
+            <a:cxnSpLocks/>
+            <a:stCxn id="41" idx="3"/>
+            <a:endCxn id="44" idx="1"/>
+          </p:cNvCxnSpPr>
+          <p:nvPr/>
+        </p:nvCxnSpPr>
+        <p:spPr>
+          <a:xfrm>
+            <a:off x="4385694" y="691992"/>
+            <a:ext cx="714112" cy="0"/>
+          </a:xfrm>
+          <a:prstGeom prst="straightConnector1">
+            <a:avLst/>
+          </a:prstGeom>
+          <a:solidFill>
+            <a:srgbClr val="00BCB3"/>
+          </a:solidFill>
+          <a:ln w="38100">
+            <a:solidFill>
+              <a:schemeClr val="bg1"/>
+            </a:solidFill>
+            <a:tailEnd type="triangle"/>
+          </a:ln>
+        </p:spPr>
+        <p:style>
+          <a:lnRef idx="1">
+            <a:schemeClr val="accent1"/>
+          </a:lnRef>
+          <a:fillRef idx="0">
+            <a:schemeClr val="accent1"/>
+          </a:fillRef>
+          <a:effectRef idx="0">
+            <a:schemeClr val="accent1"/>
+          </a:effectRef>
+          <a:fontRef idx="minor">
+            <a:schemeClr val="tx1"/>
+          </a:fontRef>
+        </p:style>
+      </p:cxnSp>
+      <p:cxnSp>
+        <p:nvCxnSpPr>
+          <p:cNvPr id="63" name="연결선: 꺾임 62">
+            <a:extLst>
+              <a:ext uri="{FF2B5EF4-FFF2-40B4-BE49-F238E27FC236}">
+                <a16:creationId xmlns:a16="http://schemas.microsoft.com/office/drawing/2014/main" id="{C63A0FB1-4688-4D62-936F-DB8633F4F04F}"/>
+              </a:ext>
+            </a:extLst>
+          </p:cNvPr>
+          <p:cNvCxnSpPr>
+            <a:cxnSpLocks/>
+            <a:stCxn id="41" idx="3"/>
+            <a:endCxn id="45" idx="1"/>
+          </p:cNvCxnSpPr>
+          <p:nvPr/>
+        </p:nvCxnSpPr>
+        <p:spPr>
+          <a:xfrm>
+            <a:off x="4385694" y="691992"/>
+            <a:ext cx="714112" cy="1160876"/>
+          </a:xfrm>
+          <a:prstGeom prst="bentConnector3">
+            <a:avLst>
+              <a:gd name="adj1" fmla="val 50000"/>
+            </a:avLst>
+          </a:prstGeom>
+          <a:solidFill>
+            <a:srgbClr val="00BCB3"/>
+          </a:solidFill>
+          <a:ln w="38100">
+            <a:solidFill>
+              <a:schemeClr val="bg1"/>
+            </a:solidFill>
+            <a:tailEnd type="triangle"/>
+          </a:ln>
+        </p:spPr>
+        <p:style>
+          <a:lnRef idx="1">
+            <a:schemeClr val="accent1"/>
+          </a:lnRef>
+          <a:fillRef idx="0">
+            <a:schemeClr val="accent1"/>
+          </a:fillRef>
+          <a:effectRef idx="0">
+            <a:schemeClr val="accent1"/>
+          </a:effectRef>
+          <a:fontRef idx="minor">
+            <a:schemeClr val="tx1"/>
+          </a:fontRef>
+        </p:style>
+      </p:cxnSp>
+      <p:cxnSp>
+        <p:nvCxnSpPr>
+          <p:cNvPr id="66" name="연결선: 꺾임 65">
+            <a:extLst>
+              <a:ext uri="{FF2B5EF4-FFF2-40B4-BE49-F238E27FC236}">
+                <a16:creationId xmlns:a16="http://schemas.microsoft.com/office/drawing/2014/main" id="{08F8FEC6-EEC7-42C8-A844-FC39D2FE1025}"/>
+              </a:ext>
+            </a:extLst>
+          </p:cNvPr>
+          <p:cNvCxnSpPr>
+            <a:cxnSpLocks/>
+            <a:stCxn id="41" idx="3"/>
+            <a:endCxn id="43" idx="1"/>
+          </p:cNvCxnSpPr>
+          <p:nvPr/>
+        </p:nvCxnSpPr>
+        <p:spPr>
+          <a:xfrm>
+            <a:off x="4385694" y="691992"/>
+            <a:ext cx="714112" cy="2321753"/>
+          </a:xfrm>
+          <a:prstGeom prst="bentConnector3">
+            <a:avLst>
+              <a:gd name="adj1" fmla="val 50000"/>
+            </a:avLst>
+          </a:prstGeom>
+          <a:solidFill>
+            <a:srgbClr val="00BCB3"/>
+          </a:solidFill>
+          <a:ln w="38100">
+            <a:solidFill>
+              <a:schemeClr val="bg1"/>
+            </a:solidFill>
+            <a:tailEnd type="triangle"/>
+          </a:ln>
+        </p:spPr>
+        <p:style>
+          <a:lnRef idx="1">
+            <a:schemeClr val="accent1"/>
+          </a:lnRef>
+          <a:fillRef idx="0">
+            <a:schemeClr val="accent1"/>
+          </a:fillRef>
+          <a:effectRef idx="0">
+            <a:schemeClr val="accent1"/>
+          </a:effectRef>
+          <a:fontRef idx="minor">
+            <a:schemeClr val="tx1"/>
+          </a:fontRef>
+        </p:style>
+      </p:cxnSp>
+      <p:cxnSp>
+        <p:nvCxnSpPr>
+          <p:cNvPr id="69" name="연결선: 꺾임 68">
+            <a:extLst>
+              <a:ext uri="{FF2B5EF4-FFF2-40B4-BE49-F238E27FC236}">
+                <a16:creationId xmlns:a16="http://schemas.microsoft.com/office/drawing/2014/main" id="{E5CC734C-76E0-487E-AD04-D4D87A06C739}"/>
+              </a:ext>
+            </a:extLst>
+          </p:cNvPr>
+          <p:cNvCxnSpPr>
+            <a:cxnSpLocks/>
+            <a:stCxn id="47" idx="3"/>
+            <a:endCxn id="48" idx="1"/>
+          </p:cNvCxnSpPr>
+          <p:nvPr/>
+        </p:nvCxnSpPr>
+        <p:spPr>
+          <a:xfrm>
+            <a:off x="7092194" y="-1629768"/>
+            <a:ext cx="714112" cy="2321758"/>
+          </a:xfrm>
+          <a:prstGeom prst="bentConnector3">
+            <a:avLst>
+              <a:gd name="adj1" fmla="val 50000"/>
+            </a:avLst>
+          </a:prstGeom>
+          <a:solidFill>
+            <a:srgbClr val="00BCB3"/>
+          </a:solidFill>
+          <a:ln w="38100">
+            <a:solidFill>
+              <a:schemeClr val="bg1"/>
+            </a:solidFill>
+            <a:tailEnd type="triangle"/>
+          </a:ln>
+        </p:spPr>
+        <p:style>
+          <a:lnRef idx="1">
+            <a:schemeClr val="accent1"/>
+          </a:lnRef>
+          <a:fillRef idx="0">
+            <a:schemeClr val="accent1"/>
+          </a:fillRef>
+          <a:effectRef idx="0">
+            <a:schemeClr val="accent1"/>
+          </a:effectRef>
+          <a:fontRef idx="minor">
+            <a:schemeClr val="tx1"/>
+          </a:fontRef>
+        </p:style>
+      </p:cxnSp>
+      <p:cxnSp>
+        <p:nvCxnSpPr>
+          <p:cNvPr id="72" name="연결선: 꺾임 71">
+            <a:extLst>
+              <a:ext uri="{FF2B5EF4-FFF2-40B4-BE49-F238E27FC236}">
+                <a16:creationId xmlns:a16="http://schemas.microsoft.com/office/drawing/2014/main" id="{E486F1E1-7079-41B2-9C1D-743BE4D06EE9}"/>
+              </a:ext>
+            </a:extLst>
+          </p:cNvPr>
+          <p:cNvCxnSpPr>
+            <a:cxnSpLocks/>
+            <a:stCxn id="45" idx="3"/>
+            <a:endCxn id="48" idx="1"/>
+          </p:cNvCxnSpPr>
+          <p:nvPr/>
+        </p:nvCxnSpPr>
+        <p:spPr>
+          <a:xfrm flipV="1">
+            <a:off x="7092194" y="691990"/>
+            <a:ext cx="714112" cy="1160878"/>
+          </a:xfrm>
+          <a:prstGeom prst="bentConnector3">
+            <a:avLst>
+              <a:gd name="adj1" fmla="val 50000"/>
+            </a:avLst>
+          </a:prstGeom>
+          <a:solidFill>
+            <a:srgbClr val="00BCB3"/>
+          </a:solidFill>
+          <a:ln w="38100">
+            <a:solidFill>
+              <a:schemeClr val="bg1"/>
+            </a:solidFill>
+            <a:tailEnd type="triangle"/>
+          </a:ln>
+        </p:spPr>
+        <p:style>
+          <a:lnRef idx="1">
+            <a:schemeClr val="accent1"/>
+          </a:lnRef>
+          <a:fillRef idx="0">
+            <a:schemeClr val="accent1"/>
+          </a:fillRef>
+          <a:effectRef idx="0">
+            <a:schemeClr val="accent1"/>
+          </a:effectRef>
+          <a:fontRef idx="minor">
+            <a:schemeClr val="tx1"/>
+          </a:fontRef>
+        </p:style>
+      </p:cxnSp>
+      <p:cxnSp>
+        <p:nvCxnSpPr>
+          <p:cNvPr id="78" name="직선 화살표 연결선 77">
+            <a:extLst>
+              <a:ext uri="{FF2B5EF4-FFF2-40B4-BE49-F238E27FC236}">
+                <a16:creationId xmlns:a16="http://schemas.microsoft.com/office/drawing/2014/main" id="{5C363AF8-9767-49D6-BAE3-5D2A2E79DF14}"/>
+              </a:ext>
+            </a:extLst>
+          </p:cNvPr>
+          <p:cNvCxnSpPr>
+            <a:cxnSpLocks/>
+            <a:stCxn id="44" idx="3"/>
+            <a:endCxn id="48" idx="1"/>
+          </p:cNvCxnSpPr>
+          <p:nvPr/>
+        </p:nvCxnSpPr>
+        <p:spPr>
+          <a:xfrm flipV="1">
+            <a:off x="7092194" y="691990"/>
+            <a:ext cx="714112" cy="2"/>
+          </a:xfrm>
+          <a:prstGeom prst="straightConnector1">
+            <a:avLst/>
+          </a:prstGeom>
+          <a:solidFill>
+            <a:srgbClr val="00BCB3"/>
+          </a:solidFill>
+          <a:ln w="38100">
+            <a:solidFill>
+              <a:schemeClr val="bg1"/>
+            </a:solidFill>
+            <a:tailEnd type="triangle"/>
+          </a:ln>
+        </p:spPr>
+        <p:style>
+          <a:lnRef idx="1">
+            <a:schemeClr val="accent1"/>
+          </a:lnRef>
+          <a:fillRef idx="0">
+            <a:schemeClr val="accent1"/>
+          </a:fillRef>
+          <a:effectRef idx="0">
+            <a:schemeClr val="accent1"/>
+          </a:effectRef>
+          <a:fontRef idx="minor">
+            <a:schemeClr val="tx1"/>
+          </a:fontRef>
+        </p:style>
+      </p:cxnSp>
+      <p:cxnSp>
+        <p:nvCxnSpPr>
+          <p:cNvPr id="82" name="직선 화살표 연결선 81">
+            <a:extLst>
+              <a:ext uri="{FF2B5EF4-FFF2-40B4-BE49-F238E27FC236}">
+                <a16:creationId xmlns:a16="http://schemas.microsoft.com/office/drawing/2014/main" id="{8C35FED9-51A7-4401-A61B-2CF71D54F5E2}"/>
+              </a:ext>
+            </a:extLst>
+          </p:cNvPr>
+          <p:cNvCxnSpPr>
+            <a:cxnSpLocks/>
+            <a:stCxn id="48" idx="3"/>
+            <a:endCxn id="49" idx="1"/>
+          </p:cNvCxnSpPr>
+          <p:nvPr/>
+        </p:nvCxnSpPr>
+        <p:spPr>
+          <a:xfrm>
+            <a:off x="9798694" y="691990"/>
+            <a:ext cx="714112" cy="0"/>
+          </a:xfrm>
+          <a:prstGeom prst="straightConnector1">
+            <a:avLst/>
+          </a:prstGeom>
+          <a:solidFill>
+            <a:srgbClr val="00BCB3"/>
+          </a:solidFill>
+          <a:ln w="38100">
+            <a:solidFill>
+              <a:schemeClr val="bg1"/>
+            </a:solidFill>
+            <a:tailEnd type="triangle"/>
+          </a:ln>
+        </p:spPr>
+        <p:style>
+          <a:lnRef idx="1">
+            <a:schemeClr val="accent1"/>
+          </a:lnRef>
+          <a:fillRef idx="0">
+            <a:schemeClr val="accent1"/>
+          </a:fillRef>
+          <a:effectRef idx="0">
+            <a:schemeClr val="accent1"/>
+          </a:effectRef>
+          <a:fontRef idx="minor">
+            <a:schemeClr val="tx1"/>
+          </a:fontRef>
+        </p:style>
+      </p:cxnSp>
+      <p:cxnSp>
+        <p:nvCxnSpPr>
+          <p:cNvPr id="85" name="연결선: 꺾임 84">
+            <a:extLst>
+              <a:ext uri="{FF2B5EF4-FFF2-40B4-BE49-F238E27FC236}">
+                <a16:creationId xmlns:a16="http://schemas.microsoft.com/office/drawing/2014/main" id="{E0351942-298B-449D-8AF8-116D0DC09F00}"/>
+              </a:ext>
+            </a:extLst>
+          </p:cNvPr>
+          <p:cNvCxnSpPr>
+            <a:cxnSpLocks/>
+            <a:stCxn id="48" idx="3"/>
+            <a:endCxn id="95" idx="1"/>
+          </p:cNvCxnSpPr>
+          <p:nvPr/>
+        </p:nvCxnSpPr>
+        <p:spPr>
+          <a:xfrm>
+            <a:off x="9798694" y="691990"/>
+            <a:ext cx="724272" cy="2114127"/>
+          </a:xfrm>
+          <a:prstGeom prst="bentConnector3">
+            <a:avLst>
+              <a:gd name="adj1" fmla="val 50000"/>
+            </a:avLst>
+          </a:prstGeom>
+          <a:solidFill>
+            <a:srgbClr val="00BCB3"/>
+          </a:solidFill>
+          <a:ln w="38100">
+            <a:solidFill>
+              <a:schemeClr val="bg1"/>
+            </a:solidFill>
+            <a:tailEnd type="triangle"/>
+          </a:ln>
+        </p:spPr>
+        <p:style>
+          <a:lnRef idx="1">
+            <a:schemeClr val="accent1"/>
+          </a:lnRef>
+          <a:fillRef idx="0">
+            <a:schemeClr val="accent1"/>
+          </a:fillRef>
+          <a:effectRef idx="0">
+            <a:schemeClr val="accent1"/>
+          </a:effectRef>
+          <a:fontRef idx="minor">
+            <a:schemeClr val="tx1"/>
+          </a:fontRef>
+        </p:style>
+      </p:cxnSp>
+      <p:cxnSp>
+        <p:nvCxnSpPr>
+          <p:cNvPr id="89" name="직선 화살표 연결선 88">
+            <a:extLst>
+              <a:ext uri="{FF2B5EF4-FFF2-40B4-BE49-F238E27FC236}">
+                <a16:creationId xmlns:a16="http://schemas.microsoft.com/office/drawing/2014/main" id="{D28ADE4B-41ED-4A80-8D25-741409D5C30C}"/>
+              </a:ext>
+            </a:extLst>
+          </p:cNvPr>
+          <p:cNvCxnSpPr>
+            <a:cxnSpLocks/>
+            <a:stCxn id="43" idx="3"/>
+            <a:endCxn id="50" idx="1"/>
+          </p:cNvCxnSpPr>
+          <p:nvPr/>
+        </p:nvCxnSpPr>
+        <p:spPr>
+          <a:xfrm>
+            <a:off x="7092194" y="3013745"/>
+            <a:ext cx="3420612" cy="0"/>
+          </a:xfrm>
+          <a:prstGeom prst="straightConnector1">
+            <a:avLst/>
+          </a:prstGeom>
+          <a:solidFill>
+            <a:srgbClr val="00BCB3"/>
+          </a:solidFill>
+          <a:ln w="38100">
+            <a:solidFill>
+              <a:schemeClr val="bg1"/>
+            </a:solidFill>
+            <a:tailEnd type="triangle"/>
+          </a:ln>
+        </p:spPr>
+        <p:style>
+          <a:lnRef idx="1">
+            <a:schemeClr val="accent1"/>
+          </a:lnRef>
+          <a:fillRef idx="0">
+            <a:schemeClr val="accent1"/>
+          </a:fillRef>
+          <a:effectRef idx="0">
+            <a:schemeClr val="accent1"/>
+          </a:effectRef>
+          <a:fontRef idx="minor">
+            <a:schemeClr val="tx1"/>
+          </a:fontRef>
+        </p:style>
+      </p:cxnSp>
+      <p:sp>
+        <p:nvSpPr>
+          <p:cNvPr id="95" name="사각형: 둥근 모서리 94">
+            <a:extLst>
+              <a:ext uri="{FF2B5EF4-FFF2-40B4-BE49-F238E27FC236}">
+                <a16:creationId xmlns:a16="http://schemas.microsoft.com/office/drawing/2014/main" id="{D0590EBF-9DB0-4C43-80B1-38FCB5EBFE6C}"/>
+              </a:ext>
+            </a:extLst>
+          </p:cNvPr>
+          <p:cNvSpPr/>
+          <p:nvPr/>
+        </p:nvSpPr>
+        <p:spPr>
+          <a:xfrm>
+            <a:off x="10522966" y="2752117"/>
+            <a:ext cx="108000" cy="108000"/>
+          </a:xfrm>
+          <a:prstGeom prst="roundRect">
+            <a:avLst/>
+          </a:prstGeom>
+          <a:solidFill>
+            <a:srgbClr val="00BCB3"/>
+          </a:solidFill>
+          <a:ln w="38100">
+            <a:noFill/>
+          </a:ln>
+        </p:spPr>
+        <p:style>
+          <a:lnRef idx="2">
+            <a:schemeClr val="accent1">
+              <a:shade val="50000"/>
+            </a:schemeClr>
+          </a:lnRef>
+          <a:fillRef idx="1">
+            <a:schemeClr val="accent1"/>
+          </a:fillRef>
+          <a:effectRef idx="0">
+            <a:schemeClr val="accent1"/>
+          </a:effectRef>
+          <a:fontRef idx="minor">
+            <a:schemeClr val="lt1"/>
+          </a:fontRef>
+        </p:style>
+        <p:txBody>
+          <a:bodyPr rtlCol="0" anchor="ctr"/>
+          <a:lstStyle/>
+          <a:p>
+            <a:pPr algn="ctr"/>
+            <a:endParaRPr lang="ko-KR" altLang="en-US" b="1" dirty="0">
+              <a:solidFill>
+                <a:sysClr val="windowText" lastClr="000000"/>
+              </a:solidFill>
+            </a:endParaRPr>
+          </a:p>
+        </p:txBody>
+      </p:sp>
+      <p:sp>
+        <p:nvSpPr>
+          <p:cNvPr id="54" name="사각형: 둥근 모서리 53">
+            <a:extLst>
+              <a:ext uri="{FF2B5EF4-FFF2-40B4-BE49-F238E27FC236}">
+                <a16:creationId xmlns:a16="http://schemas.microsoft.com/office/drawing/2014/main" id="{0F13C1F8-55E1-4F05-9DDE-51FE7BDEFFB9}"/>
+              </a:ext>
+            </a:extLst>
+          </p:cNvPr>
+          <p:cNvSpPr/>
+          <p:nvPr/>
+        </p:nvSpPr>
+        <p:spPr>
+          <a:xfrm>
+            <a:off x="-313194" y="-884144"/>
+            <a:ext cx="1992388" cy="830511"/>
+          </a:xfrm>
+          <a:prstGeom prst="roundRect">
+            <a:avLst/>
+          </a:prstGeom>
+          <a:solidFill>
+            <a:schemeClr val="accent4">
+              <a:lumMod val="75000"/>
+            </a:schemeClr>
+          </a:solidFill>
+          <a:ln>
+            <a:solidFill>
+              <a:schemeClr val="bg1"/>
+            </a:solidFill>
+          </a:ln>
+        </p:spPr>
+        <p:style>
+          <a:lnRef idx="2">
+            <a:schemeClr val="accent1">
+              <a:shade val="50000"/>
+            </a:schemeClr>
+          </a:lnRef>
+          <a:fillRef idx="1">
+            <a:schemeClr val="accent1"/>
+          </a:fillRef>
+          <a:effectRef idx="0">
+            <a:schemeClr val="accent1"/>
+          </a:effectRef>
+          <a:fontRef idx="minor">
+            <a:schemeClr val="lt1"/>
+          </a:fontRef>
+        </p:style>
+        <p:txBody>
+          <a:bodyPr rtlCol="0" anchor="ctr"/>
+          <a:lstStyle/>
+          <a:p>
+            <a:pPr algn="ctr"/>
+            <a:r>
+              <a:rPr lang="en-US" altLang="ko-KR" b="1" dirty="0">
+                <a:solidFill>
+                  <a:sysClr val="windowText" lastClr="000000"/>
+                </a:solidFill>
+              </a:rPr>
+              <a:t>Speaker</a:t>
+            </a:r>
+            <a:r>
+              <a:rPr lang="ko-KR" altLang="en-US" b="1" dirty="0">
+                <a:solidFill>
+                  <a:sysClr val="windowText" lastClr="000000"/>
+                </a:solidFill>
+              </a:rPr>
+              <a:t> </a:t>
+            </a:r>
+            <a:r>
+              <a:rPr lang="en-US" altLang="ko-KR" b="1" dirty="0">
+                <a:solidFill>
+                  <a:sysClr val="windowText" lastClr="000000"/>
+                </a:solidFill>
+              </a:rPr>
+              <a:t>embedding</a:t>
+            </a:r>
+            <a:endParaRPr lang="ko-KR" altLang="en-US" b="1" dirty="0">
+              <a:solidFill>
+                <a:sysClr val="windowText" lastClr="000000"/>
+              </a:solidFill>
+            </a:endParaRPr>
+          </a:p>
+        </p:txBody>
+      </p:sp>
+      <p:cxnSp>
+        <p:nvCxnSpPr>
+          <p:cNvPr id="55" name="연결선: 꺾임 54">
+            <a:extLst>
+              <a:ext uri="{FF2B5EF4-FFF2-40B4-BE49-F238E27FC236}">
+                <a16:creationId xmlns:a16="http://schemas.microsoft.com/office/drawing/2014/main" id="{4C2D17F4-08D5-41CF-98C0-D1A6FE53D1CC}"/>
+              </a:ext>
+            </a:extLst>
+          </p:cNvPr>
+          <p:cNvCxnSpPr>
+            <a:cxnSpLocks/>
+            <a:stCxn id="54" idx="3"/>
+            <a:endCxn id="67" idx="1"/>
+          </p:cNvCxnSpPr>
+          <p:nvPr/>
+        </p:nvCxnSpPr>
+        <p:spPr>
+          <a:xfrm>
+            <a:off x="1679194" y="-468888"/>
+            <a:ext cx="723637" cy="936448"/>
+          </a:xfrm>
+          <a:prstGeom prst="bentConnector3">
+            <a:avLst>
+              <a:gd name="adj1" fmla="val 50000"/>
+            </a:avLst>
+          </a:prstGeom>
+          <a:solidFill>
+            <a:srgbClr val="00BCB3"/>
+          </a:solidFill>
+          <a:ln w="38100">
+            <a:solidFill>
+              <a:schemeClr val="bg1"/>
+            </a:solidFill>
+            <a:prstDash val="sysDash"/>
+            <a:tailEnd type="triangle"/>
+          </a:ln>
+        </p:spPr>
+        <p:style>
+          <a:lnRef idx="1">
+            <a:schemeClr val="accent1"/>
+          </a:lnRef>
+          <a:fillRef idx="0">
+            <a:schemeClr val="accent1"/>
+          </a:fillRef>
+          <a:effectRef idx="0">
+            <a:schemeClr val="accent1"/>
+          </a:effectRef>
+          <a:fontRef idx="minor">
+            <a:schemeClr val="tx1"/>
+          </a:fontRef>
+        </p:style>
+      </p:cxnSp>
+      <p:cxnSp>
+        <p:nvCxnSpPr>
+          <p:cNvPr id="57" name="연결선: 꺾임 56">
+            <a:extLst>
+              <a:ext uri="{FF2B5EF4-FFF2-40B4-BE49-F238E27FC236}">
+                <a16:creationId xmlns:a16="http://schemas.microsoft.com/office/drawing/2014/main" id="{0D7C57BA-DB1E-4754-8CD4-A7FF2275FC62}"/>
+              </a:ext>
+            </a:extLst>
+          </p:cNvPr>
+          <p:cNvCxnSpPr>
+            <a:cxnSpLocks/>
+            <a:stCxn id="54" idx="3"/>
+            <a:endCxn id="65" idx="1"/>
+          </p:cNvCxnSpPr>
+          <p:nvPr/>
+        </p:nvCxnSpPr>
+        <p:spPr>
+          <a:xfrm flipV="1">
+            <a:off x="1679194" y="-1433297"/>
+            <a:ext cx="723637" cy="964409"/>
+          </a:xfrm>
+          <a:prstGeom prst="bentConnector3">
+            <a:avLst>
+              <a:gd name="adj1" fmla="val 50000"/>
+            </a:avLst>
+          </a:prstGeom>
+          <a:solidFill>
+            <a:srgbClr val="00BCB3"/>
+          </a:solidFill>
+          <a:ln w="38100">
+            <a:solidFill>
+              <a:schemeClr val="bg1"/>
+            </a:solidFill>
+            <a:prstDash val="sysDash"/>
+            <a:tailEnd type="triangle"/>
+          </a:ln>
+        </p:spPr>
+        <p:style>
+          <a:lnRef idx="1">
+            <a:schemeClr val="accent1"/>
+          </a:lnRef>
+          <a:fillRef idx="0">
+            <a:schemeClr val="accent1"/>
+          </a:fillRef>
+          <a:effectRef idx="0">
+            <a:schemeClr val="accent1"/>
+          </a:effectRef>
+          <a:fontRef idx="minor">
+            <a:schemeClr val="tx1"/>
+          </a:fontRef>
+        </p:style>
+      </p:cxnSp>
+      <p:sp>
+        <p:nvSpPr>
+          <p:cNvPr id="65" name="사각형: 둥근 모서리 64">
+            <a:extLst>
+              <a:ext uri="{FF2B5EF4-FFF2-40B4-BE49-F238E27FC236}">
+                <a16:creationId xmlns:a16="http://schemas.microsoft.com/office/drawing/2014/main" id="{4C69B59E-EC82-49EA-ADB4-0A45772C5430}"/>
+              </a:ext>
+            </a:extLst>
+          </p:cNvPr>
+          <p:cNvSpPr/>
+          <p:nvPr/>
+        </p:nvSpPr>
+        <p:spPr>
+          <a:xfrm>
+            <a:off x="2402831" y="-1485921"/>
+            <a:ext cx="192414" cy="105247"/>
+          </a:xfrm>
+          <a:prstGeom prst="roundRect">
+            <a:avLst/>
+          </a:prstGeom>
+          <a:solidFill>
+            <a:srgbClr val="00BCB3"/>
+          </a:solidFill>
+          <a:ln>
+            <a:noFill/>
+          </a:ln>
+        </p:spPr>
+        <p:style>
+          <a:lnRef idx="2">
+            <a:schemeClr val="accent1">
+              <a:shade val="50000"/>
+            </a:schemeClr>
+          </a:lnRef>
+          <a:fillRef idx="1">
+            <a:schemeClr val="accent1"/>
+          </a:fillRef>
+          <a:effectRef idx="0">
+            <a:schemeClr val="accent1"/>
+          </a:effectRef>
+          <a:fontRef idx="minor">
+            <a:schemeClr val="lt1"/>
+          </a:fontRef>
+        </p:style>
+        <p:txBody>
+          <a:bodyPr rtlCol="0" anchor="ctr"/>
+          <a:lstStyle/>
+          <a:p>
+            <a:pPr algn="ctr"/>
+            <a:endParaRPr lang="ko-KR" altLang="en-US" b="1" dirty="0">
+              <a:solidFill>
+                <a:sysClr val="windowText" lastClr="000000"/>
+              </a:solidFill>
+            </a:endParaRPr>
+          </a:p>
+        </p:txBody>
+      </p:sp>
+      <p:sp>
+        <p:nvSpPr>
+          <p:cNvPr id="67" name="사각형: 둥근 모서리 66">
+            <a:extLst>
+              <a:ext uri="{FF2B5EF4-FFF2-40B4-BE49-F238E27FC236}">
+                <a16:creationId xmlns:a16="http://schemas.microsoft.com/office/drawing/2014/main" id="{AB8B9184-E07C-4140-9FB6-B45E5B5A9762}"/>
+              </a:ext>
+            </a:extLst>
+          </p:cNvPr>
+          <p:cNvSpPr/>
+          <p:nvPr/>
+        </p:nvSpPr>
+        <p:spPr>
+          <a:xfrm>
+            <a:off x="2402831" y="414936"/>
+            <a:ext cx="192414" cy="105247"/>
+          </a:xfrm>
+          <a:prstGeom prst="roundRect">
+            <a:avLst/>
+          </a:prstGeom>
+          <a:solidFill>
+            <a:srgbClr val="00BCB3"/>
+          </a:solidFill>
+          <a:ln>
+            <a:noFill/>
+          </a:ln>
+        </p:spPr>
+        <p:style>
+          <a:lnRef idx="2">
+            <a:schemeClr val="accent1">
+              <a:shade val="50000"/>
+            </a:schemeClr>
+          </a:lnRef>
+          <a:fillRef idx="1">
+            <a:schemeClr val="accent1"/>
+          </a:fillRef>
+          <a:effectRef idx="0">
+            <a:schemeClr val="accent1"/>
+          </a:effectRef>
+          <a:fontRef idx="minor">
+            <a:schemeClr val="lt1"/>
+          </a:fontRef>
+        </p:style>
+        <p:txBody>
+          <a:bodyPr rtlCol="0" anchor="ctr"/>
+          <a:lstStyle/>
+          <a:p>
+            <a:pPr algn="ctr"/>
+            <a:endParaRPr lang="ko-KR" altLang="en-US" b="1" dirty="0">
+              <a:solidFill>
+                <a:sysClr val="windowText" lastClr="000000"/>
+              </a:solidFill>
+            </a:endParaRPr>
+          </a:p>
+        </p:txBody>
+      </p:sp>
+      <p:sp>
+        <p:nvSpPr>
+          <p:cNvPr id="98" name="사각형: 둥근 모서리 97">
+            <a:extLst>
+              <a:ext uri="{FF2B5EF4-FFF2-40B4-BE49-F238E27FC236}">
+                <a16:creationId xmlns:a16="http://schemas.microsoft.com/office/drawing/2014/main" id="{7A6CFC29-023B-491F-A8D1-1551936B5417}"/>
+              </a:ext>
+            </a:extLst>
+          </p:cNvPr>
+          <p:cNvSpPr/>
+          <p:nvPr/>
+        </p:nvSpPr>
+        <p:spPr>
+          <a:xfrm>
+            <a:off x="2393306" y="4422067"/>
+            <a:ext cx="1992388" cy="830511"/>
+          </a:xfrm>
+          <a:prstGeom prst="roundRect">
+            <a:avLst/>
+          </a:prstGeom>
+          <a:solidFill>
+            <a:srgbClr val="00BCB3"/>
+          </a:solidFill>
+          <a:ln>
+            <a:solidFill>
+              <a:schemeClr val="bg1"/>
+            </a:solidFill>
+          </a:ln>
+        </p:spPr>
+        <p:style>
+          <a:lnRef idx="2">
+            <a:schemeClr val="accent1">
+              <a:shade val="50000"/>
+            </a:schemeClr>
+          </a:lnRef>
+          <a:fillRef idx="1">
+            <a:schemeClr val="accent1"/>
+          </a:fillRef>
+          <a:effectRef idx="0">
+            <a:schemeClr val="accent1"/>
+          </a:effectRef>
+          <a:fontRef idx="minor">
+            <a:schemeClr val="lt1"/>
+          </a:fontRef>
+        </p:style>
+        <p:txBody>
+          <a:bodyPr rtlCol="0" anchor="ctr"/>
+          <a:lstStyle/>
+          <a:p>
+            <a:pPr algn="ctr"/>
+            <a:r>
+              <a:rPr lang="en-US" altLang="ko-KR" b="1" dirty="0">
+                <a:solidFill>
+                  <a:sysClr val="windowText" lastClr="000000"/>
+                </a:solidFill>
+              </a:rPr>
+              <a:t>Glow decoder</a:t>
+            </a:r>
+            <a:endParaRPr lang="ko-KR" altLang="en-US" b="1" dirty="0">
+              <a:solidFill>
+                <a:sysClr val="windowText" lastClr="000000"/>
+              </a:solidFill>
+            </a:endParaRPr>
+          </a:p>
+        </p:txBody>
+      </p:sp>
+      <p:sp>
+        <p:nvSpPr>
+          <p:cNvPr id="99" name="사각형: 둥근 모서리 98">
+            <a:extLst>
+              <a:ext uri="{FF2B5EF4-FFF2-40B4-BE49-F238E27FC236}">
+                <a16:creationId xmlns:a16="http://schemas.microsoft.com/office/drawing/2014/main" id="{7A0CAD22-AB21-477C-8047-C335C54F399E}"/>
+              </a:ext>
+            </a:extLst>
+          </p:cNvPr>
+          <p:cNvSpPr/>
+          <p:nvPr/>
+        </p:nvSpPr>
+        <p:spPr>
+          <a:xfrm>
+            <a:off x="-313194" y="4422067"/>
+            <a:ext cx="1992388" cy="830511"/>
+          </a:xfrm>
+          <a:prstGeom prst="roundRect">
+            <a:avLst/>
+          </a:prstGeom>
+          <a:solidFill>
+            <a:srgbClr val="00BCB3"/>
+          </a:solidFill>
+          <a:ln>
+            <a:solidFill>
+              <a:schemeClr val="bg1"/>
+            </a:solidFill>
+          </a:ln>
+        </p:spPr>
+        <p:style>
+          <a:lnRef idx="2">
+            <a:schemeClr val="accent1">
+              <a:shade val="50000"/>
+            </a:schemeClr>
+          </a:lnRef>
+          <a:fillRef idx="1">
+            <a:schemeClr val="accent1"/>
+          </a:fillRef>
+          <a:effectRef idx="0">
+            <a:schemeClr val="accent1"/>
+          </a:effectRef>
+          <a:fontRef idx="minor">
+            <a:schemeClr val="lt1"/>
+          </a:fontRef>
+        </p:style>
+        <p:txBody>
+          <a:bodyPr rtlCol="0" anchor="ctr"/>
+          <a:lstStyle/>
+          <a:p>
+            <a:pPr algn="ctr"/>
+            <a:r>
+              <a:rPr lang="en-US" altLang="ko-KR" b="1" dirty="0">
+                <a:solidFill>
+                  <a:sysClr val="windowText" lastClr="000000"/>
+                </a:solidFill>
+              </a:rPr>
+              <a:t>Mel</a:t>
+            </a:r>
+            <a:endParaRPr lang="ko-KR" altLang="en-US" b="1" dirty="0">
+              <a:solidFill>
+                <a:sysClr val="windowText" lastClr="000000"/>
+              </a:solidFill>
+            </a:endParaRPr>
+          </a:p>
+        </p:txBody>
+      </p:sp>
+      <p:sp>
+        <p:nvSpPr>
+          <p:cNvPr id="100" name="사각형: 둥근 모서리 99">
+            <a:extLst>
+              <a:ext uri="{FF2B5EF4-FFF2-40B4-BE49-F238E27FC236}">
+                <a16:creationId xmlns:a16="http://schemas.microsoft.com/office/drawing/2014/main" id="{94BE40C6-BDAC-4A7A-AC2D-C15EB91F7BC8}"/>
+              </a:ext>
+            </a:extLst>
+          </p:cNvPr>
+          <p:cNvSpPr/>
+          <p:nvPr/>
+        </p:nvSpPr>
+        <p:spPr>
+          <a:xfrm>
+            <a:off x="2393306" y="5582946"/>
+            <a:ext cx="1992388" cy="830511"/>
+          </a:xfrm>
+          <a:prstGeom prst="roundRect">
+            <a:avLst/>
+          </a:prstGeom>
+          <a:solidFill>
+            <a:srgbClr val="00BCB3"/>
+          </a:solidFill>
+          <a:ln>
+            <a:solidFill>
+              <a:schemeClr val="bg1"/>
+            </a:solidFill>
+          </a:ln>
+        </p:spPr>
+        <p:style>
+          <a:lnRef idx="2">
+            <a:schemeClr val="accent1">
+              <a:shade val="50000"/>
+            </a:schemeClr>
+          </a:lnRef>
+          <a:fillRef idx="1">
+            <a:schemeClr val="accent1"/>
+          </a:fillRef>
+          <a:effectRef idx="0">
+            <a:schemeClr val="accent1"/>
+          </a:effectRef>
+          <a:fontRef idx="minor">
+            <a:schemeClr val="lt1"/>
+          </a:fontRef>
+        </p:style>
+        <p:txBody>
+          <a:bodyPr rtlCol="0" anchor="ctr"/>
+          <a:lstStyle/>
+          <a:p>
+            <a:pPr algn="ctr"/>
+            <a:r>
+              <a:rPr lang="en-US" altLang="ko-KR" b="1" dirty="0">
+                <a:solidFill>
+                  <a:sysClr val="windowText" lastClr="000000"/>
+                </a:solidFill>
+              </a:rPr>
+              <a:t>Text</a:t>
+            </a:r>
+            <a:r>
+              <a:rPr lang="ko-KR" altLang="en-US" b="1" dirty="0">
+                <a:solidFill>
+                  <a:sysClr val="windowText" lastClr="000000"/>
+                </a:solidFill>
+              </a:rPr>
+              <a:t> </a:t>
+            </a:r>
+            <a:r>
+              <a:rPr lang="en-US" altLang="ko-KR" b="1" dirty="0">
+                <a:solidFill>
+                  <a:sysClr val="windowText" lastClr="000000"/>
+                </a:solidFill>
+              </a:rPr>
+              <a:t>encoder</a:t>
+            </a:r>
+            <a:endParaRPr lang="ko-KR" altLang="en-US" b="1" dirty="0">
+              <a:solidFill>
+                <a:sysClr val="windowText" lastClr="000000"/>
+              </a:solidFill>
+            </a:endParaRPr>
+          </a:p>
+        </p:txBody>
+      </p:sp>
+      <p:sp>
+        <p:nvSpPr>
+          <p:cNvPr id="101" name="사각형: 둥근 모서리 100">
+            <a:extLst>
+              <a:ext uri="{FF2B5EF4-FFF2-40B4-BE49-F238E27FC236}">
+                <a16:creationId xmlns:a16="http://schemas.microsoft.com/office/drawing/2014/main" id="{10629640-32C3-4E4E-86AF-4A3C0B5F6719}"/>
+              </a:ext>
+            </a:extLst>
+          </p:cNvPr>
+          <p:cNvSpPr/>
+          <p:nvPr/>
+        </p:nvSpPr>
+        <p:spPr>
+          <a:xfrm>
+            <a:off x="-313194" y="5582946"/>
+            <a:ext cx="1992388" cy="830511"/>
+          </a:xfrm>
+          <a:prstGeom prst="roundRect">
+            <a:avLst/>
+          </a:prstGeom>
+          <a:solidFill>
+            <a:srgbClr val="00BCB3"/>
+          </a:solidFill>
+          <a:ln>
+            <a:solidFill>
+              <a:schemeClr val="bg1"/>
+            </a:solidFill>
+          </a:ln>
+        </p:spPr>
+        <p:style>
+          <a:lnRef idx="2">
+            <a:schemeClr val="accent1">
+              <a:shade val="50000"/>
+            </a:schemeClr>
+          </a:lnRef>
+          <a:fillRef idx="1">
+            <a:schemeClr val="accent1"/>
+          </a:fillRef>
+          <a:effectRef idx="0">
+            <a:schemeClr val="accent1"/>
+          </a:effectRef>
+          <a:fontRef idx="minor">
+            <a:schemeClr val="lt1"/>
+          </a:fontRef>
+        </p:style>
+        <p:txBody>
+          <a:bodyPr rtlCol="0" anchor="ctr"/>
+          <a:lstStyle/>
+          <a:p>
+            <a:pPr algn="ctr"/>
+            <a:r>
+              <a:rPr lang="en-US" altLang="ko-KR" b="1" dirty="0">
+                <a:solidFill>
+                  <a:sysClr val="windowText" lastClr="000000"/>
+                </a:solidFill>
+              </a:rPr>
+              <a:t>Text</a:t>
+            </a:r>
+            <a:endParaRPr lang="ko-KR" altLang="en-US" b="1" dirty="0">
+              <a:solidFill>
+                <a:sysClr val="windowText" lastClr="000000"/>
+              </a:solidFill>
+            </a:endParaRPr>
+          </a:p>
+        </p:txBody>
+      </p:sp>
+      <p:sp>
+        <p:nvSpPr>
+          <p:cNvPr id="102" name="사각형: 둥근 모서리 101">
+            <a:extLst>
+              <a:ext uri="{FF2B5EF4-FFF2-40B4-BE49-F238E27FC236}">
+                <a16:creationId xmlns:a16="http://schemas.microsoft.com/office/drawing/2014/main" id="{8104011E-DDF9-42C5-873E-9969E457F1C5}"/>
+              </a:ext>
+            </a:extLst>
+          </p:cNvPr>
+          <p:cNvSpPr/>
+          <p:nvPr/>
+        </p:nvSpPr>
+        <p:spPr>
+          <a:xfrm>
+            <a:off x="5099806" y="7904699"/>
+            <a:ext cx="1992388" cy="830511"/>
+          </a:xfrm>
+          <a:prstGeom prst="roundRect">
+            <a:avLst/>
+          </a:prstGeom>
+          <a:solidFill>
+            <a:srgbClr val="00BCB3"/>
+          </a:solidFill>
+          <a:ln>
+            <a:solidFill>
+              <a:schemeClr val="bg1"/>
+            </a:solidFill>
+          </a:ln>
+        </p:spPr>
+        <p:style>
+          <a:lnRef idx="2">
+            <a:schemeClr val="accent1">
+              <a:shade val="50000"/>
+            </a:schemeClr>
+          </a:lnRef>
+          <a:fillRef idx="1">
+            <a:schemeClr val="accent1"/>
+          </a:fillRef>
+          <a:effectRef idx="0">
+            <a:schemeClr val="accent1"/>
+          </a:effectRef>
+          <a:fontRef idx="minor">
+            <a:schemeClr val="lt1"/>
+          </a:fontRef>
+        </p:style>
+        <p:txBody>
+          <a:bodyPr rtlCol="0" anchor="ctr"/>
+          <a:lstStyle/>
+          <a:p>
+            <a:pPr algn="ctr"/>
+            <a:r>
+              <a:rPr lang="en-US" altLang="ko-KR" b="1" dirty="0">
+                <a:solidFill>
+                  <a:sysClr val="windowText" lastClr="000000"/>
+                </a:solidFill>
+              </a:rPr>
+              <a:t>Duration predictor</a:t>
+            </a:r>
+            <a:endParaRPr lang="ko-KR" altLang="en-US" b="1" dirty="0">
+              <a:solidFill>
+                <a:sysClr val="windowText" lastClr="000000"/>
+              </a:solidFill>
+            </a:endParaRPr>
+          </a:p>
+        </p:txBody>
+      </p:sp>
+      <p:sp>
+        <p:nvSpPr>
+          <p:cNvPr id="103" name="사각형: 둥근 모서리 102">
+            <a:extLst>
+              <a:ext uri="{FF2B5EF4-FFF2-40B4-BE49-F238E27FC236}">
+                <a16:creationId xmlns:a16="http://schemas.microsoft.com/office/drawing/2014/main" id="{C748CD9B-861C-430C-961F-3EDA95E3BF10}"/>
+              </a:ext>
+            </a:extLst>
+          </p:cNvPr>
+          <p:cNvSpPr/>
+          <p:nvPr/>
+        </p:nvSpPr>
+        <p:spPr>
+          <a:xfrm>
+            <a:off x="5099806" y="5582946"/>
+            <a:ext cx="1992388" cy="830511"/>
+          </a:xfrm>
+          <a:prstGeom prst="roundRect">
+            <a:avLst/>
+          </a:prstGeom>
+          <a:solidFill>
+            <a:srgbClr val="00BCB3"/>
+          </a:solidFill>
+          <a:ln>
+            <a:solidFill>
+              <a:schemeClr val="bg1"/>
+            </a:solidFill>
+          </a:ln>
+        </p:spPr>
+        <p:style>
+          <a:lnRef idx="2">
+            <a:schemeClr val="accent1">
+              <a:shade val="50000"/>
+            </a:schemeClr>
+          </a:lnRef>
+          <a:fillRef idx="1">
+            <a:schemeClr val="accent1"/>
+          </a:fillRef>
+          <a:effectRef idx="0">
+            <a:schemeClr val="accent1"/>
+          </a:effectRef>
+          <a:fontRef idx="minor">
+            <a:schemeClr val="lt1"/>
+          </a:fontRef>
+        </p:style>
+        <p:txBody>
+          <a:bodyPr rtlCol="0" anchor="ctr"/>
+          <a:lstStyle/>
+          <a:p>
+            <a:pPr algn="ctr"/>
+            <a:r>
+              <a:rPr lang="en-US" altLang="ko-KR" b="1" dirty="0">
+                <a:solidFill>
+                  <a:sysClr val="windowText" lastClr="000000"/>
+                </a:solidFill>
+              </a:rPr>
+              <a:t>Mean</a:t>
+            </a:r>
+            <a:endParaRPr lang="ko-KR" altLang="en-US" b="1" dirty="0">
+              <a:solidFill>
+                <a:sysClr val="windowText" lastClr="000000"/>
+              </a:solidFill>
+            </a:endParaRPr>
+          </a:p>
+        </p:txBody>
+      </p:sp>
+      <p:sp>
+        <p:nvSpPr>
+          <p:cNvPr id="104" name="사각형: 둥근 모서리 103">
+            <a:extLst>
+              <a:ext uri="{FF2B5EF4-FFF2-40B4-BE49-F238E27FC236}">
+                <a16:creationId xmlns:a16="http://schemas.microsoft.com/office/drawing/2014/main" id="{21B66B52-9C91-47C2-B9A8-3B3EE386B6A9}"/>
+              </a:ext>
+            </a:extLst>
+          </p:cNvPr>
+          <p:cNvSpPr/>
+          <p:nvPr/>
+        </p:nvSpPr>
+        <p:spPr>
+          <a:xfrm>
+            <a:off x="5099806" y="6743822"/>
+            <a:ext cx="1992388" cy="830511"/>
+          </a:xfrm>
+          <a:prstGeom prst="roundRect">
+            <a:avLst/>
+          </a:prstGeom>
+          <a:solidFill>
+            <a:srgbClr val="00BCB3"/>
+          </a:solidFill>
+          <a:ln>
+            <a:solidFill>
+              <a:schemeClr val="bg1"/>
+            </a:solidFill>
+          </a:ln>
+        </p:spPr>
+        <p:style>
+          <a:lnRef idx="2">
+            <a:schemeClr val="accent1">
+              <a:shade val="50000"/>
+            </a:schemeClr>
+          </a:lnRef>
+          <a:fillRef idx="1">
+            <a:schemeClr val="accent1"/>
+          </a:fillRef>
+          <a:effectRef idx="0">
+            <a:schemeClr val="accent1"/>
+          </a:effectRef>
+          <a:fontRef idx="minor">
+            <a:schemeClr val="lt1"/>
+          </a:fontRef>
+        </p:style>
+        <p:txBody>
+          <a:bodyPr rtlCol="0" anchor="ctr"/>
+          <a:lstStyle/>
+          <a:p>
+            <a:pPr algn="ctr"/>
+            <a:r>
+              <a:rPr lang="en-US" altLang="ko-KR" b="1" dirty="0">
+                <a:solidFill>
+                  <a:sysClr val="windowText" lastClr="000000"/>
+                </a:solidFill>
+              </a:rPr>
+              <a:t>Standard deviation</a:t>
+            </a:r>
+            <a:endParaRPr lang="ko-KR" altLang="en-US" b="1" dirty="0">
+              <a:solidFill>
+                <a:sysClr val="windowText" lastClr="000000"/>
+              </a:solidFill>
+            </a:endParaRPr>
+          </a:p>
+        </p:txBody>
+      </p:sp>
+      <p:sp>
+        <p:nvSpPr>
+          <p:cNvPr id="105" name="사각형: 둥근 모서리 104">
+            <a:extLst>
+              <a:ext uri="{FF2B5EF4-FFF2-40B4-BE49-F238E27FC236}">
+                <a16:creationId xmlns:a16="http://schemas.microsoft.com/office/drawing/2014/main" id="{42D762E5-7C77-436F-B78B-7FDC8BA4CA90}"/>
+              </a:ext>
+            </a:extLst>
+          </p:cNvPr>
+          <p:cNvSpPr/>
+          <p:nvPr/>
+        </p:nvSpPr>
+        <p:spPr>
+          <a:xfrm>
+            <a:off x="5099806" y="4422067"/>
+            <a:ext cx="1992388" cy="830511"/>
+          </a:xfrm>
+          <a:prstGeom prst="roundRect">
+            <a:avLst/>
+          </a:prstGeom>
+          <a:solidFill>
+            <a:srgbClr val="00BCB3"/>
+          </a:solidFill>
+          <a:ln>
+            <a:solidFill>
+              <a:schemeClr val="bg1"/>
+            </a:solidFill>
+          </a:ln>
+        </p:spPr>
+        <p:style>
+          <a:lnRef idx="2">
+            <a:schemeClr val="accent1">
+              <a:shade val="50000"/>
+            </a:schemeClr>
+          </a:lnRef>
+          <a:fillRef idx="1">
+            <a:schemeClr val="accent1"/>
+          </a:fillRef>
+          <a:effectRef idx="0">
+            <a:schemeClr val="accent1"/>
+          </a:effectRef>
+          <a:fontRef idx="minor">
+            <a:schemeClr val="lt1"/>
+          </a:fontRef>
+        </p:style>
+        <p:txBody>
+          <a:bodyPr rtlCol="0" anchor="ctr"/>
+          <a:lstStyle/>
+          <a:p>
+            <a:pPr algn="ctr"/>
+            <a:r>
+              <a:rPr lang="en-US" altLang="ko-KR" b="1" dirty="0">
+                <a:solidFill>
+                  <a:sysClr val="windowText" lastClr="000000"/>
+                </a:solidFill>
+              </a:rPr>
+              <a:t>Z-value</a:t>
+            </a:r>
+            <a:endParaRPr lang="ko-KR" altLang="en-US" b="1" dirty="0">
+              <a:solidFill>
+                <a:sysClr val="windowText" lastClr="000000"/>
+              </a:solidFill>
+            </a:endParaRPr>
+          </a:p>
+        </p:txBody>
+      </p:sp>
+      <p:sp>
+        <p:nvSpPr>
+          <p:cNvPr id="106" name="사각형: 둥근 모서리 105">
+            <a:extLst>
+              <a:ext uri="{FF2B5EF4-FFF2-40B4-BE49-F238E27FC236}">
+                <a16:creationId xmlns:a16="http://schemas.microsoft.com/office/drawing/2014/main" id="{764899FB-0B20-4141-B0B9-840DA575FE53}"/>
+              </a:ext>
+            </a:extLst>
+          </p:cNvPr>
+          <p:cNvSpPr/>
+          <p:nvPr/>
+        </p:nvSpPr>
+        <p:spPr>
+          <a:xfrm>
+            <a:off x="7806306" y="5582944"/>
+            <a:ext cx="1992388" cy="830511"/>
+          </a:xfrm>
+          <a:prstGeom prst="roundRect">
+            <a:avLst/>
+          </a:prstGeom>
+          <a:solidFill>
+            <a:srgbClr val="00BCB3"/>
+          </a:solidFill>
+          <a:ln>
+            <a:solidFill>
+              <a:schemeClr val="bg1"/>
+            </a:solidFill>
+          </a:ln>
+        </p:spPr>
+        <p:style>
+          <a:lnRef idx="2">
+            <a:schemeClr val="accent1">
+              <a:shade val="50000"/>
+            </a:schemeClr>
+          </a:lnRef>
+          <a:fillRef idx="1">
+            <a:schemeClr val="accent1"/>
+          </a:fillRef>
+          <a:effectRef idx="0">
+            <a:schemeClr val="accent1"/>
+          </a:effectRef>
+          <a:fontRef idx="minor">
+            <a:schemeClr val="lt1"/>
+          </a:fontRef>
+        </p:style>
+        <p:txBody>
+          <a:bodyPr rtlCol="0" anchor="ctr"/>
+          <a:lstStyle/>
+          <a:p>
+            <a:pPr algn="ctr"/>
+            <a:r>
+              <a:rPr lang="en-US" altLang="ko-KR" b="1" dirty="0">
+                <a:solidFill>
+                  <a:sysClr val="windowText" lastClr="000000"/>
+                </a:solidFill>
+              </a:rPr>
+              <a:t>Monotonic alignment search</a:t>
+            </a:r>
+            <a:endParaRPr lang="ko-KR" altLang="en-US" b="1" dirty="0">
+              <a:solidFill>
+                <a:sysClr val="windowText" lastClr="000000"/>
+              </a:solidFill>
+            </a:endParaRPr>
+          </a:p>
+        </p:txBody>
+      </p:sp>
+      <p:cxnSp>
+        <p:nvCxnSpPr>
+          <p:cNvPr id="109" name="직선 화살표 연결선 108">
+            <a:extLst>
+              <a:ext uri="{FF2B5EF4-FFF2-40B4-BE49-F238E27FC236}">
+                <a16:creationId xmlns:a16="http://schemas.microsoft.com/office/drawing/2014/main" id="{54A5E1E8-6BDC-4A8E-B08A-2C0302F301DE}"/>
+              </a:ext>
+            </a:extLst>
+          </p:cNvPr>
+          <p:cNvCxnSpPr>
+            <a:cxnSpLocks/>
+            <a:stCxn id="98" idx="1"/>
+            <a:endCxn id="99" idx="3"/>
+          </p:cNvCxnSpPr>
+          <p:nvPr/>
+        </p:nvCxnSpPr>
+        <p:spPr>
+          <a:xfrm flipH="1">
+            <a:off x="1679194" y="4837323"/>
+            <a:ext cx="714112" cy="0"/>
+          </a:xfrm>
+          <a:prstGeom prst="straightConnector1">
+            <a:avLst/>
+          </a:prstGeom>
+          <a:solidFill>
+            <a:srgbClr val="00BCB3"/>
+          </a:solidFill>
+          <a:ln w="38100">
+            <a:solidFill>
+              <a:schemeClr val="bg1"/>
+            </a:solidFill>
+            <a:tailEnd type="triangle"/>
+          </a:ln>
+        </p:spPr>
+        <p:style>
+          <a:lnRef idx="1">
+            <a:schemeClr val="accent1"/>
+          </a:lnRef>
+          <a:fillRef idx="0">
+            <a:schemeClr val="accent1"/>
+          </a:fillRef>
+          <a:effectRef idx="0">
+            <a:schemeClr val="accent1"/>
+          </a:effectRef>
+          <a:fontRef idx="minor">
+            <a:schemeClr val="tx1"/>
+          </a:fontRef>
+        </p:style>
+      </p:cxnSp>
+      <p:cxnSp>
+        <p:nvCxnSpPr>
+          <p:cNvPr id="110" name="직선 화살표 연결선 109">
+            <a:extLst>
+              <a:ext uri="{FF2B5EF4-FFF2-40B4-BE49-F238E27FC236}">
+                <a16:creationId xmlns:a16="http://schemas.microsoft.com/office/drawing/2014/main" id="{FCE0467A-1581-4D23-BBDF-E83D1FC7033E}"/>
+              </a:ext>
+            </a:extLst>
+          </p:cNvPr>
+          <p:cNvCxnSpPr>
+            <a:cxnSpLocks/>
+            <a:stCxn id="105" idx="1"/>
+            <a:endCxn id="98" idx="3"/>
+          </p:cNvCxnSpPr>
+          <p:nvPr/>
+        </p:nvCxnSpPr>
+        <p:spPr>
+          <a:xfrm flipH="1">
+            <a:off x="4385694" y="4837323"/>
+            <a:ext cx="714112" cy="0"/>
+          </a:xfrm>
+          <a:prstGeom prst="straightConnector1">
+            <a:avLst/>
+          </a:prstGeom>
+          <a:solidFill>
+            <a:srgbClr val="00BCB3"/>
+          </a:solidFill>
+          <a:ln w="38100">
+            <a:solidFill>
+              <a:schemeClr val="bg1"/>
+            </a:solidFill>
+            <a:tailEnd type="triangle"/>
+          </a:ln>
+        </p:spPr>
+        <p:style>
+          <a:lnRef idx="1">
+            <a:schemeClr val="accent1"/>
+          </a:lnRef>
+          <a:fillRef idx="0">
+            <a:schemeClr val="accent1"/>
+          </a:fillRef>
+          <a:effectRef idx="0">
+            <a:schemeClr val="accent1"/>
+          </a:effectRef>
+          <a:fontRef idx="minor">
+            <a:schemeClr val="tx1"/>
+          </a:fontRef>
+        </p:style>
+      </p:cxnSp>
+      <p:cxnSp>
+        <p:nvCxnSpPr>
+          <p:cNvPr id="111" name="직선 화살표 연결선 110">
+            <a:extLst>
+              <a:ext uri="{FF2B5EF4-FFF2-40B4-BE49-F238E27FC236}">
+                <a16:creationId xmlns:a16="http://schemas.microsoft.com/office/drawing/2014/main" id="{616ECCCC-EC89-4B86-BA03-1B5732995220}"/>
+              </a:ext>
+            </a:extLst>
+          </p:cNvPr>
+          <p:cNvCxnSpPr>
+            <a:cxnSpLocks/>
+            <a:stCxn id="101" idx="3"/>
+            <a:endCxn id="100" idx="1"/>
+          </p:cNvCxnSpPr>
+          <p:nvPr/>
+        </p:nvCxnSpPr>
+        <p:spPr>
+          <a:xfrm>
+            <a:off x="1679194" y="5998202"/>
+            <a:ext cx="714112" cy="0"/>
+          </a:xfrm>
+          <a:prstGeom prst="straightConnector1">
+            <a:avLst/>
+          </a:prstGeom>
+          <a:solidFill>
+            <a:srgbClr val="00BCB3"/>
+          </a:solidFill>
+          <a:ln w="38100">
+            <a:solidFill>
+              <a:schemeClr val="bg1"/>
+            </a:solidFill>
+            <a:tailEnd type="triangle"/>
+          </a:ln>
+        </p:spPr>
+        <p:style>
+          <a:lnRef idx="1">
+            <a:schemeClr val="accent1"/>
+          </a:lnRef>
+          <a:fillRef idx="0">
+            <a:schemeClr val="accent1"/>
+          </a:fillRef>
+          <a:effectRef idx="0">
+            <a:schemeClr val="accent1"/>
+          </a:effectRef>
+          <a:fontRef idx="minor">
+            <a:schemeClr val="tx1"/>
+          </a:fontRef>
+        </p:style>
+      </p:cxnSp>
+      <p:cxnSp>
+        <p:nvCxnSpPr>
+          <p:cNvPr id="112" name="직선 화살표 연결선 111">
+            <a:extLst>
+              <a:ext uri="{FF2B5EF4-FFF2-40B4-BE49-F238E27FC236}">
+                <a16:creationId xmlns:a16="http://schemas.microsoft.com/office/drawing/2014/main" id="{45AEFB2B-CE47-4781-AAAE-EE771B52C0E6}"/>
+              </a:ext>
+            </a:extLst>
+          </p:cNvPr>
+          <p:cNvCxnSpPr>
+            <a:cxnSpLocks/>
+            <a:stCxn id="100" idx="3"/>
+            <a:endCxn id="103" idx="1"/>
+          </p:cNvCxnSpPr>
+          <p:nvPr/>
+        </p:nvCxnSpPr>
+        <p:spPr>
+          <a:xfrm>
+            <a:off x="4385694" y="5998202"/>
+            <a:ext cx="714112" cy="0"/>
+          </a:xfrm>
+          <a:prstGeom prst="straightConnector1">
+            <a:avLst/>
+          </a:prstGeom>
+          <a:solidFill>
+            <a:srgbClr val="00BCB3"/>
+          </a:solidFill>
+          <a:ln w="38100">
+            <a:solidFill>
+              <a:schemeClr val="bg1"/>
+            </a:solidFill>
+            <a:tailEnd type="triangle"/>
+          </a:ln>
+        </p:spPr>
+        <p:style>
+          <a:lnRef idx="1">
+            <a:schemeClr val="accent1"/>
+          </a:lnRef>
+          <a:fillRef idx="0">
+            <a:schemeClr val="accent1"/>
+          </a:fillRef>
+          <a:effectRef idx="0">
+            <a:schemeClr val="accent1"/>
+          </a:effectRef>
+          <a:fontRef idx="minor">
+            <a:schemeClr val="tx1"/>
+          </a:fontRef>
+        </p:style>
+      </p:cxnSp>
+      <p:cxnSp>
+        <p:nvCxnSpPr>
+          <p:cNvPr id="113" name="연결선: 꺾임 112">
+            <a:extLst>
+              <a:ext uri="{FF2B5EF4-FFF2-40B4-BE49-F238E27FC236}">
+                <a16:creationId xmlns:a16="http://schemas.microsoft.com/office/drawing/2014/main" id="{D0BCC37B-8133-44B4-A082-7F15A146AB2B}"/>
+              </a:ext>
+            </a:extLst>
+          </p:cNvPr>
+          <p:cNvCxnSpPr>
+            <a:cxnSpLocks/>
+            <a:stCxn id="100" idx="3"/>
+            <a:endCxn id="104" idx="1"/>
+          </p:cNvCxnSpPr>
+          <p:nvPr/>
+        </p:nvCxnSpPr>
+        <p:spPr>
+          <a:xfrm>
+            <a:off x="4385694" y="5998202"/>
+            <a:ext cx="714112" cy="1160876"/>
+          </a:xfrm>
+          <a:prstGeom prst="bentConnector3">
+            <a:avLst>
+              <a:gd name="adj1" fmla="val 50000"/>
+            </a:avLst>
+          </a:prstGeom>
+          <a:solidFill>
+            <a:srgbClr val="00BCB3"/>
+          </a:solidFill>
+          <a:ln w="38100">
+            <a:solidFill>
+              <a:schemeClr val="bg1"/>
+            </a:solidFill>
+            <a:tailEnd type="triangle"/>
+          </a:ln>
+        </p:spPr>
+        <p:style>
+          <a:lnRef idx="1">
+            <a:schemeClr val="accent1"/>
+          </a:lnRef>
+          <a:fillRef idx="0">
+            <a:schemeClr val="accent1"/>
+          </a:fillRef>
+          <a:effectRef idx="0">
+            <a:schemeClr val="accent1"/>
+          </a:effectRef>
+          <a:fontRef idx="minor">
+            <a:schemeClr val="tx1"/>
+          </a:fontRef>
+        </p:style>
+      </p:cxnSp>
+      <p:cxnSp>
+        <p:nvCxnSpPr>
+          <p:cNvPr id="114" name="연결선: 꺾임 113">
+            <a:extLst>
+              <a:ext uri="{FF2B5EF4-FFF2-40B4-BE49-F238E27FC236}">
+                <a16:creationId xmlns:a16="http://schemas.microsoft.com/office/drawing/2014/main" id="{D6396D74-E097-4BFC-B0EA-3449E3E6246D}"/>
+              </a:ext>
+            </a:extLst>
+          </p:cNvPr>
+          <p:cNvCxnSpPr>
+            <a:cxnSpLocks/>
+            <a:stCxn id="100" idx="3"/>
+            <a:endCxn id="102" idx="1"/>
+          </p:cNvCxnSpPr>
+          <p:nvPr/>
+        </p:nvCxnSpPr>
+        <p:spPr>
+          <a:xfrm>
+            <a:off x="4385694" y="5998202"/>
+            <a:ext cx="714112" cy="2321753"/>
+          </a:xfrm>
+          <a:prstGeom prst="bentConnector3">
+            <a:avLst>
+              <a:gd name="adj1" fmla="val 50000"/>
+            </a:avLst>
+          </a:prstGeom>
+          <a:solidFill>
+            <a:srgbClr val="00BCB3"/>
+          </a:solidFill>
+          <a:ln w="38100">
+            <a:solidFill>
+              <a:schemeClr val="bg1"/>
+            </a:solidFill>
+            <a:tailEnd type="triangle"/>
+          </a:ln>
+        </p:spPr>
+        <p:style>
+          <a:lnRef idx="1">
+            <a:schemeClr val="accent1"/>
+          </a:lnRef>
+          <a:fillRef idx="0">
+            <a:schemeClr val="accent1"/>
+          </a:fillRef>
+          <a:effectRef idx="0">
+            <a:schemeClr val="accent1"/>
+          </a:effectRef>
+          <a:fontRef idx="minor">
+            <a:schemeClr val="tx1"/>
+          </a:fontRef>
+        </p:style>
+      </p:cxnSp>
+      <p:cxnSp>
+        <p:nvCxnSpPr>
+          <p:cNvPr id="116" name="연결선: 꺾임 115">
+            <a:extLst>
+              <a:ext uri="{FF2B5EF4-FFF2-40B4-BE49-F238E27FC236}">
+                <a16:creationId xmlns:a16="http://schemas.microsoft.com/office/drawing/2014/main" id="{23E9E1B4-783D-4344-A1C4-62283D3D5831}"/>
+              </a:ext>
+            </a:extLst>
+          </p:cNvPr>
+          <p:cNvCxnSpPr>
+            <a:cxnSpLocks/>
+            <a:stCxn id="104" idx="3"/>
+            <a:endCxn id="106" idx="1"/>
+          </p:cNvCxnSpPr>
+          <p:nvPr/>
+        </p:nvCxnSpPr>
+        <p:spPr>
+          <a:xfrm flipV="1">
+            <a:off x="7092194" y="5998200"/>
+            <a:ext cx="714112" cy="1160878"/>
+          </a:xfrm>
+          <a:prstGeom prst="bentConnector3">
+            <a:avLst>
+              <a:gd name="adj1" fmla="val 50000"/>
+            </a:avLst>
+          </a:prstGeom>
+          <a:solidFill>
+            <a:srgbClr val="00BCB3"/>
+          </a:solidFill>
+          <a:ln w="38100">
+            <a:solidFill>
+              <a:schemeClr val="bg1"/>
+            </a:solidFill>
+            <a:tailEnd type="triangle"/>
+          </a:ln>
+        </p:spPr>
+        <p:style>
+          <a:lnRef idx="1">
+            <a:schemeClr val="accent1"/>
+          </a:lnRef>
+          <a:fillRef idx="0">
+            <a:schemeClr val="accent1"/>
+          </a:fillRef>
+          <a:effectRef idx="0">
+            <a:schemeClr val="accent1"/>
+          </a:effectRef>
+          <a:fontRef idx="minor">
+            <a:schemeClr val="tx1"/>
+          </a:fontRef>
+        </p:style>
+      </p:cxnSp>
+      <p:cxnSp>
+        <p:nvCxnSpPr>
+          <p:cNvPr id="117" name="직선 화살표 연결선 116">
+            <a:extLst>
+              <a:ext uri="{FF2B5EF4-FFF2-40B4-BE49-F238E27FC236}">
+                <a16:creationId xmlns:a16="http://schemas.microsoft.com/office/drawing/2014/main" id="{921FD510-20AA-46F4-BCA0-72BD8E3444A1}"/>
+              </a:ext>
+            </a:extLst>
+          </p:cNvPr>
+          <p:cNvCxnSpPr>
+            <a:cxnSpLocks/>
+            <a:stCxn id="103" idx="3"/>
+            <a:endCxn id="106" idx="1"/>
+          </p:cNvCxnSpPr>
+          <p:nvPr/>
+        </p:nvCxnSpPr>
+        <p:spPr>
+          <a:xfrm flipV="1">
+            <a:off x="7092194" y="5998200"/>
+            <a:ext cx="714112" cy="2"/>
+          </a:xfrm>
+          <a:prstGeom prst="straightConnector1">
+            <a:avLst/>
+          </a:prstGeom>
+          <a:solidFill>
+            <a:srgbClr val="00BCB3"/>
+          </a:solidFill>
+          <a:ln w="38100">
+            <a:solidFill>
+              <a:schemeClr val="bg1"/>
+            </a:solidFill>
+            <a:tailEnd type="triangle"/>
+          </a:ln>
+        </p:spPr>
+        <p:style>
+          <a:lnRef idx="1">
+            <a:schemeClr val="accent1"/>
+          </a:lnRef>
+          <a:fillRef idx="0">
+            <a:schemeClr val="accent1"/>
+          </a:fillRef>
+          <a:effectRef idx="0">
+            <a:schemeClr val="accent1"/>
+          </a:effectRef>
+          <a:fontRef idx="minor">
+            <a:schemeClr val="tx1"/>
+          </a:fontRef>
+        </p:style>
+      </p:cxnSp>
+      <p:cxnSp>
+        <p:nvCxnSpPr>
+          <p:cNvPr id="119" name="연결선: 꺾임 118">
+            <a:extLst>
+              <a:ext uri="{FF2B5EF4-FFF2-40B4-BE49-F238E27FC236}">
+                <a16:creationId xmlns:a16="http://schemas.microsoft.com/office/drawing/2014/main" id="{B44E0817-F401-4130-A1BD-5502CB4DFF07}"/>
+              </a:ext>
+            </a:extLst>
+          </p:cNvPr>
+          <p:cNvCxnSpPr>
+            <a:cxnSpLocks/>
+            <a:stCxn id="102" idx="3"/>
+            <a:endCxn id="106" idx="1"/>
+          </p:cNvCxnSpPr>
+          <p:nvPr/>
+        </p:nvCxnSpPr>
+        <p:spPr>
+          <a:xfrm flipV="1">
+            <a:off x="7092194" y="5998200"/>
+            <a:ext cx="714112" cy="2321755"/>
+          </a:xfrm>
+          <a:prstGeom prst="bentConnector3">
+            <a:avLst>
+              <a:gd name="adj1" fmla="val 50000"/>
+            </a:avLst>
+          </a:prstGeom>
+          <a:solidFill>
+            <a:srgbClr val="00BCB3"/>
+          </a:solidFill>
+          <a:ln w="38100">
+            <a:solidFill>
+              <a:schemeClr val="bg1"/>
+            </a:solidFill>
+            <a:tailEnd type="triangle"/>
+          </a:ln>
+        </p:spPr>
+        <p:style>
+          <a:lnRef idx="1">
+            <a:schemeClr val="accent1"/>
+          </a:lnRef>
+          <a:fillRef idx="0">
+            <a:schemeClr val="accent1"/>
+          </a:fillRef>
+          <a:effectRef idx="0">
+            <a:schemeClr val="accent1"/>
+          </a:effectRef>
+          <a:fontRef idx="minor">
+            <a:schemeClr val="tx1"/>
+          </a:fontRef>
+        </p:style>
+      </p:cxnSp>
+      <p:cxnSp>
+        <p:nvCxnSpPr>
+          <p:cNvPr id="124" name="연결선: 꺾임 123">
+            <a:extLst>
+              <a:ext uri="{FF2B5EF4-FFF2-40B4-BE49-F238E27FC236}">
+                <a16:creationId xmlns:a16="http://schemas.microsoft.com/office/drawing/2014/main" id="{F72F91B4-0F2B-41C5-90A7-3981A2EAE9C4}"/>
+              </a:ext>
+            </a:extLst>
+          </p:cNvPr>
+          <p:cNvCxnSpPr>
+            <a:cxnSpLocks/>
+            <a:stCxn id="106" idx="3"/>
+            <a:endCxn id="105" idx="3"/>
+          </p:cNvCxnSpPr>
+          <p:nvPr/>
+        </p:nvCxnSpPr>
+        <p:spPr>
+          <a:xfrm flipH="1" flipV="1">
+            <a:off x="7092194" y="4837323"/>
+            <a:ext cx="2706500" cy="1160877"/>
+          </a:xfrm>
+          <a:prstGeom prst="bentConnector3">
+            <a:avLst>
+              <a:gd name="adj1" fmla="val -8446"/>
+            </a:avLst>
+          </a:prstGeom>
+          <a:solidFill>
+            <a:srgbClr val="00BCB3"/>
+          </a:solidFill>
+          <a:ln w="38100">
+            <a:solidFill>
+              <a:schemeClr val="bg1"/>
+            </a:solidFill>
+            <a:tailEnd type="triangle"/>
+          </a:ln>
+        </p:spPr>
+        <p:style>
+          <a:lnRef idx="1">
+            <a:schemeClr val="accent1"/>
+          </a:lnRef>
+          <a:fillRef idx="0">
+            <a:schemeClr val="accent1"/>
+          </a:fillRef>
+          <a:effectRef idx="0">
+            <a:schemeClr val="accent1"/>
+          </a:effectRef>
+          <a:fontRef idx="minor">
+            <a:schemeClr val="tx1"/>
+          </a:fontRef>
+        </p:style>
+      </p:cxnSp>
+      <p:sp>
+        <p:nvSpPr>
+          <p:cNvPr id="70" name="사각형: 둥근 모서리 69">
+            <a:extLst>
+              <a:ext uri="{FF2B5EF4-FFF2-40B4-BE49-F238E27FC236}">
+                <a16:creationId xmlns:a16="http://schemas.microsoft.com/office/drawing/2014/main" id="{F333F53A-1288-48CC-A9D5-A516D0DD304B}"/>
+              </a:ext>
+            </a:extLst>
+          </p:cNvPr>
+          <p:cNvSpPr/>
+          <p:nvPr/>
+        </p:nvSpPr>
+        <p:spPr>
+          <a:xfrm>
+            <a:off x="-313194" y="6743822"/>
+            <a:ext cx="1992388" cy="830511"/>
+          </a:xfrm>
+          <a:prstGeom prst="roundRect">
+            <a:avLst/>
+          </a:prstGeom>
+          <a:solidFill>
+            <a:schemeClr val="accent4">
+              <a:lumMod val="75000"/>
+            </a:schemeClr>
+          </a:solidFill>
+          <a:ln>
+            <a:solidFill>
+              <a:schemeClr val="bg1"/>
+            </a:solidFill>
+          </a:ln>
+        </p:spPr>
+        <p:style>
+          <a:lnRef idx="2">
+            <a:schemeClr val="accent1">
+              <a:shade val="50000"/>
+            </a:schemeClr>
+          </a:lnRef>
+          <a:fillRef idx="1">
+            <a:schemeClr val="accent1"/>
+          </a:fillRef>
+          <a:effectRef idx="0">
+            <a:schemeClr val="accent1"/>
+          </a:effectRef>
+          <a:fontRef idx="minor">
+            <a:schemeClr val="lt1"/>
+          </a:fontRef>
+        </p:style>
+        <p:txBody>
+          <a:bodyPr rtlCol="0" anchor="ctr"/>
+          <a:lstStyle/>
+          <a:p>
+            <a:pPr algn="ctr"/>
+            <a:r>
+              <a:rPr lang="en-US" altLang="ko-KR" b="1" dirty="0">
+                <a:solidFill>
+                  <a:sysClr val="windowText" lastClr="000000"/>
+                </a:solidFill>
+              </a:rPr>
+              <a:t>Speaker</a:t>
+            </a:r>
+            <a:r>
+              <a:rPr lang="ko-KR" altLang="en-US" b="1" dirty="0">
+                <a:solidFill>
+                  <a:sysClr val="windowText" lastClr="000000"/>
+                </a:solidFill>
+              </a:rPr>
+              <a:t> </a:t>
+            </a:r>
+            <a:r>
+              <a:rPr lang="en-US" altLang="ko-KR" b="1" dirty="0">
+                <a:solidFill>
+                  <a:sysClr val="windowText" lastClr="000000"/>
+                </a:solidFill>
+              </a:rPr>
+              <a:t>embedding</a:t>
+            </a:r>
+            <a:endParaRPr lang="ko-KR" altLang="en-US" b="1" dirty="0">
+              <a:solidFill>
+                <a:sysClr val="windowText" lastClr="000000"/>
+              </a:solidFill>
+            </a:endParaRPr>
+          </a:p>
+        </p:txBody>
+      </p:sp>
+      <p:cxnSp>
+        <p:nvCxnSpPr>
+          <p:cNvPr id="71" name="연결선: 꺾임 70">
+            <a:extLst>
+              <a:ext uri="{FF2B5EF4-FFF2-40B4-BE49-F238E27FC236}">
+                <a16:creationId xmlns:a16="http://schemas.microsoft.com/office/drawing/2014/main" id="{5B0038F7-53B9-4EEC-B7D0-1D30A9597EE2}"/>
+              </a:ext>
+            </a:extLst>
+          </p:cNvPr>
+          <p:cNvCxnSpPr>
+            <a:cxnSpLocks/>
+            <a:stCxn id="70" idx="3"/>
+            <a:endCxn id="100" idx="1"/>
+          </p:cNvCxnSpPr>
+          <p:nvPr/>
+        </p:nvCxnSpPr>
+        <p:spPr>
+          <a:xfrm flipV="1">
+            <a:off x="1679194" y="5998202"/>
+            <a:ext cx="714112" cy="1160876"/>
+          </a:xfrm>
+          <a:prstGeom prst="bentConnector3">
+            <a:avLst>
+              <a:gd name="adj1" fmla="val 50000"/>
+            </a:avLst>
+          </a:prstGeom>
+          <a:solidFill>
+            <a:srgbClr val="00BCB3"/>
+          </a:solidFill>
+          <a:ln w="38100">
+            <a:solidFill>
+              <a:schemeClr val="bg1"/>
+            </a:solidFill>
+            <a:prstDash val="sysDash"/>
+            <a:tailEnd type="triangle"/>
+          </a:ln>
+        </p:spPr>
+        <p:style>
+          <a:lnRef idx="1">
+            <a:schemeClr val="accent1"/>
+          </a:lnRef>
+          <a:fillRef idx="0">
+            <a:schemeClr val="accent1"/>
+          </a:fillRef>
+          <a:effectRef idx="0">
+            <a:schemeClr val="accent1"/>
+          </a:effectRef>
+          <a:fontRef idx="minor">
+            <a:schemeClr val="tx1"/>
+          </a:fontRef>
+        </p:style>
+      </p:cxnSp>
+    </p:spTree>
+    <p:extLst>
+      <p:ext uri="{BB962C8B-B14F-4D97-AF65-F5344CB8AC3E}">
+        <p14:creationId xmlns:p14="http://schemas.microsoft.com/office/powerpoint/2010/main" val="247959722"/>
       </p:ext>
     </p:extLst>
   </p:cSld>
